--- a/ppt/graph-modeling.pptx
+++ b/ppt/graph-modeling.pptx
@@ -104,6 +104,11 @@
       </a:defRPr>
     </a:lvl9pPr>
   </p:defaultTextStyle>
+  <p:extLst>
+    <p:ext uri="{EFAFB233-063F-42B5-8137-9DF3F51BA10A}">
+      <p15:sldGuideLst xmlns:p15="http://schemas.microsoft.com/office/powerpoint/2012/main"/>
+    </p:ext>
+  </p:extLst>
 </p:presentation>
 </file>
 
@@ -254,7 +259,7 @@
           <a:p>
             <a:fld id="{6FB5811F-D479-4940-B6C6-49C684852852}" type="datetimeFigureOut">
               <a:rPr lang="zh-CN" altLang="en-US" smtClean="0"/>
-              <a:t>2021/12/1</a:t>
+              <a:t>2021/12/20</a:t>
             </a:fld>
             <a:endParaRPr lang="zh-CN" altLang="en-US"/>
           </a:p>
@@ -452,7 +457,7 @@
           <a:p>
             <a:fld id="{6FB5811F-D479-4940-B6C6-49C684852852}" type="datetimeFigureOut">
               <a:rPr lang="zh-CN" altLang="en-US" smtClean="0"/>
-              <a:t>2021/12/1</a:t>
+              <a:t>2021/12/20</a:t>
             </a:fld>
             <a:endParaRPr lang="zh-CN" altLang="en-US"/>
           </a:p>
@@ -660,7 +665,7 @@
           <a:p>
             <a:fld id="{6FB5811F-D479-4940-B6C6-49C684852852}" type="datetimeFigureOut">
               <a:rPr lang="zh-CN" altLang="en-US" smtClean="0"/>
-              <a:t>2021/12/1</a:t>
+              <a:t>2021/12/20</a:t>
             </a:fld>
             <a:endParaRPr lang="zh-CN" altLang="en-US"/>
           </a:p>
@@ -858,7 +863,7 @@
           <a:p>
             <a:fld id="{6FB5811F-D479-4940-B6C6-49C684852852}" type="datetimeFigureOut">
               <a:rPr lang="zh-CN" altLang="en-US" smtClean="0"/>
-              <a:t>2021/12/1</a:t>
+              <a:t>2021/12/20</a:t>
             </a:fld>
             <a:endParaRPr lang="zh-CN" altLang="en-US"/>
           </a:p>
@@ -1133,7 +1138,7 @@
           <a:p>
             <a:fld id="{6FB5811F-D479-4940-B6C6-49C684852852}" type="datetimeFigureOut">
               <a:rPr lang="zh-CN" altLang="en-US" smtClean="0"/>
-              <a:t>2021/12/1</a:t>
+              <a:t>2021/12/20</a:t>
             </a:fld>
             <a:endParaRPr lang="zh-CN" altLang="en-US"/>
           </a:p>
@@ -1398,7 +1403,7 @@
           <a:p>
             <a:fld id="{6FB5811F-D479-4940-B6C6-49C684852852}" type="datetimeFigureOut">
               <a:rPr lang="zh-CN" altLang="en-US" smtClean="0"/>
-              <a:t>2021/12/1</a:t>
+              <a:t>2021/12/20</a:t>
             </a:fld>
             <a:endParaRPr lang="zh-CN" altLang="en-US"/>
           </a:p>
@@ -1810,7 +1815,7 @@
           <a:p>
             <a:fld id="{6FB5811F-D479-4940-B6C6-49C684852852}" type="datetimeFigureOut">
               <a:rPr lang="zh-CN" altLang="en-US" smtClean="0"/>
-              <a:t>2021/12/1</a:t>
+              <a:t>2021/12/20</a:t>
             </a:fld>
             <a:endParaRPr lang="zh-CN" altLang="en-US"/>
           </a:p>
@@ -1951,7 +1956,7 @@
           <a:p>
             <a:fld id="{6FB5811F-D479-4940-B6C6-49C684852852}" type="datetimeFigureOut">
               <a:rPr lang="zh-CN" altLang="en-US" smtClean="0"/>
-              <a:t>2021/12/1</a:t>
+              <a:t>2021/12/20</a:t>
             </a:fld>
             <a:endParaRPr lang="zh-CN" altLang="en-US"/>
           </a:p>
@@ -2064,7 +2069,7 @@
           <a:p>
             <a:fld id="{6FB5811F-D479-4940-B6C6-49C684852852}" type="datetimeFigureOut">
               <a:rPr lang="zh-CN" altLang="en-US" smtClean="0"/>
-              <a:t>2021/12/1</a:t>
+              <a:t>2021/12/20</a:t>
             </a:fld>
             <a:endParaRPr lang="zh-CN" altLang="en-US"/>
           </a:p>
@@ -2375,7 +2380,7 @@
           <a:p>
             <a:fld id="{6FB5811F-D479-4940-B6C6-49C684852852}" type="datetimeFigureOut">
               <a:rPr lang="zh-CN" altLang="en-US" smtClean="0"/>
-              <a:t>2021/12/1</a:t>
+              <a:t>2021/12/20</a:t>
             </a:fld>
             <a:endParaRPr lang="zh-CN" altLang="en-US"/>
           </a:p>
@@ -2663,7 +2668,7 @@
           <a:p>
             <a:fld id="{6FB5811F-D479-4940-B6C6-49C684852852}" type="datetimeFigureOut">
               <a:rPr lang="zh-CN" altLang="en-US" smtClean="0"/>
-              <a:t>2021/12/1</a:t>
+              <a:t>2021/12/20</a:t>
             </a:fld>
             <a:endParaRPr lang="zh-CN" altLang="en-US"/>
           </a:p>
@@ -2904,7 +2909,7 @@
           <a:p>
             <a:fld id="{6FB5811F-D479-4940-B6C6-49C684852852}" type="datetimeFigureOut">
               <a:rPr lang="zh-CN" altLang="en-US" smtClean="0"/>
-              <a:t>2021/12/1</a:t>
+              <a:t>2021/12/20</a:t>
             </a:fld>
             <a:endParaRPr lang="zh-CN" altLang="en-US"/>
           </a:p>
@@ -3323,1502 +3328,24 @@
       </p:grpSpPr>
       <p:grpSp>
         <p:nvGrpSpPr>
-          <p:cNvPr id="23" name="组合 22">
-            <a:extLst>
-              <a:ext uri="{FF2B5EF4-FFF2-40B4-BE49-F238E27FC236}">
-                <a16:creationId xmlns:a16="http://schemas.microsoft.com/office/drawing/2014/main" id="{A29B9341-25FE-461B-A9E8-29966312C124}"/>
-              </a:ext>
-            </a:extLst>
-          </p:cNvPr>
+          <p:cNvPr id="2" name="组合 1"/>
           <p:cNvGrpSpPr/>
           <p:nvPr/>
         </p:nvGrpSpPr>
         <p:grpSpPr>
           <a:xfrm>
-            <a:off x="2934810" y="881848"/>
-            <a:ext cx="907002" cy="1961966"/>
-            <a:chOff x="4053396" y="899603"/>
-            <a:chExt cx="907002" cy="1961966"/>
+            <a:off x="3134117" y="2113132"/>
+            <a:ext cx="1915572" cy="2459229"/>
+            <a:chOff x="972844" y="881848"/>
+            <a:chExt cx="3888255" cy="4830933"/>
           </a:xfrm>
         </p:grpSpPr>
         <p:grpSp>
           <p:nvGrpSpPr>
-            <p:cNvPr id="13" name="组合 12">
+            <p:cNvPr id="23" name="组合 22">
               <a:extLst>
                 <a:ext uri="{FF2B5EF4-FFF2-40B4-BE49-F238E27FC236}">
-                  <a16:creationId xmlns:a16="http://schemas.microsoft.com/office/drawing/2014/main" id="{DF32330E-3213-4325-83A8-7D65661DFCDB}"/>
-                </a:ext>
-              </a:extLst>
-            </p:cNvPr>
-            <p:cNvGrpSpPr/>
-            <p:nvPr/>
-          </p:nvGrpSpPr>
-          <p:grpSpPr>
-            <a:xfrm rot="5400000">
-              <a:off x="3525914" y="1427085"/>
-              <a:ext cx="1961966" cy="907002"/>
-              <a:chOff x="2077374" y="2867487"/>
-              <a:chExt cx="2441360" cy="907002"/>
-            </a:xfrm>
-          </p:grpSpPr>
-          <p:cxnSp>
-            <p:nvCxnSpPr>
-              <p:cNvPr id="14" name="直接连接符 13">
-                <a:extLst>
-                  <a:ext uri="{FF2B5EF4-FFF2-40B4-BE49-F238E27FC236}">
-                    <a16:creationId xmlns:a16="http://schemas.microsoft.com/office/drawing/2014/main" id="{4E188F26-347B-4C3F-B909-ED09D2ACEC3B}"/>
-                  </a:ext>
-                </a:extLst>
-              </p:cNvPr>
-              <p:cNvCxnSpPr/>
-              <p:nvPr/>
-            </p:nvCxnSpPr>
-            <p:spPr>
-              <a:xfrm>
-                <a:off x="2077374" y="2867487"/>
-                <a:ext cx="2441360" cy="0"/>
-              </a:xfrm>
-              <a:prstGeom prst="line">
-                <a:avLst/>
-              </a:prstGeom>
-              <a:ln w="19050"/>
-            </p:spPr>
-            <p:style>
-              <a:lnRef idx="1">
-                <a:schemeClr val="accent1"/>
-              </a:lnRef>
-              <a:fillRef idx="0">
-                <a:schemeClr val="accent1"/>
-              </a:fillRef>
-              <a:effectRef idx="0">
-                <a:schemeClr val="accent1"/>
-              </a:effectRef>
-              <a:fontRef idx="minor">
-                <a:schemeClr val="tx1"/>
-              </a:fontRef>
-            </p:style>
-          </p:cxnSp>
-          <p:cxnSp>
-            <p:nvCxnSpPr>
-              <p:cNvPr id="15" name="直接连接符 14">
-                <a:extLst>
-                  <a:ext uri="{FF2B5EF4-FFF2-40B4-BE49-F238E27FC236}">
-                    <a16:creationId xmlns:a16="http://schemas.microsoft.com/office/drawing/2014/main" id="{A7CE9A2F-D1FF-4570-96EB-8B482E46910B}"/>
-                  </a:ext>
-                </a:extLst>
-              </p:cNvPr>
-              <p:cNvCxnSpPr/>
-              <p:nvPr/>
-            </p:nvCxnSpPr>
-            <p:spPr>
-              <a:xfrm>
-                <a:off x="2077374" y="3315070"/>
-                <a:ext cx="2441360" cy="0"/>
-              </a:xfrm>
-              <a:prstGeom prst="line">
-                <a:avLst/>
-              </a:prstGeom>
-              <a:ln>
-                <a:prstDash val="dash"/>
-              </a:ln>
-            </p:spPr>
-            <p:style>
-              <a:lnRef idx="1">
-                <a:schemeClr val="dk1"/>
-              </a:lnRef>
-              <a:fillRef idx="0">
-                <a:schemeClr val="dk1"/>
-              </a:fillRef>
-              <a:effectRef idx="0">
-                <a:schemeClr val="dk1"/>
-              </a:effectRef>
-              <a:fontRef idx="minor">
-                <a:schemeClr val="tx1"/>
-              </a:fontRef>
-            </p:style>
-          </p:cxnSp>
-          <p:cxnSp>
-            <p:nvCxnSpPr>
-              <p:cNvPr id="16" name="直接连接符 15">
-                <a:extLst>
-                  <a:ext uri="{FF2B5EF4-FFF2-40B4-BE49-F238E27FC236}">
-                    <a16:creationId xmlns:a16="http://schemas.microsoft.com/office/drawing/2014/main" id="{DD6578D8-7C1C-46C6-848C-59F2497E7428}"/>
-                  </a:ext>
-                </a:extLst>
-              </p:cNvPr>
-              <p:cNvCxnSpPr/>
-              <p:nvPr/>
-            </p:nvCxnSpPr>
-            <p:spPr>
-              <a:xfrm>
-                <a:off x="2077374" y="3774489"/>
-                <a:ext cx="2441360" cy="0"/>
-              </a:xfrm>
-              <a:prstGeom prst="line">
-                <a:avLst/>
-              </a:prstGeom>
-              <a:ln w="19050"/>
-            </p:spPr>
-            <p:style>
-              <a:lnRef idx="1">
-                <a:schemeClr val="accent1"/>
-              </a:lnRef>
-              <a:fillRef idx="0">
-                <a:schemeClr val="accent1"/>
-              </a:fillRef>
-              <a:effectRef idx="0">
-                <a:schemeClr val="accent1"/>
-              </a:effectRef>
-              <a:fontRef idx="minor">
-                <a:schemeClr val="tx1"/>
-              </a:fontRef>
-            </p:style>
-          </p:cxnSp>
-        </p:grpSp>
-        <p:sp>
-          <p:nvSpPr>
-            <p:cNvPr id="21" name="椭圆 20">
-              <a:extLst>
-                <a:ext uri="{FF2B5EF4-FFF2-40B4-BE49-F238E27FC236}">
-                  <a16:creationId xmlns:a16="http://schemas.microsoft.com/office/drawing/2014/main" id="{CC2DA67E-802C-4F19-A58D-F7D63F8FCB3E}"/>
-                </a:ext>
-              </a:extLst>
-            </p:cNvPr>
-            <p:cNvSpPr/>
-            <p:nvPr/>
-          </p:nvSpPr>
-          <p:spPr>
-            <a:xfrm>
-              <a:off x="4140328" y="1880586"/>
-              <a:ext cx="297393" cy="310716"/>
-            </a:xfrm>
-            <a:prstGeom prst="ellipse">
-              <a:avLst/>
-            </a:prstGeom>
-            <a:solidFill>
-              <a:srgbClr val="00B050"/>
-            </a:solidFill>
-          </p:spPr>
-          <p:style>
-            <a:lnRef idx="2">
-              <a:schemeClr val="accent1">
-                <a:shade val="50000"/>
-              </a:schemeClr>
-            </a:lnRef>
-            <a:fillRef idx="1">
-              <a:schemeClr val="accent1"/>
-            </a:fillRef>
-            <a:effectRef idx="0">
-              <a:schemeClr val="accent1"/>
-            </a:effectRef>
-            <a:fontRef idx="minor">
-              <a:schemeClr val="lt1"/>
-            </a:fontRef>
-          </p:style>
-          <p:txBody>
-            <a:bodyPr rtlCol="0" anchor="ctr"/>
-            <a:lstStyle/>
-            <a:p>
-              <a:pPr algn="ctr"/>
-              <a:endParaRPr lang="zh-CN" altLang="en-US" dirty="0">
-                <a:solidFill>
-                  <a:srgbClr val="00B050"/>
-                </a:solidFill>
-              </a:endParaRPr>
-            </a:p>
-          </p:txBody>
-        </p:sp>
-        <p:sp>
-          <p:nvSpPr>
-            <p:cNvPr id="22" name="椭圆 21">
-              <a:extLst>
-                <a:ext uri="{FF2B5EF4-FFF2-40B4-BE49-F238E27FC236}">
-                  <a16:creationId xmlns:a16="http://schemas.microsoft.com/office/drawing/2014/main" id="{5348889A-28B8-465E-8242-297A2ACCFECA}"/>
-                </a:ext>
-              </a:extLst>
-            </p:cNvPr>
-            <p:cNvSpPr/>
-            <p:nvPr/>
-          </p:nvSpPr>
-          <p:spPr>
-            <a:xfrm>
-              <a:off x="4599746" y="1880586"/>
-              <a:ext cx="297393" cy="310716"/>
-            </a:xfrm>
-            <a:prstGeom prst="ellipse">
-              <a:avLst/>
-            </a:prstGeom>
-          </p:spPr>
-          <p:style>
-            <a:lnRef idx="2">
-              <a:schemeClr val="accent1">
-                <a:shade val="50000"/>
-              </a:schemeClr>
-            </a:lnRef>
-            <a:fillRef idx="1">
-              <a:schemeClr val="accent1"/>
-            </a:fillRef>
-            <a:effectRef idx="0">
-              <a:schemeClr val="accent1"/>
-            </a:effectRef>
-            <a:fontRef idx="minor">
-              <a:schemeClr val="lt1"/>
-            </a:fontRef>
-          </p:style>
-          <p:txBody>
-            <a:bodyPr rtlCol="0" anchor="ctr"/>
-            <a:lstStyle/>
-            <a:p>
-              <a:pPr algn="ctr"/>
-              <a:endParaRPr lang="zh-CN" altLang="en-US"/>
-            </a:p>
-          </p:txBody>
-        </p:sp>
-      </p:grpSp>
-      <p:grpSp>
-        <p:nvGrpSpPr>
-          <p:cNvPr id="24" name="组合 23">
-            <a:extLst>
-              <a:ext uri="{FF2B5EF4-FFF2-40B4-BE49-F238E27FC236}">
-                <a16:creationId xmlns:a16="http://schemas.microsoft.com/office/drawing/2014/main" id="{C6ACC72B-B95E-43D5-B205-B15C9CBF33CC}"/>
-              </a:ext>
-            </a:extLst>
-          </p:cNvPr>
-          <p:cNvGrpSpPr/>
-          <p:nvPr/>
-        </p:nvGrpSpPr>
-        <p:grpSpPr>
-          <a:xfrm rot="10800000">
-            <a:off x="2934810" y="3750815"/>
-            <a:ext cx="907002" cy="1961966"/>
-            <a:chOff x="4053396" y="899603"/>
-            <a:chExt cx="907002" cy="1961966"/>
-          </a:xfrm>
-        </p:grpSpPr>
-        <p:grpSp>
-          <p:nvGrpSpPr>
-            <p:cNvPr id="25" name="组合 24">
-              <a:extLst>
-                <a:ext uri="{FF2B5EF4-FFF2-40B4-BE49-F238E27FC236}">
-                  <a16:creationId xmlns:a16="http://schemas.microsoft.com/office/drawing/2014/main" id="{424B1E95-5C6D-4A89-B9CC-62F984B21921}"/>
-                </a:ext>
-              </a:extLst>
-            </p:cNvPr>
-            <p:cNvGrpSpPr/>
-            <p:nvPr/>
-          </p:nvGrpSpPr>
-          <p:grpSpPr>
-            <a:xfrm rot="5400000">
-              <a:off x="3525914" y="1427085"/>
-              <a:ext cx="1961966" cy="907002"/>
-              <a:chOff x="2077374" y="2867487"/>
-              <a:chExt cx="2441360" cy="907002"/>
-            </a:xfrm>
-          </p:grpSpPr>
-          <p:cxnSp>
-            <p:nvCxnSpPr>
-              <p:cNvPr id="28" name="直接连接符 27">
-                <a:extLst>
-                  <a:ext uri="{FF2B5EF4-FFF2-40B4-BE49-F238E27FC236}">
-                    <a16:creationId xmlns:a16="http://schemas.microsoft.com/office/drawing/2014/main" id="{6CB562E1-2FBD-4BAB-9E98-6AFDB5CA1D7F}"/>
-                  </a:ext>
-                </a:extLst>
-              </p:cNvPr>
-              <p:cNvCxnSpPr/>
-              <p:nvPr/>
-            </p:nvCxnSpPr>
-            <p:spPr>
-              <a:xfrm>
-                <a:off x="2077374" y="2867487"/>
-                <a:ext cx="2441360" cy="0"/>
-              </a:xfrm>
-              <a:prstGeom prst="line">
-                <a:avLst/>
-              </a:prstGeom>
-              <a:ln w="19050"/>
-            </p:spPr>
-            <p:style>
-              <a:lnRef idx="1">
-                <a:schemeClr val="accent1"/>
-              </a:lnRef>
-              <a:fillRef idx="0">
-                <a:schemeClr val="accent1"/>
-              </a:fillRef>
-              <a:effectRef idx="0">
-                <a:schemeClr val="accent1"/>
-              </a:effectRef>
-              <a:fontRef idx="minor">
-                <a:schemeClr val="tx1"/>
-              </a:fontRef>
-            </p:style>
-          </p:cxnSp>
-          <p:cxnSp>
-            <p:nvCxnSpPr>
-              <p:cNvPr id="29" name="直接连接符 28">
-                <a:extLst>
-                  <a:ext uri="{FF2B5EF4-FFF2-40B4-BE49-F238E27FC236}">
-                    <a16:creationId xmlns:a16="http://schemas.microsoft.com/office/drawing/2014/main" id="{5DD2DBEA-C8A8-4C3D-A752-887EDF20D451}"/>
-                  </a:ext>
-                </a:extLst>
-              </p:cNvPr>
-              <p:cNvCxnSpPr/>
-              <p:nvPr/>
-            </p:nvCxnSpPr>
-            <p:spPr>
-              <a:xfrm>
-                <a:off x="2077374" y="3315070"/>
-                <a:ext cx="2441360" cy="0"/>
-              </a:xfrm>
-              <a:prstGeom prst="line">
-                <a:avLst/>
-              </a:prstGeom>
-              <a:ln>
-                <a:prstDash val="dash"/>
-              </a:ln>
-            </p:spPr>
-            <p:style>
-              <a:lnRef idx="1">
-                <a:schemeClr val="dk1"/>
-              </a:lnRef>
-              <a:fillRef idx="0">
-                <a:schemeClr val="dk1"/>
-              </a:fillRef>
-              <a:effectRef idx="0">
-                <a:schemeClr val="dk1"/>
-              </a:effectRef>
-              <a:fontRef idx="minor">
-                <a:schemeClr val="tx1"/>
-              </a:fontRef>
-            </p:style>
-          </p:cxnSp>
-          <p:cxnSp>
-            <p:nvCxnSpPr>
-              <p:cNvPr id="30" name="直接连接符 29">
-                <a:extLst>
-                  <a:ext uri="{FF2B5EF4-FFF2-40B4-BE49-F238E27FC236}">
-                    <a16:creationId xmlns:a16="http://schemas.microsoft.com/office/drawing/2014/main" id="{ECA7DCEC-7A0F-40B0-AE49-4731E1830961}"/>
-                  </a:ext>
-                </a:extLst>
-              </p:cNvPr>
-              <p:cNvCxnSpPr/>
-              <p:nvPr/>
-            </p:nvCxnSpPr>
-            <p:spPr>
-              <a:xfrm>
-                <a:off x="2077374" y="3774489"/>
-                <a:ext cx="2441360" cy="0"/>
-              </a:xfrm>
-              <a:prstGeom prst="line">
-                <a:avLst/>
-              </a:prstGeom>
-              <a:ln w="19050"/>
-            </p:spPr>
-            <p:style>
-              <a:lnRef idx="1">
-                <a:schemeClr val="accent1"/>
-              </a:lnRef>
-              <a:fillRef idx="0">
-                <a:schemeClr val="accent1"/>
-              </a:fillRef>
-              <a:effectRef idx="0">
-                <a:schemeClr val="accent1"/>
-              </a:effectRef>
-              <a:fontRef idx="minor">
-                <a:schemeClr val="tx1"/>
-              </a:fontRef>
-            </p:style>
-          </p:cxnSp>
-        </p:grpSp>
-        <p:sp>
-          <p:nvSpPr>
-            <p:cNvPr id="26" name="椭圆 25">
-              <a:extLst>
-                <a:ext uri="{FF2B5EF4-FFF2-40B4-BE49-F238E27FC236}">
-                  <a16:creationId xmlns:a16="http://schemas.microsoft.com/office/drawing/2014/main" id="{13142649-0EF5-4A90-8705-540DA6E3FA6F}"/>
-                </a:ext>
-              </a:extLst>
-            </p:cNvPr>
-            <p:cNvSpPr/>
-            <p:nvPr/>
-          </p:nvSpPr>
-          <p:spPr>
-            <a:xfrm>
-              <a:off x="4140328" y="1880586"/>
-              <a:ext cx="297393" cy="310716"/>
-            </a:xfrm>
-            <a:prstGeom prst="ellipse">
-              <a:avLst/>
-            </a:prstGeom>
-            <a:solidFill>
-              <a:srgbClr val="00B050"/>
-            </a:solidFill>
-          </p:spPr>
-          <p:style>
-            <a:lnRef idx="2">
-              <a:schemeClr val="accent1">
-                <a:shade val="50000"/>
-              </a:schemeClr>
-            </a:lnRef>
-            <a:fillRef idx="1">
-              <a:schemeClr val="accent1"/>
-            </a:fillRef>
-            <a:effectRef idx="0">
-              <a:schemeClr val="accent1"/>
-            </a:effectRef>
-            <a:fontRef idx="minor">
-              <a:schemeClr val="lt1"/>
-            </a:fontRef>
-          </p:style>
-          <p:txBody>
-            <a:bodyPr rtlCol="0" anchor="ctr"/>
-            <a:lstStyle/>
-            <a:p>
-              <a:pPr algn="ctr"/>
-              <a:endParaRPr lang="zh-CN" altLang="en-US" dirty="0"/>
-            </a:p>
-          </p:txBody>
-        </p:sp>
-        <p:sp>
-          <p:nvSpPr>
-            <p:cNvPr id="27" name="椭圆 26">
-              <a:extLst>
-                <a:ext uri="{FF2B5EF4-FFF2-40B4-BE49-F238E27FC236}">
-                  <a16:creationId xmlns:a16="http://schemas.microsoft.com/office/drawing/2014/main" id="{11A8D76C-0DE0-414C-B79E-35A11324EB15}"/>
-                </a:ext>
-              </a:extLst>
-            </p:cNvPr>
-            <p:cNvSpPr/>
-            <p:nvPr/>
-          </p:nvSpPr>
-          <p:spPr>
-            <a:xfrm>
-              <a:off x="4599746" y="1880586"/>
-              <a:ext cx="297393" cy="310716"/>
-            </a:xfrm>
-            <a:prstGeom prst="ellipse">
-              <a:avLst/>
-            </a:prstGeom>
-          </p:spPr>
-          <p:style>
-            <a:lnRef idx="2">
-              <a:schemeClr val="accent1">
-                <a:shade val="50000"/>
-              </a:schemeClr>
-            </a:lnRef>
-            <a:fillRef idx="1">
-              <a:schemeClr val="accent1"/>
-            </a:fillRef>
-            <a:effectRef idx="0">
-              <a:schemeClr val="accent1"/>
-            </a:effectRef>
-            <a:fontRef idx="minor">
-              <a:schemeClr val="lt1"/>
-            </a:fontRef>
-          </p:style>
-          <p:txBody>
-            <a:bodyPr rtlCol="0" anchor="ctr"/>
-            <a:lstStyle/>
-            <a:p>
-              <a:pPr algn="ctr"/>
-              <a:endParaRPr lang="zh-CN" altLang="en-US"/>
-            </a:p>
-          </p:txBody>
-        </p:sp>
-      </p:grpSp>
-      <p:grpSp>
-        <p:nvGrpSpPr>
-          <p:cNvPr id="31" name="组合 30">
-            <a:extLst>
-              <a:ext uri="{FF2B5EF4-FFF2-40B4-BE49-F238E27FC236}">
-                <a16:creationId xmlns:a16="http://schemas.microsoft.com/office/drawing/2014/main" id="{F9503C8F-5FBF-476F-94F4-935DA61BA3A5}"/>
-              </a:ext>
-            </a:extLst>
-          </p:cNvPr>
-          <p:cNvGrpSpPr/>
-          <p:nvPr/>
-        </p:nvGrpSpPr>
-        <p:grpSpPr>
-          <a:xfrm rot="5400000">
-            <a:off x="4381130" y="2316332"/>
-            <a:ext cx="907002" cy="1961966"/>
-            <a:chOff x="4053396" y="899603"/>
-            <a:chExt cx="907002" cy="1961966"/>
-          </a:xfrm>
-        </p:grpSpPr>
-        <p:grpSp>
-          <p:nvGrpSpPr>
-            <p:cNvPr id="32" name="组合 31">
-              <a:extLst>
-                <a:ext uri="{FF2B5EF4-FFF2-40B4-BE49-F238E27FC236}">
-                  <a16:creationId xmlns:a16="http://schemas.microsoft.com/office/drawing/2014/main" id="{82B7A463-1C8A-474B-97F1-D29FA518DD2C}"/>
-                </a:ext>
-              </a:extLst>
-            </p:cNvPr>
-            <p:cNvGrpSpPr/>
-            <p:nvPr/>
-          </p:nvGrpSpPr>
-          <p:grpSpPr>
-            <a:xfrm rot="5400000">
-              <a:off x="3525914" y="1427085"/>
-              <a:ext cx="1961966" cy="907002"/>
-              <a:chOff x="2077374" y="2867487"/>
-              <a:chExt cx="2441360" cy="907002"/>
-            </a:xfrm>
-          </p:grpSpPr>
-          <p:cxnSp>
-            <p:nvCxnSpPr>
-              <p:cNvPr id="35" name="直接连接符 34">
-                <a:extLst>
-                  <a:ext uri="{FF2B5EF4-FFF2-40B4-BE49-F238E27FC236}">
-                    <a16:creationId xmlns:a16="http://schemas.microsoft.com/office/drawing/2014/main" id="{A73BD29A-AB19-479B-A9BC-D9ACFF60EF9E}"/>
-                  </a:ext>
-                </a:extLst>
-              </p:cNvPr>
-              <p:cNvCxnSpPr/>
-              <p:nvPr/>
-            </p:nvCxnSpPr>
-            <p:spPr>
-              <a:xfrm>
-                <a:off x="2077374" y="2867487"/>
-                <a:ext cx="2441360" cy="0"/>
-              </a:xfrm>
-              <a:prstGeom prst="line">
-                <a:avLst/>
-              </a:prstGeom>
-              <a:ln w="19050"/>
-            </p:spPr>
-            <p:style>
-              <a:lnRef idx="1">
-                <a:schemeClr val="accent1"/>
-              </a:lnRef>
-              <a:fillRef idx="0">
-                <a:schemeClr val="accent1"/>
-              </a:fillRef>
-              <a:effectRef idx="0">
-                <a:schemeClr val="accent1"/>
-              </a:effectRef>
-              <a:fontRef idx="minor">
-                <a:schemeClr val="tx1"/>
-              </a:fontRef>
-            </p:style>
-          </p:cxnSp>
-          <p:cxnSp>
-            <p:nvCxnSpPr>
-              <p:cNvPr id="36" name="直接连接符 35">
-                <a:extLst>
-                  <a:ext uri="{FF2B5EF4-FFF2-40B4-BE49-F238E27FC236}">
-                    <a16:creationId xmlns:a16="http://schemas.microsoft.com/office/drawing/2014/main" id="{E04A9E1A-21BF-4CEA-B048-4166B619F139}"/>
-                  </a:ext>
-                </a:extLst>
-              </p:cNvPr>
-              <p:cNvCxnSpPr/>
-              <p:nvPr/>
-            </p:nvCxnSpPr>
-            <p:spPr>
-              <a:xfrm>
-                <a:off x="2077374" y="3315070"/>
-                <a:ext cx="2441360" cy="0"/>
-              </a:xfrm>
-              <a:prstGeom prst="line">
-                <a:avLst/>
-              </a:prstGeom>
-              <a:ln>
-                <a:prstDash val="dash"/>
-              </a:ln>
-            </p:spPr>
-            <p:style>
-              <a:lnRef idx="1">
-                <a:schemeClr val="dk1"/>
-              </a:lnRef>
-              <a:fillRef idx="0">
-                <a:schemeClr val="dk1"/>
-              </a:fillRef>
-              <a:effectRef idx="0">
-                <a:schemeClr val="dk1"/>
-              </a:effectRef>
-              <a:fontRef idx="minor">
-                <a:schemeClr val="tx1"/>
-              </a:fontRef>
-            </p:style>
-          </p:cxnSp>
-          <p:cxnSp>
-            <p:nvCxnSpPr>
-              <p:cNvPr id="37" name="直接连接符 36">
-                <a:extLst>
-                  <a:ext uri="{FF2B5EF4-FFF2-40B4-BE49-F238E27FC236}">
-                    <a16:creationId xmlns:a16="http://schemas.microsoft.com/office/drawing/2014/main" id="{9C3C9524-FB9F-41D7-8D4A-8D592686E599}"/>
-                  </a:ext>
-                </a:extLst>
-              </p:cNvPr>
-              <p:cNvCxnSpPr/>
-              <p:nvPr/>
-            </p:nvCxnSpPr>
-            <p:spPr>
-              <a:xfrm>
-                <a:off x="2077374" y="3774489"/>
-                <a:ext cx="2441360" cy="0"/>
-              </a:xfrm>
-              <a:prstGeom prst="line">
-                <a:avLst/>
-              </a:prstGeom>
-              <a:ln w="19050"/>
-            </p:spPr>
-            <p:style>
-              <a:lnRef idx="1">
-                <a:schemeClr val="accent1"/>
-              </a:lnRef>
-              <a:fillRef idx="0">
-                <a:schemeClr val="accent1"/>
-              </a:fillRef>
-              <a:effectRef idx="0">
-                <a:schemeClr val="accent1"/>
-              </a:effectRef>
-              <a:fontRef idx="minor">
-                <a:schemeClr val="tx1"/>
-              </a:fontRef>
-            </p:style>
-          </p:cxnSp>
-        </p:grpSp>
-        <p:sp>
-          <p:nvSpPr>
-            <p:cNvPr id="33" name="椭圆 32">
-              <a:extLst>
-                <a:ext uri="{FF2B5EF4-FFF2-40B4-BE49-F238E27FC236}">
-                  <a16:creationId xmlns:a16="http://schemas.microsoft.com/office/drawing/2014/main" id="{96168055-E5A6-46D0-94EC-0577602DDE71}"/>
-                </a:ext>
-              </a:extLst>
-            </p:cNvPr>
-            <p:cNvSpPr/>
-            <p:nvPr/>
-          </p:nvSpPr>
-          <p:spPr>
-            <a:xfrm>
-              <a:off x="4140328" y="1880586"/>
-              <a:ext cx="297393" cy="310716"/>
-            </a:xfrm>
-            <a:prstGeom prst="ellipse">
-              <a:avLst/>
-            </a:prstGeom>
-            <a:solidFill>
-              <a:srgbClr val="00B050"/>
-            </a:solidFill>
-          </p:spPr>
-          <p:style>
-            <a:lnRef idx="2">
-              <a:schemeClr val="accent1">
-                <a:shade val="50000"/>
-              </a:schemeClr>
-            </a:lnRef>
-            <a:fillRef idx="1">
-              <a:schemeClr val="accent1"/>
-            </a:fillRef>
-            <a:effectRef idx="0">
-              <a:schemeClr val="accent1"/>
-            </a:effectRef>
-            <a:fontRef idx="minor">
-              <a:schemeClr val="lt1"/>
-            </a:fontRef>
-          </p:style>
-          <p:txBody>
-            <a:bodyPr rtlCol="0" anchor="ctr"/>
-            <a:lstStyle/>
-            <a:p>
-              <a:pPr algn="ctr"/>
-              <a:endParaRPr lang="zh-CN" altLang="en-US" dirty="0"/>
-            </a:p>
-          </p:txBody>
-        </p:sp>
-        <p:sp>
-          <p:nvSpPr>
-            <p:cNvPr id="34" name="椭圆 33">
-              <a:extLst>
-                <a:ext uri="{FF2B5EF4-FFF2-40B4-BE49-F238E27FC236}">
-                  <a16:creationId xmlns:a16="http://schemas.microsoft.com/office/drawing/2014/main" id="{4C72F6E0-3F40-47A1-8A19-FEDBB6DCA803}"/>
-                </a:ext>
-              </a:extLst>
-            </p:cNvPr>
-            <p:cNvSpPr/>
-            <p:nvPr/>
-          </p:nvSpPr>
-          <p:spPr>
-            <a:xfrm>
-              <a:off x="4599746" y="1880586"/>
-              <a:ext cx="297393" cy="310716"/>
-            </a:xfrm>
-            <a:prstGeom prst="ellipse">
-              <a:avLst/>
-            </a:prstGeom>
-          </p:spPr>
-          <p:style>
-            <a:lnRef idx="2">
-              <a:schemeClr val="accent1">
-                <a:shade val="50000"/>
-              </a:schemeClr>
-            </a:lnRef>
-            <a:fillRef idx="1">
-              <a:schemeClr val="accent1"/>
-            </a:fillRef>
-            <a:effectRef idx="0">
-              <a:schemeClr val="accent1"/>
-            </a:effectRef>
-            <a:fontRef idx="minor">
-              <a:schemeClr val="lt1"/>
-            </a:fontRef>
-          </p:style>
-          <p:txBody>
-            <a:bodyPr rtlCol="0" anchor="ctr"/>
-            <a:lstStyle/>
-            <a:p>
-              <a:pPr algn="ctr"/>
-              <a:endParaRPr lang="zh-CN" altLang="en-US"/>
-            </a:p>
-          </p:txBody>
-        </p:sp>
-      </p:grpSp>
-      <p:grpSp>
-        <p:nvGrpSpPr>
-          <p:cNvPr id="38" name="组合 37">
-            <a:extLst>
-              <a:ext uri="{FF2B5EF4-FFF2-40B4-BE49-F238E27FC236}">
-                <a16:creationId xmlns:a16="http://schemas.microsoft.com/office/drawing/2014/main" id="{575CD91C-5D9D-49F4-A6C6-01DC74948FFD}"/>
-              </a:ext>
-            </a:extLst>
-          </p:cNvPr>
-          <p:cNvGrpSpPr/>
-          <p:nvPr/>
-        </p:nvGrpSpPr>
-        <p:grpSpPr>
-          <a:xfrm rot="16200000">
-            <a:off x="1500326" y="2322249"/>
-            <a:ext cx="907002" cy="1961966"/>
-            <a:chOff x="4053396" y="899603"/>
-            <a:chExt cx="907002" cy="1961966"/>
-          </a:xfrm>
-        </p:grpSpPr>
-        <p:grpSp>
-          <p:nvGrpSpPr>
-            <p:cNvPr id="39" name="组合 38">
-              <a:extLst>
-                <a:ext uri="{FF2B5EF4-FFF2-40B4-BE49-F238E27FC236}">
-                  <a16:creationId xmlns:a16="http://schemas.microsoft.com/office/drawing/2014/main" id="{E4C3075C-CE99-492A-BB0C-945D94CF1294}"/>
-                </a:ext>
-              </a:extLst>
-            </p:cNvPr>
-            <p:cNvGrpSpPr/>
-            <p:nvPr/>
-          </p:nvGrpSpPr>
-          <p:grpSpPr>
-            <a:xfrm rot="5400000">
-              <a:off x="3525914" y="1427085"/>
-              <a:ext cx="1961966" cy="907002"/>
-              <a:chOff x="2077374" y="2867487"/>
-              <a:chExt cx="2441360" cy="907002"/>
-            </a:xfrm>
-          </p:grpSpPr>
-          <p:cxnSp>
-            <p:nvCxnSpPr>
-              <p:cNvPr id="42" name="直接连接符 41">
-                <a:extLst>
-                  <a:ext uri="{FF2B5EF4-FFF2-40B4-BE49-F238E27FC236}">
-                    <a16:creationId xmlns:a16="http://schemas.microsoft.com/office/drawing/2014/main" id="{052C27ED-ACEF-496A-8A85-3067F24722A2}"/>
-                  </a:ext>
-                </a:extLst>
-              </p:cNvPr>
-              <p:cNvCxnSpPr/>
-              <p:nvPr/>
-            </p:nvCxnSpPr>
-            <p:spPr>
-              <a:xfrm>
-                <a:off x="2077374" y="2867487"/>
-                <a:ext cx="2441360" cy="0"/>
-              </a:xfrm>
-              <a:prstGeom prst="line">
-                <a:avLst/>
-              </a:prstGeom>
-              <a:ln w="19050"/>
-            </p:spPr>
-            <p:style>
-              <a:lnRef idx="1">
-                <a:schemeClr val="accent1"/>
-              </a:lnRef>
-              <a:fillRef idx="0">
-                <a:schemeClr val="accent1"/>
-              </a:fillRef>
-              <a:effectRef idx="0">
-                <a:schemeClr val="accent1"/>
-              </a:effectRef>
-              <a:fontRef idx="minor">
-                <a:schemeClr val="tx1"/>
-              </a:fontRef>
-            </p:style>
-          </p:cxnSp>
-          <p:cxnSp>
-            <p:nvCxnSpPr>
-              <p:cNvPr id="43" name="直接连接符 42">
-                <a:extLst>
-                  <a:ext uri="{FF2B5EF4-FFF2-40B4-BE49-F238E27FC236}">
-                    <a16:creationId xmlns:a16="http://schemas.microsoft.com/office/drawing/2014/main" id="{AEDAC051-A007-4DC3-AFA5-F8234E184C3C}"/>
-                  </a:ext>
-                </a:extLst>
-              </p:cNvPr>
-              <p:cNvCxnSpPr/>
-              <p:nvPr/>
-            </p:nvCxnSpPr>
-            <p:spPr>
-              <a:xfrm>
-                <a:off x="2077374" y="3315070"/>
-                <a:ext cx="2441360" cy="0"/>
-              </a:xfrm>
-              <a:prstGeom prst="line">
-                <a:avLst/>
-              </a:prstGeom>
-              <a:ln>
-                <a:prstDash val="dash"/>
-              </a:ln>
-            </p:spPr>
-            <p:style>
-              <a:lnRef idx="1">
-                <a:schemeClr val="dk1"/>
-              </a:lnRef>
-              <a:fillRef idx="0">
-                <a:schemeClr val="dk1"/>
-              </a:fillRef>
-              <a:effectRef idx="0">
-                <a:schemeClr val="dk1"/>
-              </a:effectRef>
-              <a:fontRef idx="minor">
-                <a:schemeClr val="tx1"/>
-              </a:fontRef>
-            </p:style>
-          </p:cxnSp>
-          <p:cxnSp>
-            <p:nvCxnSpPr>
-              <p:cNvPr id="44" name="直接连接符 43">
-                <a:extLst>
-                  <a:ext uri="{FF2B5EF4-FFF2-40B4-BE49-F238E27FC236}">
-                    <a16:creationId xmlns:a16="http://schemas.microsoft.com/office/drawing/2014/main" id="{43CF8383-C9B2-493F-BC48-353E06DA6162}"/>
-                  </a:ext>
-                </a:extLst>
-              </p:cNvPr>
-              <p:cNvCxnSpPr/>
-              <p:nvPr/>
-            </p:nvCxnSpPr>
-            <p:spPr>
-              <a:xfrm>
-                <a:off x="2077374" y="3774489"/>
-                <a:ext cx="2441360" cy="0"/>
-              </a:xfrm>
-              <a:prstGeom prst="line">
-                <a:avLst/>
-              </a:prstGeom>
-              <a:ln w="19050"/>
-            </p:spPr>
-            <p:style>
-              <a:lnRef idx="1">
-                <a:schemeClr val="accent1"/>
-              </a:lnRef>
-              <a:fillRef idx="0">
-                <a:schemeClr val="accent1"/>
-              </a:fillRef>
-              <a:effectRef idx="0">
-                <a:schemeClr val="accent1"/>
-              </a:effectRef>
-              <a:fontRef idx="minor">
-                <a:schemeClr val="tx1"/>
-              </a:fontRef>
-            </p:style>
-          </p:cxnSp>
-        </p:grpSp>
-        <p:sp>
-          <p:nvSpPr>
-            <p:cNvPr id="40" name="椭圆 39">
-              <a:extLst>
-                <a:ext uri="{FF2B5EF4-FFF2-40B4-BE49-F238E27FC236}">
-                  <a16:creationId xmlns:a16="http://schemas.microsoft.com/office/drawing/2014/main" id="{43FB0DEF-25CC-45A8-933A-A96C99B7F4B0}"/>
-                </a:ext>
-              </a:extLst>
-            </p:cNvPr>
-            <p:cNvSpPr/>
-            <p:nvPr/>
-          </p:nvSpPr>
-          <p:spPr>
-            <a:xfrm>
-              <a:off x="4140328" y="1880586"/>
-              <a:ext cx="297393" cy="310716"/>
-            </a:xfrm>
-            <a:prstGeom prst="ellipse">
-              <a:avLst/>
-            </a:prstGeom>
-            <a:solidFill>
-              <a:srgbClr val="00B050"/>
-            </a:solidFill>
-          </p:spPr>
-          <p:style>
-            <a:lnRef idx="2">
-              <a:schemeClr val="accent1">
-                <a:shade val="50000"/>
-              </a:schemeClr>
-            </a:lnRef>
-            <a:fillRef idx="1">
-              <a:schemeClr val="accent1"/>
-            </a:fillRef>
-            <a:effectRef idx="0">
-              <a:schemeClr val="accent1"/>
-            </a:effectRef>
-            <a:fontRef idx="minor">
-              <a:schemeClr val="lt1"/>
-            </a:fontRef>
-          </p:style>
-          <p:txBody>
-            <a:bodyPr rtlCol="0" anchor="ctr"/>
-            <a:lstStyle/>
-            <a:p>
-              <a:pPr algn="ctr"/>
-              <a:endParaRPr lang="zh-CN" altLang="en-US" dirty="0"/>
-            </a:p>
-          </p:txBody>
-        </p:sp>
-        <p:sp>
-          <p:nvSpPr>
-            <p:cNvPr id="41" name="椭圆 40">
-              <a:extLst>
-                <a:ext uri="{FF2B5EF4-FFF2-40B4-BE49-F238E27FC236}">
-                  <a16:creationId xmlns:a16="http://schemas.microsoft.com/office/drawing/2014/main" id="{B105D234-911C-41AA-B519-9F00D4B28856}"/>
-                </a:ext>
-              </a:extLst>
-            </p:cNvPr>
-            <p:cNvSpPr/>
-            <p:nvPr/>
-          </p:nvSpPr>
-          <p:spPr>
-            <a:xfrm>
-              <a:off x="4599746" y="1880586"/>
-              <a:ext cx="297393" cy="310716"/>
-            </a:xfrm>
-            <a:prstGeom prst="ellipse">
-              <a:avLst/>
-            </a:prstGeom>
-          </p:spPr>
-          <p:style>
-            <a:lnRef idx="2">
-              <a:schemeClr val="accent1">
-                <a:shade val="50000"/>
-              </a:schemeClr>
-            </a:lnRef>
-            <a:fillRef idx="1">
-              <a:schemeClr val="accent1"/>
-            </a:fillRef>
-            <a:effectRef idx="0">
-              <a:schemeClr val="accent1"/>
-            </a:effectRef>
-            <a:fontRef idx="minor">
-              <a:schemeClr val="lt1"/>
-            </a:fontRef>
-          </p:style>
-          <p:txBody>
-            <a:bodyPr rtlCol="0" anchor="ctr"/>
-            <a:lstStyle/>
-            <a:p>
-              <a:pPr algn="ctr"/>
-              <a:endParaRPr lang="zh-CN" altLang="en-US"/>
-            </a:p>
-          </p:txBody>
-        </p:sp>
-      </p:grpSp>
-      <p:cxnSp>
-        <p:nvCxnSpPr>
-          <p:cNvPr id="46" name="直接连接符 45">
-            <a:extLst>
-              <a:ext uri="{FF2B5EF4-FFF2-40B4-BE49-F238E27FC236}">
-                <a16:creationId xmlns:a16="http://schemas.microsoft.com/office/drawing/2014/main" id="{764F2CE8-8F96-4941-B0C0-C5FC496D5DC6}"/>
-              </a:ext>
-            </a:extLst>
-          </p:cNvPr>
-          <p:cNvCxnSpPr>
-            <a:stCxn id="21" idx="3"/>
-            <a:endCxn id="41" idx="5"/>
-          </p:cNvCxnSpPr>
-          <p:nvPr/>
-        </p:nvCxnSpPr>
-        <p:spPr>
-          <a:xfrm flipH="1">
-            <a:off x="2219041" y="2128044"/>
-            <a:ext cx="846253" cy="828499"/>
-          </a:xfrm>
-          <a:prstGeom prst="line">
-            <a:avLst/>
-          </a:prstGeom>
-        </p:spPr>
-        <p:style>
-          <a:lnRef idx="1">
-            <a:schemeClr val="dk1"/>
-          </a:lnRef>
-          <a:fillRef idx="0">
-            <a:schemeClr val="dk1"/>
-          </a:fillRef>
-          <a:effectRef idx="0">
-            <a:schemeClr val="dk1"/>
-          </a:effectRef>
-          <a:fontRef idx="minor">
-            <a:schemeClr val="tx1"/>
-          </a:fontRef>
-        </p:style>
-      </p:cxnSp>
-      <p:cxnSp>
-        <p:nvCxnSpPr>
-          <p:cNvPr id="48" name="直接连接符 47">
-            <a:extLst>
-              <a:ext uri="{FF2B5EF4-FFF2-40B4-BE49-F238E27FC236}">
-                <a16:creationId xmlns:a16="http://schemas.microsoft.com/office/drawing/2014/main" id="{D68F67E1-0C17-45F2-8F17-8885FA4BE727}"/>
-              </a:ext>
-            </a:extLst>
-          </p:cNvPr>
-          <p:cNvCxnSpPr>
-            <a:stCxn id="21" idx="4"/>
-            <a:endCxn id="27" idx="4"/>
-          </p:cNvCxnSpPr>
-          <p:nvPr/>
-        </p:nvCxnSpPr>
-        <p:spPr>
-          <a:xfrm flipH="1">
-            <a:off x="3146765" y="2173547"/>
-            <a:ext cx="23674" cy="2247535"/>
-          </a:xfrm>
-          <a:prstGeom prst="line">
-            <a:avLst/>
-          </a:prstGeom>
-        </p:spPr>
-        <p:style>
-          <a:lnRef idx="1">
-            <a:schemeClr val="dk1"/>
-          </a:lnRef>
-          <a:fillRef idx="0">
-            <a:schemeClr val="dk1"/>
-          </a:fillRef>
-          <a:effectRef idx="0">
-            <a:schemeClr val="dk1"/>
-          </a:effectRef>
-          <a:fontRef idx="minor">
-            <a:schemeClr val="tx1"/>
-          </a:fontRef>
-        </p:style>
-      </p:cxnSp>
-      <p:cxnSp>
-        <p:nvCxnSpPr>
-          <p:cNvPr id="52" name="直接连接符 51">
-            <a:extLst>
-              <a:ext uri="{FF2B5EF4-FFF2-40B4-BE49-F238E27FC236}">
-                <a16:creationId xmlns:a16="http://schemas.microsoft.com/office/drawing/2014/main" id="{92BF9203-853A-4CEF-AC56-9536733D75FF}"/>
-              </a:ext>
-            </a:extLst>
-          </p:cNvPr>
-          <p:cNvCxnSpPr>
-            <a:stCxn id="40" idx="5"/>
-            <a:endCxn id="22" idx="3"/>
-          </p:cNvCxnSpPr>
-          <p:nvPr/>
-        </p:nvCxnSpPr>
-        <p:spPr>
-          <a:xfrm flipV="1">
-            <a:off x="2219041" y="2128044"/>
-            <a:ext cx="1305671" cy="1287917"/>
-          </a:xfrm>
-          <a:prstGeom prst="line">
-            <a:avLst/>
-          </a:prstGeom>
-        </p:spPr>
-        <p:style>
-          <a:lnRef idx="1">
-            <a:schemeClr val="dk1"/>
-          </a:lnRef>
-          <a:fillRef idx="0">
-            <a:schemeClr val="dk1"/>
-          </a:fillRef>
-          <a:effectRef idx="0">
-            <a:schemeClr val="dk1"/>
-          </a:effectRef>
-          <a:fontRef idx="minor">
-            <a:schemeClr val="tx1"/>
-          </a:fontRef>
-        </p:style>
-      </p:cxnSp>
-      <p:cxnSp>
-        <p:nvCxnSpPr>
-          <p:cNvPr id="54" name="直接连接符 53">
-            <a:extLst>
-              <a:ext uri="{FF2B5EF4-FFF2-40B4-BE49-F238E27FC236}">
-                <a16:creationId xmlns:a16="http://schemas.microsoft.com/office/drawing/2014/main" id="{008A828E-D513-4280-B1C6-E1BFE58B6043}"/>
-              </a:ext>
-            </a:extLst>
-          </p:cNvPr>
-          <p:cNvCxnSpPr>
-            <a:stCxn id="40" idx="4"/>
-            <a:endCxn id="34" idx="4"/>
-          </p:cNvCxnSpPr>
-          <p:nvPr/>
-        </p:nvCxnSpPr>
-        <p:spPr>
-          <a:xfrm>
-            <a:off x="2264544" y="3521105"/>
-            <a:ext cx="2259372" cy="17757"/>
-          </a:xfrm>
-          <a:prstGeom prst="line">
-            <a:avLst/>
-          </a:prstGeom>
-        </p:spPr>
-        <p:style>
-          <a:lnRef idx="1">
-            <a:schemeClr val="dk1"/>
-          </a:lnRef>
-          <a:fillRef idx="0">
-            <a:schemeClr val="dk1"/>
-          </a:fillRef>
-          <a:effectRef idx="0">
-            <a:schemeClr val="dk1"/>
-          </a:effectRef>
-          <a:fontRef idx="minor">
-            <a:schemeClr val="tx1"/>
-          </a:fontRef>
-        </p:style>
-      </p:cxnSp>
-      <p:cxnSp>
-        <p:nvCxnSpPr>
-          <p:cNvPr id="58" name="直接连接符 57">
-            <a:extLst>
-              <a:ext uri="{FF2B5EF4-FFF2-40B4-BE49-F238E27FC236}">
-                <a16:creationId xmlns:a16="http://schemas.microsoft.com/office/drawing/2014/main" id="{95DE90DB-FA25-4A7D-B296-8803BEC0EE27}"/>
-              </a:ext>
-            </a:extLst>
-          </p:cNvPr>
-          <p:cNvCxnSpPr>
-            <a:stCxn id="33" idx="4"/>
-            <a:endCxn id="41" idx="4"/>
-          </p:cNvCxnSpPr>
-          <p:nvPr/>
-        </p:nvCxnSpPr>
-        <p:spPr>
-          <a:xfrm flipH="1" flipV="1">
-            <a:off x="2264544" y="3061687"/>
-            <a:ext cx="2259372" cy="17757"/>
-          </a:xfrm>
-          <a:prstGeom prst="line">
-            <a:avLst/>
-          </a:prstGeom>
-        </p:spPr>
-        <p:style>
-          <a:lnRef idx="1">
-            <a:schemeClr val="dk1"/>
-          </a:lnRef>
-          <a:fillRef idx="0">
-            <a:schemeClr val="dk1"/>
-          </a:fillRef>
-          <a:effectRef idx="0">
-            <a:schemeClr val="dk1"/>
-          </a:effectRef>
-          <a:fontRef idx="minor">
-            <a:schemeClr val="tx1"/>
-          </a:fontRef>
-        </p:style>
-      </p:cxnSp>
-      <p:cxnSp>
-        <p:nvCxnSpPr>
-          <p:cNvPr id="60" name="直接连接符 59">
-            <a:extLst>
-              <a:ext uri="{FF2B5EF4-FFF2-40B4-BE49-F238E27FC236}">
-                <a16:creationId xmlns:a16="http://schemas.microsoft.com/office/drawing/2014/main" id="{6FA9FC48-35A3-456F-855A-6A1E3FAEBD5B}"/>
-              </a:ext>
-            </a:extLst>
-          </p:cNvPr>
-          <p:cNvCxnSpPr>
-            <a:stCxn id="33" idx="3"/>
-            <a:endCxn id="22" idx="5"/>
-          </p:cNvCxnSpPr>
-          <p:nvPr/>
-        </p:nvCxnSpPr>
-        <p:spPr>
-          <a:xfrm flipH="1" flipV="1">
-            <a:off x="3735001" y="2128044"/>
-            <a:ext cx="834418" cy="846255"/>
-          </a:xfrm>
-          <a:prstGeom prst="line">
-            <a:avLst/>
-          </a:prstGeom>
-        </p:spPr>
-        <p:style>
-          <a:lnRef idx="1">
-            <a:schemeClr val="dk1"/>
-          </a:lnRef>
-          <a:fillRef idx="0">
-            <a:schemeClr val="dk1"/>
-          </a:fillRef>
-          <a:effectRef idx="0">
-            <a:schemeClr val="dk1"/>
-          </a:effectRef>
-          <a:fontRef idx="minor">
-            <a:schemeClr val="tx1"/>
-          </a:fontRef>
-        </p:style>
-      </p:cxnSp>
-      <p:cxnSp>
-        <p:nvCxnSpPr>
-          <p:cNvPr id="62" name="直接连接符 61">
-            <a:extLst>
-              <a:ext uri="{FF2B5EF4-FFF2-40B4-BE49-F238E27FC236}">
-                <a16:creationId xmlns:a16="http://schemas.microsoft.com/office/drawing/2014/main" id="{67A920CC-EBB5-435D-897B-6C11C2BB8117}"/>
-              </a:ext>
-            </a:extLst>
-          </p:cNvPr>
-          <p:cNvCxnSpPr>
-            <a:stCxn id="21" idx="5"/>
-            <a:endCxn id="34" idx="3"/>
-          </p:cNvCxnSpPr>
-          <p:nvPr/>
-        </p:nvCxnSpPr>
-        <p:spPr>
-          <a:xfrm>
-            <a:off x="3275583" y="2128044"/>
-            <a:ext cx="1293836" cy="1305673"/>
-          </a:xfrm>
-          <a:prstGeom prst="line">
-            <a:avLst/>
-          </a:prstGeom>
-        </p:spPr>
-        <p:style>
-          <a:lnRef idx="1">
-            <a:schemeClr val="dk1"/>
-          </a:lnRef>
-          <a:fillRef idx="0">
-            <a:schemeClr val="dk1"/>
-          </a:fillRef>
-          <a:effectRef idx="0">
-            <a:schemeClr val="dk1"/>
-          </a:effectRef>
-          <a:fontRef idx="minor">
-            <a:schemeClr val="tx1"/>
-          </a:fontRef>
-        </p:style>
-      </p:cxnSp>
-      <p:cxnSp>
-        <p:nvCxnSpPr>
-          <p:cNvPr id="64" name="直接连接符 63">
-            <a:extLst>
-              <a:ext uri="{FF2B5EF4-FFF2-40B4-BE49-F238E27FC236}">
-                <a16:creationId xmlns:a16="http://schemas.microsoft.com/office/drawing/2014/main" id="{8D2B72D6-380E-46A1-95E8-E2970B8005FA}"/>
-              </a:ext>
-            </a:extLst>
-          </p:cNvPr>
-          <p:cNvCxnSpPr>
-            <a:stCxn id="26" idx="4"/>
-            <a:endCxn id="22" idx="4"/>
-          </p:cNvCxnSpPr>
-          <p:nvPr/>
-        </p:nvCxnSpPr>
-        <p:spPr>
-          <a:xfrm flipV="1">
-            <a:off x="3606183" y="2173547"/>
-            <a:ext cx="23674" cy="2247535"/>
-          </a:xfrm>
-          <a:prstGeom prst="line">
-            <a:avLst/>
-          </a:prstGeom>
-        </p:spPr>
-        <p:style>
-          <a:lnRef idx="1">
-            <a:schemeClr val="dk1"/>
-          </a:lnRef>
-          <a:fillRef idx="0">
-            <a:schemeClr val="dk1"/>
-          </a:fillRef>
-          <a:effectRef idx="0">
-            <a:schemeClr val="dk1"/>
-          </a:effectRef>
-          <a:fontRef idx="minor">
-            <a:schemeClr val="tx1"/>
-          </a:fontRef>
-        </p:style>
-      </p:cxnSp>
-      <p:cxnSp>
-        <p:nvCxnSpPr>
-          <p:cNvPr id="66" name="直接连接符 65">
-            <a:extLst>
-              <a:ext uri="{FF2B5EF4-FFF2-40B4-BE49-F238E27FC236}">
-                <a16:creationId xmlns:a16="http://schemas.microsoft.com/office/drawing/2014/main" id="{6EF9FB2F-410C-46BD-80E3-E8D1C883A0AF}"/>
-              </a:ext>
-            </a:extLst>
-          </p:cNvPr>
-          <p:cNvCxnSpPr>
-            <a:stCxn id="26" idx="5"/>
-            <a:endCxn id="41" idx="3"/>
-          </p:cNvCxnSpPr>
-          <p:nvPr/>
-        </p:nvCxnSpPr>
-        <p:spPr>
-          <a:xfrm flipH="1" flipV="1">
-            <a:off x="2219041" y="3166832"/>
-            <a:ext cx="1281998" cy="1299753"/>
-          </a:xfrm>
-          <a:prstGeom prst="line">
-            <a:avLst/>
-          </a:prstGeom>
-        </p:spPr>
-        <p:style>
-          <a:lnRef idx="1">
-            <a:schemeClr val="dk1"/>
-          </a:lnRef>
-          <a:fillRef idx="0">
-            <a:schemeClr val="dk1"/>
-          </a:fillRef>
-          <a:effectRef idx="0">
-            <a:schemeClr val="dk1"/>
-          </a:effectRef>
-          <a:fontRef idx="minor">
-            <a:schemeClr val="tx1"/>
-          </a:fontRef>
-        </p:style>
-      </p:cxnSp>
-      <p:cxnSp>
-        <p:nvCxnSpPr>
-          <p:cNvPr id="68" name="直接连接符 67">
-            <a:extLst>
-              <a:ext uri="{FF2B5EF4-FFF2-40B4-BE49-F238E27FC236}">
-                <a16:creationId xmlns:a16="http://schemas.microsoft.com/office/drawing/2014/main" id="{25869FB8-25A2-40ED-AB6D-2B72CC30A85A}"/>
-              </a:ext>
-            </a:extLst>
-          </p:cNvPr>
-          <p:cNvCxnSpPr>
-            <a:stCxn id="26" idx="3"/>
-            <a:endCxn id="34" idx="5"/>
-          </p:cNvCxnSpPr>
-          <p:nvPr/>
-        </p:nvCxnSpPr>
-        <p:spPr>
-          <a:xfrm flipV="1">
-            <a:off x="3711328" y="3644006"/>
-            <a:ext cx="858091" cy="822579"/>
-          </a:xfrm>
-          <a:prstGeom prst="line">
-            <a:avLst/>
-          </a:prstGeom>
-        </p:spPr>
-        <p:style>
-          <a:lnRef idx="1">
-            <a:schemeClr val="dk1"/>
-          </a:lnRef>
-          <a:fillRef idx="0">
-            <a:schemeClr val="dk1"/>
-          </a:fillRef>
-          <a:effectRef idx="0">
-            <a:schemeClr val="dk1"/>
-          </a:effectRef>
-          <a:fontRef idx="minor">
-            <a:schemeClr val="tx1"/>
-          </a:fontRef>
-        </p:style>
-      </p:cxnSp>
-      <p:cxnSp>
-        <p:nvCxnSpPr>
-          <p:cNvPr id="70" name="直接连接符 69">
-            <a:extLst>
-              <a:ext uri="{FF2B5EF4-FFF2-40B4-BE49-F238E27FC236}">
-                <a16:creationId xmlns:a16="http://schemas.microsoft.com/office/drawing/2014/main" id="{5C77BFF4-0A1E-447F-9164-EE7EBBFE62B9}"/>
-              </a:ext>
-            </a:extLst>
-          </p:cNvPr>
-          <p:cNvCxnSpPr>
-            <a:stCxn id="40" idx="3"/>
-            <a:endCxn id="27" idx="5"/>
-          </p:cNvCxnSpPr>
-          <p:nvPr/>
-        </p:nvCxnSpPr>
-        <p:spPr>
-          <a:xfrm>
-            <a:off x="2219041" y="3626250"/>
-            <a:ext cx="822580" cy="840335"/>
-          </a:xfrm>
-          <a:prstGeom prst="line">
-            <a:avLst/>
-          </a:prstGeom>
-        </p:spPr>
-        <p:style>
-          <a:lnRef idx="1">
-            <a:schemeClr val="dk1"/>
-          </a:lnRef>
-          <a:fillRef idx="0">
-            <a:schemeClr val="dk1"/>
-          </a:fillRef>
-          <a:effectRef idx="0">
-            <a:schemeClr val="dk1"/>
-          </a:effectRef>
-          <a:fontRef idx="minor">
-            <a:schemeClr val="tx1"/>
-          </a:fontRef>
-        </p:style>
-      </p:cxnSp>
-      <p:cxnSp>
-        <p:nvCxnSpPr>
-          <p:cNvPr id="72" name="直接连接符 71">
-            <a:extLst>
-              <a:ext uri="{FF2B5EF4-FFF2-40B4-BE49-F238E27FC236}">
-                <a16:creationId xmlns:a16="http://schemas.microsoft.com/office/drawing/2014/main" id="{D7775859-5C59-4797-8A52-2AA8C863D3ED}"/>
-              </a:ext>
-            </a:extLst>
-          </p:cNvPr>
-          <p:cNvCxnSpPr>
-            <a:stCxn id="33" idx="5"/>
-            <a:endCxn id="27" idx="3"/>
-          </p:cNvCxnSpPr>
-          <p:nvPr/>
-        </p:nvCxnSpPr>
-        <p:spPr>
-          <a:xfrm flipH="1">
-            <a:off x="3251910" y="3184588"/>
-            <a:ext cx="1317509" cy="1281997"/>
-          </a:xfrm>
-          <a:prstGeom prst="line">
-            <a:avLst/>
-          </a:prstGeom>
-        </p:spPr>
-        <p:style>
-          <a:lnRef idx="1">
-            <a:schemeClr val="dk1"/>
-          </a:lnRef>
-          <a:fillRef idx="0">
-            <a:schemeClr val="dk1"/>
-          </a:fillRef>
-          <a:effectRef idx="0">
-            <a:schemeClr val="dk1"/>
-          </a:effectRef>
-          <a:fontRef idx="minor">
-            <a:schemeClr val="tx1"/>
-          </a:fontRef>
-        </p:style>
-      </p:cxnSp>
-      <p:grpSp>
-        <p:nvGrpSpPr>
-          <p:cNvPr id="120" name="组合 119">
-            <a:extLst>
-              <a:ext uri="{FF2B5EF4-FFF2-40B4-BE49-F238E27FC236}">
-                <a16:creationId xmlns:a16="http://schemas.microsoft.com/office/drawing/2014/main" id="{24FCEA22-91A3-4B0A-B20D-F2C78CB55DCA}"/>
-              </a:ext>
-            </a:extLst>
-          </p:cNvPr>
-          <p:cNvGrpSpPr/>
-          <p:nvPr/>
-        </p:nvGrpSpPr>
-        <p:grpSpPr>
-          <a:xfrm>
-            <a:off x="7816788" y="1862830"/>
-            <a:ext cx="2880804" cy="2868967"/>
-            <a:chOff x="7305948" y="1862831"/>
-            <a:chExt cx="2880804" cy="2868967"/>
-          </a:xfrm>
-        </p:grpSpPr>
-        <p:grpSp>
-          <p:nvGrpSpPr>
-            <p:cNvPr id="80" name="组合 79">
-              <a:extLst>
-                <a:ext uri="{FF2B5EF4-FFF2-40B4-BE49-F238E27FC236}">
-                  <a16:creationId xmlns:a16="http://schemas.microsoft.com/office/drawing/2014/main" id="{9136DFAF-8E02-46DB-ACF9-34CAF2D04E86}"/>
+                  <a16:creationId xmlns:a16="http://schemas.microsoft.com/office/drawing/2014/main" id="{A29B9341-25FE-461B-A9E8-29966312C124}"/>
                 </a:ext>
               </a:extLst>
             </p:cNvPr>
@@ -4827,18 +3354,152 @@
           </p:nvGrpSpPr>
           <p:grpSpPr>
             <a:xfrm>
-              <a:off x="8373862" y="1862831"/>
-              <a:ext cx="756811" cy="310716"/>
-              <a:chOff x="4140328" y="1880586"/>
-              <a:chExt cx="756811" cy="310716"/>
+              <a:off x="2934810" y="881848"/>
+              <a:ext cx="907002" cy="1961966"/>
+              <a:chOff x="4053396" y="899603"/>
+              <a:chExt cx="907002" cy="1961966"/>
             </a:xfrm>
           </p:grpSpPr>
+          <p:grpSp>
+            <p:nvGrpSpPr>
+              <p:cNvPr id="13" name="组合 12">
+                <a:extLst>
+                  <a:ext uri="{FF2B5EF4-FFF2-40B4-BE49-F238E27FC236}">
+                    <a16:creationId xmlns:a16="http://schemas.microsoft.com/office/drawing/2014/main" id="{DF32330E-3213-4325-83A8-7D65661DFCDB}"/>
+                  </a:ext>
+                </a:extLst>
+              </p:cNvPr>
+              <p:cNvGrpSpPr/>
+              <p:nvPr/>
+            </p:nvGrpSpPr>
+            <p:grpSpPr>
+              <a:xfrm rot="5400000">
+                <a:off x="3525914" y="1427085"/>
+                <a:ext cx="1961966" cy="907002"/>
+                <a:chOff x="2077374" y="2867487"/>
+                <a:chExt cx="2441360" cy="907002"/>
+              </a:xfrm>
+            </p:grpSpPr>
+            <p:cxnSp>
+              <p:nvCxnSpPr>
+                <p:cNvPr id="14" name="直接连接符 13">
+                  <a:extLst>
+                    <a:ext uri="{FF2B5EF4-FFF2-40B4-BE49-F238E27FC236}">
+                      <a16:creationId xmlns:a16="http://schemas.microsoft.com/office/drawing/2014/main" id="{4E188F26-347B-4C3F-B909-ED09D2ACEC3B}"/>
+                    </a:ext>
+                  </a:extLst>
+                </p:cNvPr>
+                <p:cNvCxnSpPr/>
+                <p:nvPr/>
+              </p:nvCxnSpPr>
+              <p:spPr>
+                <a:xfrm>
+                  <a:off x="2077374" y="2867487"/>
+                  <a:ext cx="2441360" cy="0"/>
+                </a:xfrm>
+                <a:prstGeom prst="line">
+                  <a:avLst/>
+                </a:prstGeom>
+                <a:ln w="19050"/>
+              </p:spPr>
+              <p:style>
+                <a:lnRef idx="1">
+                  <a:schemeClr val="accent1"/>
+                </a:lnRef>
+                <a:fillRef idx="0">
+                  <a:schemeClr val="accent1"/>
+                </a:fillRef>
+                <a:effectRef idx="0">
+                  <a:schemeClr val="accent1"/>
+                </a:effectRef>
+                <a:fontRef idx="minor">
+                  <a:schemeClr val="tx1"/>
+                </a:fontRef>
+              </p:style>
+            </p:cxnSp>
+            <p:cxnSp>
+              <p:nvCxnSpPr>
+                <p:cNvPr id="15" name="直接连接符 14">
+                  <a:extLst>
+                    <a:ext uri="{FF2B5EF4-FFF2-40B4-BE49-F238E27FC236}">
+                      <a16:creationId xmlns:a16="http://schemas.microsoft.com/office/drawing/2014/main" id="{A7CE9A2F-D1FF-4570-96EB-8B482E46910B}"/>
+                    </a:ext>
+                  </a:extLst>
+                </p:cNvPr>
+                <p:cNvCxnSpPr/>
+                <p:nvPr/>
+              </p:nvCxnSpPr>
+              <p:spPr>
+                <a:xfrm>
+                  <a:off x="2077374" y="3315070"/>
+                  <a:ext cx="2441360" cy="0"/>
+                </a:xfrm>
+                <a:prstGeom prst="line">
+                  <a:avLst/>
+                </a:prstGeom>
+                <a:ln>
+                  <a:prstDash val="dash"/>
+                </a:ln>
+              </p:spPr>
+              <p:style>
+                <a:lnRef idx="1">
+                  <a:schemeClr val="dk1"/>
+                </a:lnRef>
+                <a:fillRef idx="0">
+                  <a:schemeClr val="dk1"/>
+                </a:fillRef>
+                <a:effectRef idx="0">
+                  <a:schemeClr val="dk1"/>
+                </a:effectRef>
+                <a:fontRef idx="minor">
+                  <a:schemeClr val="tx1"/>
+                </a:fontRef>
+              </p:style>
+            </p:cxnSp>
+            <p:cxnSp>
+              <p:nvCxnSpPr>
+                <p:cNvPr id="16" name="直接连接符 15">
+                  <a:extLst>
+                    <a:ext uri="{FF2B5EF4-FFF2-40B4-BE49-F238E27FC236}">
+                      <a16:creationId xmlns:a16="http://schemas.microsoft.com/office/drawing/2014/main" id="{DD6578D8-7C1C-46C6-848C-59F2497E7428}"/>
+                    </a:ext>
+                  </a:extLst>
+                </p:cNvPr>
+                <p:cNvCxnSpPr/>
+                <p:nvPr/>
+              </p:nvCxnSpPr>
+              <p:spPr>
+                <a:xfrm>
+                  <a:off x="2077374" y="3774489"/>
+                  <a:ext cx="2441360" cy="0"/>
+                </a:xfrm>
+                <a:prstGeom prst="line">
+                  <a:avLst/>
+                </a:prstGeom>
+                <a:ln w="19050"/>
+              </p:spPr>
+              <p:style>
+                <a:lnRef idx="1">
+                  <a:schemeClr val="accent1"/>
+                </a:lnRef>
+                <a:fillRef idx="0">
+                  <a:schemeClr val="accent1"/>
+                </a:fillRef>
+                <a:effectRef idx="0">
+                  <a:schemeClr val="accent1"/>
+                </a:effectRef>
+                <a:fontRef idx="minor">
+                  <a:schemeClr val="tx1"/>
+                </a:fontRef>
+              </p:style>
+            </p:cxnSp>
+          </p:grpSp>
           <p:sp>
             <p:nvSpPr>
-              <p:cNvPr id="82" name="椭圆 81">
+              <p:cNvPr id="21" name="椭圆 20">
                 <a:extLst>
                   <a:ext uri="{FF2B5EF4-FFF2-40B4-BE49-F238E27FC236}">
-                    <a16:creationId xmlns:a16="http://schemas.microsoft.com/office/drawing/2014/main" id="{A7948693-E736-4D3C-8E8F-D537C3422118}"/>
+                    <a16:creationId xmlns:a16="http://schemas.microsoft.com/office/drawing/2014/main" id="{CC2DA67E-802C-4F19-A58D-F7D63F8FCB3E}"/>
                   </a:ext>
                 </a:extLst>
               </p:cNvPr>
@@ -4854,7 +3515,7 @@
                 <a:avLst/>
               </a:prstGeom>
               <a:solidFill>
-                <a:srgbClr val="00B050"/>
+                <a:schemeClr val="accent6"/>
               </a:solidFill>
             </p:spPr>
             <p:style>
@@ -4888,10 +3549,10 @@
           </p:sp>
           <p:sp>
             <p:nvSpPr>
-              <p:cNvPr id="83" name="椭圆 82">
+              <p:cNvPr id="22" name="椭圆 21">
                 <a:extLst>
                   <a:ext uri="{FF2B5EF4-FFF2-40B4-BE49-F238E27FC236}">
-                    <a16:creationId xmlns:a16="http://schemas.microsoft.com/office/drawing/2014/main" id="{6B635C28-3AD0-433D-8889-180349439B5E}"/>
+                    <a16:creationId xmlns:a16="http://schemas.microsoft.com/office/drawing/2014/main" id="{5348889A-28B8-465E-8242-297A2ACCFECA}"/>
                   </a:ext>
                 </a:extLst>
               </p:cNvPr>
@@ -4935,10 +3596,10 @@
         </p:grpSp>
         <p:grpSp>
           <p:nvGrpSpPr>
-            <p:cNvPr id="87" name="组合 86">
+            <p:cNvPr id="24" name="组合 23">
               <a:extLst>
                 <a:ext uri="{FF2B5EF4-FFF2-40B4-BE49-F238E27FC236}">
-                  <a16:creationId xmlns:a16="http://schemas.microsoft.com/office/drawing/2014/main" id="{54010734-950B-4297-9558-041566318CE1}"/>
+                  <a16:creationId xmlns:a16="http://schemas.microsoft.com/office/drawing/2014/main" id="{C6ACC72B-B95E-43D5-B205-B15C9CBF33CC}"/>
                 </a:ext>
               </a:extLst>
             </p:cNvPr>
@@ -4947,18 +3608,152 @@
           </p:nvGrpSpPr>
           <p:grpSpPr>
             <a:xfrm rot="10800000">
-              <a:off x="8350189" y="4421082"/>
-              <a:ext cx="756811" cy="310716"/>
-              <a:chOff x="4140328" y="1880586"/>
-              <a:chExt cx="756811" cy="310716"/>
+              <a:off x="2934810" y="3750815"/>
+              <a:ext cx="907002" cy="1961966"/>
+              <a:chOff x="4053396" y="899603"/>
+              <a:chExt cx="907002" cy="1961966"/>
             </a:xfrm>
           </p:grpSpPr>
+          <p:grpSp>
+            <p:nvGrpSpPr>
+              <p:cNvPr id="25" name="组合 24">
+                <a:extLst>
+                  <a:ext uri="{FF2B5EF4-FFF2-40B4-BE49-F238E27FC236}">
+                    <a16:creationId xmlns:a16="http://schemas.microsoft.com/office/drawing/2014/main" id="{424B1E95-5C6D-4A89-B9CC-62F984B21921}"/>
+                  </a:ext>
+                </a:extLst>
+              </p:cNvPr>
+              <p:cNvGrpSpPr/>
+              <p:nvPr/>
+            </p:nvGrpSpPr>
+            <p:grpSpPr>
+              <a:xfrm rot="5400000">
+                <a:off x="3525914" y="1427085"/>
+                <a:ext cx="1961966" cy="907002"/>
+                <a:chOff x="2077374" y="2867487"/>
+                <a:chExt cx="2441360" cy="907002"/>
+              </a:xfrm>
+            </p:grpSpPr>
+            <p:cxnSp>
+              <p:nvCxnSpPr>
+                <p:cNvPr id="28" name="直接连接符 27">
+                  <a:extLst>
+                    <a:ext uri="{FF2B5EF4-FFF2-40B4-BE49-F238E27FC236}">
+                      <a16:creationId xmlns:a16="http://schemas.microsoft.com/office/drawing/2014/main" id="{6CB562E1-2FBD-4BAB-9E98-6AFDB5CA1D7F}"/>
+                    </a:ext>
+                  </a:extLst>
+                </p:cNvPr>
+                <p:cNvCxnSpPr/>
+                <p:nvPr/>
+              </p:nvCxnSpPr>
+              <p:spPr>
+                <a:xfrm>
+                  <a:off x="2077374" y="2867487"/>
+                  <a:ext cx="2441360" cy="0"/>
+                </a:xfrm>
+                <a:prstGeom prst="line">
+                  <a:avLst/>
+                </a:prstGeom>
+                <a:ln w="19050"/>
+              </p:spPr>
+              <p:style>
+                <a:lnRef idx="1">
+                  <a:schemeClr val="accent1"/>
+                </a:lnRef>
+                <a:fillRef idx="0">
+                  <a:schemeClr val="accent1"/>
+                </a:fillRef>
+                <a:effectRef idx="0">
+                  <a:schemeClr val="accent1"/>
+                </a:effectRef>
+                <a:fontRef idx="minor">
+                  <a:schemeClr val="tx1"/>
+                </a:fontRef>
+              </p:style>
+            </p:cxnSp>
+            <p:cxnSp>
+              <p:nvCxnSpPr>
+                <p:cNvPr id="29" name="直接连接符 28">
+                  <a:extLst>
+                    <a:ext uri="{FF2B5EF4-FFF2-40B4-BE49-F238E27FC236}">
+                      <a16:creationId xmlns:a16="http://schemas.microsoft.com/office/drawing/2014/main" id="{5DD2DBEA-C8A8-4C3D-A752-887EDF20D451}"/>
+                    </a:ext>
+                  </a:extLst>
+                </p:cNvPr>
+                <p:cNvCxnSpPr/>
+                <p:nvPr/>
+              </p:nvCxnSpPr>
+              <p:spPr>
+                <a:xfrm>
+                  <a:off x="2077374" y="3315070"/>
+                  <a:ext cx="2441360" cy="0"/>
+                </a:xfrm>
+                <a:prstGeom prst="line">
+                  <a:avLst/>
+                </a:prstGeom>
+                <a:ln>
+                  <a:prstDash val="dash"/>
+                </a:ln>
+              </p:spPr>
+              <p:style>
+                <a:lnRef idx="1">
+                  <a:schemeClr val="dk1"/>
+                </a:lnRef>
+                <a:fillRef idx="0">
+                  <a:schemeClr val="dk1"/>
+                </a:fillRef>
+                <a:effectRef idx="0">
+                  <a:schemeClr val="dk1"/>
+                </a:effectRef>
+                <a:fontRef idx="minor">
+                  <a:schemeClr val="tx1"/>
+                </a:fontRef>
+              </p:style>
+            </p:cxnSp>
+            <p:cxnSp>
+              <p:nvCxnSpPr>
+                <p:cNvPr id="30" name="直接连接符 29">
+                  <a:extLst>
+                    <a:ext uri="{FF2B5EF4-FFF2-40B4-BE49-F238E27FC236}">
+                      <a16:creationId xmlns:a16="http://schemas.microsoft.com/office/drawing/2014/main" id="{ECA7DCEC-7A0F-40B0-AE49-4731E1830961}"/>
+                    </a:ext>
+                  </a:extLst>
+                </p:cNvPr>
+                <p:cNvCxnSpPr/>
+                <p:nvPr/>
+              </p:nvCxnSpPr>
+              <p:spPr>
+                <a:xfrm>
+                  <a:off x="2077374" y="3774489"/>
+                  <a:ext cx="2441360" cy="0"/>
+                </a:xfrm>
+                <a:prstGeom prst="line">
+                  <a:avLst/>
+                </a:prstGeom>
+                <a:ln w="19050"/>
+              </p:spPr>
+              <p:style>
+                <a:lnRef idx="1">
+                  <a:schemeClr val="accent1"/>
+                </a:lnRef>
+                <a:fillRef idx="0">
+                  <a:schemeClr val="accent1"/>
+                </a:fillRef>
+                <a:effectRef idx="0">
+                  <a:schemeClr val="accent1"/>
+                </a:effectRef>
+                <a:fontRef idx="minor">
+                  <a:schemeClr val="tx1"/>
+                </a:fontRef>
+              </p:style>
+            </p:cxnSp>
+          </p:grpSp>
           <p:sp>
             <p:nvSpPr>
-              <p:cNvPr id="89" name="椭圆 88">
+              <p:cNvPr id="26" name="椭圆 25">
                 <a:extLst>
                   <a:ext uri="{FF2B5EF4-FFF2-40B4-BE49-F238E27FC236}">
-                    <a16:creationId xmlns:a16="http://schemas.microsoft.com/office/drawing/2014/main" id="{41563FF8-3776-416D-8EE7-36DEBF350D10}"/>
+                    <a16:creationId xmlns:a16="http://schemas.microsoft.com/office/drawing/2014/main" id="{13142649-0EF5-4A90-8705-540DA6E3FA6F}"/>
                   </a:ext>
                 </a:extLst>
               </p:cNvPr>
@@ -4974,7 +3769,7 @@
                 <a:avLst/>
               </a:prstGeom>
               <a:solidFill>
-                <a:srgbClr val="00B050"/>
+                <a:schemeClr val="accent6"/>
               </a:solidFill>
             </p:spPr>
             <p:style>
@@ -5004,10 +3799,10 @@
           </p:sp>
           <p:sp>
             <p:nvSpPr>
-              <p:cNvPr id="90" name="椭圆 89">
+              <p:cNvPr id="27" name="椭圆 26">
                 <a:extLst>
                   <a:ext uri="{FF2B5EF4-FFF2-40B4-BE49-F238E27FC236}">
-                    <a16:creationId xmlns:a16="http://schemas.microsoft.com/office/drawing/2014/main" id="{4B4537F4-F5BA-4AB3-8785-874D7A022028}"/>
+                    <a16:creationId xmlns:a16="http://schemas.microsoft.com/office/drawing/2014/main" id="{11A8D76C-0DE0-414C-B79E-35A11324EB15}"/>
                   </a:ext>
                 </a:extLst>
               </p:cNvPr>
@@ -5051,10 +3846,10 @@
         </p:grpSp>
         <p:grpSp>
           <p:nvGrpSpPr>
-            <p:cNvPr id="94" name="组合 93">
+            <p:cNvPr id="38" name="组合 37">
               <a:extLst>
                 <a:ext uri="{FF2B5EF4-FFF2-40B4-BE49-F238E27FC236}">
-                  <a16:creationId xmlns:a16="http://schemas.microsoft.com/office/drawing/2014/main" id="{A5DEEFB6-FBFF-4916-AD21-94FAC4F245D5}"/>
+                  <a16:creationId xmlns:a16="http://schemas.microsoft.com/office/drawing/2014/main" id="{575CD91C-5D9D-49F4-A6C6-01DC74948FFD}"/>
                 </a:ext>
               </a:extLst>
             </p:cNvPr>
@@ -5062,19 +3857,153 @@
             <p:nvPr/>
           </p:nvGrpSpPr>
           <p:grpSpPr>
-            <a:xfrm rot="5400000">
-              <a:off x="9652988" y="3153794"/>
-              <a:ext cx="756811" cy="310716"/>
-              <a:chOff x="4140328" y="1880586"/>
-              <a:chExt cx="756811" cy="310716"/>
+            <a:xfrm rot="16200000">
+              <a:off x="1500326" y="2322249"/>
+              <a:ext cx="907002" cy="1961966"/>
+              <a:chOff x="4053396" y="899603"/>
+              <a:chExt cx="907002" cy="1961966"/>
             </a:xfrm>
           </p:grpSpPr>
+          <p:grpSp>
+            <p:nvGrpSpPr>
+              <p:cNvPr id="39" name="组合 38">
+                <a:extLst>
+                  <a:ext uri="{FF2B5EF4-FFF2-40B4-BE49-F238E27FC236}">
+                    <a16:creationId xmlns:a16="http://schemas.microsoft.com/office/drawing/2014/main" id="{E4C3075C-CE99-492A-BB0C-945D94CF1294}"/>
+                  </a:ext>
+                </a:extLst>
+              </p:cNvPr>
+              <p:cNvGrpSpPr/>
+              <p:nvPr/>
+            </p:nvGrpSpPr>
+            <p:grpSpPr>
+              <a:xfrm rot="5400000">
+                <a:off x="3525914" y="1427085"/>
+                <a:ext cx="1961966" cy="907002"/>
+                <a:chOff x="2077374" y="2867487"/>
+                <a:chExt cx="2441360" cy="907002"/>
+              </a:xfrm>
+            </p:grpSpPr>
+            <p:cxnSp>
+              <p:nvCxnSpPr>
+                <p:cNvPr id="42" name="直接连接符 41">
+                  <a:extLst>
+                    <a:ext uri="{FF2B5EF4-FFF2-40B4-BE49-F238E27FC236}">
+                      <a16:creationId xmlns:a16="http://schemas.microsoft.com/office/drawing/2014/main" id="{052C27ED-ACEF-496A-8A85-3067F24722A2}"/>
+                    </a:ext>
+                  </a:extLst>
+                </p:cNvPr>
+                <p:cNvCxnSpPr/>
+                <p:nvPr/>
+              </p:nvCxnSpPr>
+              <p:spPr>
+                <a:xfrm>
+                  <a:off x="2077374" y="2867487"/>
+                  <a:ext cx="2441360" cy="0"/>
+                </a:xfrm>
+                <a:prstGeom prst="line">
+                  <a:avLst/>
+                </a:prstGeom>
+                <a:ln w="19050"/>
+              </p:spPr>
+              <p:style>
+                <a:lnRef idx="1">
+                  <a:schemeClr val="accent1"/>
+                </a:lnRef>
+                <a:fillRef idx="0">
+                  <a:schemeClr val="accent1"/>
+                </a:fillRef>
+                <a:effectRef idx="0">
+                  <a:schemeClr val="accent1"/>
+                </a:effectRef>
+                <a:fontRef idx="minor">
+                  <a:schemeClr val="tx1"/>
+                </a:fontRef>
+              </p:style>
+            </p:cxnSp>
+            <p:cxnSp>
+              <p:nvCxnSpPr>
+                <p:cNvPr id="43" name="直接连接符 42">
+                  <a:extLst>
+                    <a:ext uri="{FF2B5EF4-FFF2-40B4-BE49-F238E27FC236}">
+                      <a16:creationId xmlns:a16="http://schemas.microsoft.com/office/drawing/2014/main" id="{AEDAC051-A007-4DC3-AFA5-F8234E184C3C}"/>
+                    </a:ext>
+                  </a:extLst>
+                </p:cNvPr>
+                <p:cNvCxnSpPr/>
+                <p:nvPr/>
+              </p:nvCxnSpPr>
+              <p:spPr>
+                <a:xfrm>
+                  <a:off x="2077374" y="3315070"/>
+                  <a:ext cx="2441360" cy="0"/>
+                </a:xfrm>
+                <a:prstGeom prst="line">
+                  <a:avLst/>
+                </a:prstGeom>
+                <a:ln>
+                  <a:prstDash val="dash"/>
+                </a:ln>
+              </p:spPr>
+              <p:style>
+                <a:lnRef idx="1">
+                  <a:schemeClr val="dk1"/>
+                </a:lnRef>
+                <a:fillRef idx="0">
+                  <a:schemeClr val="dk1"/>
+                </a:fillRef>
+                <a:effectRef idx="0">
+                  <a:schemeClr val="dk1"/>
+                </a:effectRef>
+                <a:fontRef idx="minor">
+                  <a:schemeClr val="tx1"/>
+                </a:fontRef>
+              </p:style>
+            </p:cxnSp>
+            <p:cxnSp>
+              <p:nvCxnSpPr>
+                <p:cNvPr id="44" name="直接连接符 43">
+                  <a:extLst>
+                    <a:ext uri="{FF2B5EF4-FFF2-40B4-BE49-F238E27FC236}">
+                      <a16:creationId xmlns:a16="http://schemas.microsoft.com/office/drawing/2014/main" id="{43CF8383-C9B2-493F-BC48-353E06DA6162}"/>
+                    </a:ext>
+                  </a:extLst>
+                </p:cNvPr>
+                <p:cNvCxnSpPr/>
+                <p:nvPr/>
+              </p:nvCxnSpPr>
+              <p:spPr>
+                <a:xfrm>
+                  <a:off x="2077374" y="3774489"/>
+                  <a:ext cx="2441360" cy="0"/>
+                </a:xfrm>
+                <a:prstGeom prst="line">
+                  <a:avLst/>
+                </a:prstGeom>
+                <a:ln w="19050"/>
+              </p:spPr>
+              <p:style>
+                <a:lnRef idx="1">
+                  <a:schemeClr val="accent1"/>
+                </a:lnRef>
+                <a:fillRef idx="0">
+                  <a:schemeClr val="accent1"/>
+                </a:fillRef>
+                <a:effectRef idx="0">
+                  <a:schemeClr val="accent1"/>
+                </a:effectRef>
+                <a:fontRef idx="minor">
+                  <a:schemeClr val="tx1"/>
+                </a:fontRef>
+              </p:style>
+            </p:cxnSp>
+          </p:grpSp>
           <p:sp>
             <p:nvSpPr>
-              <p:cNvPr id="96" name="椭圆 95">
+              <p:cNvPr id="40" name="椭圆 39">
                 <a:extLst>
                   <a:ext uri="{FF2B5EF4-FFF2-40B4-BE49-F238E27FC236}">
-                    <a16:creationId xmlns:a16="http://schemas.microsoft.com/office/drawing/2014/main" id="{98088FA2-21ED-460B-AFE8-418967183A55}"/>
+                    <a16:creationId xmlns:a16="http://schemas.microsoft.com/office/drawing/2014/main" id="{43FB0DEF-25CC-45A8-933A-A96C99B7F4B0}"/>
                   </a:ext>
                 </a:extLst>
               </p:cNvPr>
@@ -5090,7 +4019,7 @@
                 <a:avLst/>
               </a:prstGeom>
               <a:solidFill>
-                <a:srgbClr val="00B050"/>
+                <a:schemeClr val="accent6"/>
               </a:solidFill>
             </p:spPr>
             <p:style>
@@ -5120,10 +4049,747 @@
           </p:sp>
           <p:sp>
             <p:nvSpPr>
-              <p:cNvPr id="97" name="椭圆 96">
+              <p:cNvPr id="41" name="椭圆 40">
                 <a:extLst>
                   <a:ext uri="{FF2B5EF4-FFF2-40B4-BE49-F238E27FC236}">
-                    <a16:creationId xmlns:a16="http://schemas.microsoft.com/office/drawing/2014/main" id="{ED795844-CCA6-425E-8C63-08EFB07042C9}"/>
+                    <a16:creationId xmlns:a16="http://schemas.microsoft.com/office/drawing/2014/main" id="{B105D234-911C-41AA-B519-9F00D4B28856}"/>
+                  </a:ext>
+                </a:extLst>
+              </p:cNvPr>
+              <p:cNvSpPr/>
+              <p:nvPr/>
+            </p:nvSpPr>
+            <p:spPr>
+              <a:xfrm>
+                <a:off x="4599746" y="1880586"/>
+                <a:ext cx="297393" cy="310716"/>
+              </a:xfrm>
+              <a:prstGeom prst="ellipse">
+                <a:avLst/>
+              </a:prstGeom>
+            </p:spPr>
+            <p:style>
+              <a:lnRef idx="2">
+                <a:schemeClr val="accent1">
+                  <a:shade val="50000"/>
+                </a:schemeClr>
+              </a:lnRef>
+              <a:fillRef idx="1">
+                <a:schemeClr val="accent1"/>
+              </a:fillRef>
+              <a:effectRef idx="0">
+                <a:schemeClr val="accent1"/>
+              </a:effectRef>
+              <a:fontRef idx="minor">
+                <a:schemeClr val="lt1"/>
+              </a:fontRef>
+            </p:style>
+            <p:txBody>
+              <a:bodyPr rtlCol="0" anchor="ctr"/>
+              <a:lstStyle/>
+              <a:p>
+                <a:pPr algn="ctr"/>
+                <a:endParaRPr lang="zh-CN" altLang="en-US"/>
+              </a:p>
+            </p:txBody>
+          </p:sp>
+        </p:grpSp>
+        <p:cxnSp>
+          <p:nvCxnSpPr>
+            <p:cNvPr id="46" name="直接连接符 45">
+              <a:extLst>
+                <a:ext uri="{FF2B5EF4-FFF2-40B4-BE49-F238E27FC236}">
+                  <a16:creationId xmlns:a16="http://schemas.microsoft.com/office/drawing/2014/main" id="{764F2CE8-8F96-4941-B0C0-C5FC496D5DC6}"/>
+                </a:ext>
+              </a:extLst>
+            </p:cNvPr>
+            <p:cNvCxnSpPr>
+              <a:stCxn id="21" idx="3"/>
+              <a:endCxn id="41" idx="5"/>
+            </p:cNvCxnSpPr>
+            <p:nvPr/>
+          </p:nvCxnSpPr>
+          <p:spPr>
+            <a:xfrm flipH="1">
+              <a:off x="2219041" y="2128044"/>
+              <a:ext cx="846253" cy="828499"/>
+            </a:xfrm>
+            <a:prstGeom prst="line">
+              <a:avLst/>
+            </a:prstGeom>
+          </p:spPr>
+          <p:style>
+            <a:lnRef idx="1">
+              <a:schemeClr val="dk1"/>
+            </a:lnRef>
+            <a:fillRef idx="0">
+              <a:schemeClr val="dk1"/>
+            </a:fillRef>
+            <a:effectRef idx="0">
+              <a:schemeClr val="dk1"/>
+            </a:effectRef>
+            <a:fontRef idx="minor">
+              <a:schemeClr val="tx1"/>
+            </a:fontRef>
+          </p:style>
+        </p:cxnSp>
+        <p:cxnSp>
+          <p:nvCxnSpPr>
+            <p:cNvPr id="48" name="直接连接符 47">
+              <a:extLst>
+                <a:ext uri="{FF2B5EF4-FFF2-40B4-BE49-F238E27FC236}">
+                  <a16:creationId xmlns:a16="http://schemas.microsoft.com/office/drawing/2014/main" id="{D68F67E1-0C17-45F2-8F17-8885FA4BE727}"/>
+                </a:ext>
+              </a:extLst>
+            </p:cNvPr>
+            <p:cNvCxnSpPr>
+              <a:stCxn id="21" idx="4"/>
+              <a:endCxn id="27" idx="4"/>
+            </p:cNvCxnSpPr>
+            <p:nvPr/>
+          </p:nvCxnSpPr>
+          <p:spPr>
+            <a:xfrm flipH="1">
+              <a:off x="3146765" y="2173547"/>
+              <a:ext cx="23674" cy="2247535"/>
+            </a:xfrm>
+            <a:prstGeom prst="line">
+              <a:avLst/>
+            </a:prstGeom>
+          </p:spPr>
+          <p:style>
+            <a:lnRef idx="1">
+              <a:schemeClr val="dk1"/>
+            </a:lnRef>
+            <a:fillRef idx="0">
+              <a:schemeClr val="dk1"/>
+            </a:fillRef>
+            <a:effectRef idx="0">
+              <a:schemeClr val="dk1"/>
+            </a:effectRef>
+            <a:fontRef idx="minor">
+              <a:schemeClr val="tx1"/>
+            </a:fontRef>
+          </p:style>
+        </p:cxnSp>
+        <p:cxnSp>
+          <p:nvCxnSpPr>
+            <p:cNvPr id="52" name="直接连接符 51">
+              <a:extLst>
+                <a:ext uri="{FF2B5EF4-FFF2-40B4-BE49-F238E27FC236}">
+                  <a16:creationId xmlns:a16="http://schemas.microsoft.com/office/drawing/2014/main" id="{92BF9203-853A-4CEF-AC56-9536733D75FF}"/>
+                </a:ext>
+              </a:extLst>
+            </p:cNvPr>
+            <p:cNvCxnSpPr>
+              <a:stCxn id="40" idx="5"/>
+              <a:endCxn id="22" idx="3"/>
+            </p:cNvCxnSpPr>
+            <p:nvPr/>
+          </p:nvCxnSpPr>
+          <p:spPr>
+            <a:xfrm flipV="1">
+              <a:off x="2219041" y="2128044"/>
+              <a:ext cx="1305671" cy="1287917"/>
+            </a:xfrm>
+            <a:prstGeom prst="line">
+              <a:avLst/>
+            </a:prstGeom>
+          </p:spPr>
+          <p:style>
+            <a:lnRef idx="1">
+              <a:schemeClr val="dk1"/>
+            </a:lnRef>
+            <a:fillRef idx="0">
+              <a:schemeClr val="dk1"/>
+            </a:fillRef>
+            <a:effectRef idx="0">
+              <a:schemeClr val="dk1"/>
+            </a:effectRef>
+            <a:fontRef idx="minor">
+              <a:schemeClr val="tx1"/>
+            </a:fontRef>
+          </p:style>
+        </p:cxnSp>
+        <p:cxnSp>
+          <p:nvCxnSpPr>
+            <p:cNvPr id="54" name="直接连接符 53">
+              <a:extLst>
+                <a:ext uri="{FF2B5EF4-FFF2-40B4-BE49-F238E27FC236}">
+                  <a16:creationId xmlns:a16="http://schemas.microsoft.com/office/drawing/2014/main" id="{008A828E-D513-4280-B1C6-E1BFE58B6043}"/>
+                </a:ext>
+              </a:extLst>
+            </p:cNvPr>
+            <p:cNvCxnSpPr>
+              <a:stCxn id="40" idx="4"/>
+              <a:endCxn id="197" idx="0"/>
+            </p:cNvCxnSpPr>
+            <p:nvPr/>
+          </p:nvCxnSpPr>
+          <p:spPr>
+            <a:xfrm>
+              <a:off x="2264541" y="3521105"/>
+              <a:ext cx="2551056" cy="7926"/>
+            </a:xfrm>
+            <a:prstGeom prst="line">
+              <a:avLst/>
+            </a:prstGeom>
+          </p:spPr>
+          <p:style>
+            <a:lnRef idx="1">
+              <a:schemeClr val="dk1"/>
+            </a:lnRef>
+            <a:fillRef idx="0">
+              <a:schemeClr val="dk1"/>
+            </a:fillRef>
+            <a:effectRef idx="0">
+              <a:schemeClr val="dk1"/>
+            </a:effectRef>
+            <a:fontRef idx="minor">
+              <a:schemeClr val="tx1"/>
+            </a:fontRef>
+          </p:style>
+        </p:cxnSp>
+        <p:cxnSp>
+          <p:nvCxnSpPr>
+            <p:cNvPr id="58" name="直接连接符 57">
+              <a:extLst>
+                <a:ext uri="{FF2B5EF4-FFF2-40B4-BE49-F238E27FC236}">
+                  <a16:creationId xmlns:a16="http://schemas.microsoft.com/office/drawing/2014/main" id="{95DE90DB-FA25-4A7D-B296-8803BEC0EE27}"/>
+                </a:ext>
+              </a:extLst>
+            </p:cNvPr>
+            <p:cNvCxnSpPr>
+              <a:stCxn id="198" idx="0"/>
+              <a:endCxn id="41" idx="4"/>
+            </p:cNvCxnSpPr>
+            <p:nvPr/>
+          </p:nvCxnSpPr>
+          <p:spPr>
+            <a:xfrm flipH="1" flipV="1">
+              <a:off x="2264541" y="3061687"/>
+              <a:ext cx="2551056" cy="7926"/>
+            </a:xfrm>
+            <a:prstGeom prst="line">
+              <a:avLst/>
+            </a:prstGeom>
+          </p:spPr>
+          <p:style>
+            <a:lnRef idx="1">
+              <a:schemeClr val="dk1"/>
+            </a:lnRef>
+            <a:fillRef idx="0">
+              <a:schemeClr val="dk1"/>
+            </a:fillRef>
+            <a:effectRef idx="0">
+              <a:schemeClr val="dk1"/>
+            </a:effectRef>
+            <a:fontRef idx="minor">
+              <a:schemeClr val="tx1"/>
+            </a:fontRef>
+          </p:style>
+        </p:cxnSp>
+        <p:cxnSp>
+          <p:nvCxnSpPr>
+            <p:cNvPr id="60" name="直接连接符 59">
+              <a:extLst>
+                <a:ext uri="{FF2B5EF4-FFF2-40B4-BE49-F238E27FC236}">
+                  <a16:creationId xmlns:a16="http://schemas.microsoft.com/office/drawing/2014/main" id="{6FA9FC48-35A3-456F-855A-6A1E3FAEBD5B}"/>
+                </a:ext>
+              </a:extLst>
+            </p:cNvPr>
+            <p:cNvCxnSpPr>
+              <a:stCxn id="198" idx="7"/>
+              <a:endCxn id="22" idx="5"/>
+            </p:cNvCxnSpPr>
+            <p:nvPr/>
+          </p:nvCxnSpPr>
+          <p:spPr>
+            <a:xfrm flipH="1" flipV="1">
+              <a:off x="3735001" y="2128044"/>
+              <a:ext cx="1126098" cy="836426"/>
+            </a:xfrm>
+            <a:prstGeom prst="line">
+              <a:avLst/>
+            </a:prstGeom>
+          </p:spPr>
+          <p:style>
+            <a:lnRef idx="1">
+              <a:schemeClr val="dk1"/>
+            </a:lnRef>
+            <a:fillRef idx="0">
+              <a:schemeClr val="dk1"/>
+            </a:fillRef>
+            <a:effectRef idx="0">
+              <a:schemeClr val="dk1"/>
+            </a:effectRef>
+            <a:fontRef idx="minor">
+              <a:schemeClr val="tx1"/>
+            </a:fontRef>
+          </p:style>
+        </p:cxnSp>
+        <p:cxnSp>
+          <p:nvCxnSpPr>
+            <p:cNvPr id="62" name="直接连接符 61">
+              <a:extLst>
+                <a:ext uri="{FF2B5EF4-FFF2-40B4-BE49-F238E27FC236}">
+                  <a16:creationId xmlns:a16="http://schemas.microsoft.com/office/drawing/2014/main" id="{67A920CC-EBB5-435D-897B-6C11C2BB8117}"/>
+                </a:ext>
+              </a:extLst>
+            </p:cNvPr>
+            <p:cNvCxnSpPr>
+              <a:stCxn id="21" idx="5"/>
+              <a:endCxn id="197" idx="7"/>
+            </p:cNvCxnSpPr>
+            <p:nvPr/>
+          </p:nvCxnSpPr>
+          <p:spPr>
+            <a:xfrm>
+              <a:off x="3275583" y="2128044"/>
+              <a:ext cx="1585516" cy="1295844"/>
+            </a:xfrm>
+            <a:prstGeom prst="line">
+              <a:avLst/>
+            </a:prstGeom>
+          </p:spPr>
+          <p:style>
+            <a:lnRef idx="1">
+              <a:schemeClr val="dk1"/>
+            </a:lnRef>
+            <a:fillRef idx="0">
+              <a:schemeClr val="dk1"/>
+            </a:fillRef>
+            <a:effectRef idx="0">
+              <a:schemeClr val="dk1"/>
+            </a:effectRef>
+            <a:fontRef idx="minor">
+              <a:schemeClr val="tx1"/>
+            </a:fontRef>
+          </p:style>
+        </p:cxnSp>
+        <p:cxnSp>
+          <p:nvCxnSpPr>
+            <p:cNvPr id="64" name="直接连接符 63">
+              <a:extLst>
+                <a:ext uri="{FF2B5EF4-FFF2-40B4-BE49-F238E27FC236}">
+                  <a16:creationId xmlns:a16="http://schemas.microsoft.com/office/drawing/2014/main" id="{8D2B72D6-380E-46A1-95E8-E2970B8005FA}"/>
+                </a:ext>
+              </a:extLst>
+            </p:cNvPr>
+            <p:cNvCxnSpPr>
+              <a:stCxn id="26" idx="4"/>
+              <a:endCxn id="22" idx="4"/>
+            </p:cNvCxnSpPr>
+            <p:nvPr/>
+          </p:nvCxnSpPr>
+          <p:spPr>
+            <a:xfrm flipV="1">
+              <a:off x="3606183" y="2173547"/>
+              <a:ext cx="23674" cy="2247535"/>
+            </a:xfrm>
+            <a:prstGeom prst="line">
+              <a:avLst/>
+            </a:prstGeom>
+          </p:spPr>
+          <p:style>
+            <a:lnRef idx="1">
+              <a:schemeClr val="dk1"/>
+            </a:lnRef>
+            <a:fillRef idx="0">
+              <a:schemeClr val="dk1"/>
+            </a:fillRef>
+            <a:effectRef idx="0">
+              <a:schemeClr val="dk1"/>
+            </a:effectRef>
+            <a:fontRef idx="minor">
+              <a:schemeClr val="tx1"/>
+            </a:fontRef>
+          </p:style>
+        </p:cxnSp>
+        <p:cxnSp>
+          <p:nvCxnSpPr>
+            <p:cNvPr id="66" name="直接连接符 65">
+              <a:extLst>
+                <a:ext uri="{FF2B5EF4-FFF2-40B4-BE49-F238E27FC236}">
+                  <a16:creationId xmlns:a16="http://schemas.microsoft.com/office/drawing/2014/main" id="{6EF9FB2F-410C-46BD-80E3-E8D1C883A0AF}"/>
+                </a:ext>
+              </a:extLst>
+            </p:cNvPr>
+            <p:cNvCxnSpPr>
+              <a:stCxn id="26" idx="5"/>
+              <a:endCxn id="41" idx="3"/>
+            </p:cNvCxnSpPr>
+            <p:nvPr/>
+          </p:nvCxnSpPr>
+          <p:spPr>
+            <a:xfrm flipH="1" flipV="1">
+              <a:off x="2219041" y="3166832"/>
+              <a:ext cx="1281998" cy="1299753"/>
+            </a:xfrm>
+            <a:prstGeom prst="line">
+              <a:avLst/>
+            </a:prstGeom>
+          </p:spPr>
+          <p:style>
+            <a:lnRef idx="1">
+              <a:schemeClr val="dk1"/>
+            </a:lnRef>
+            <a:fillRef idx="0">
+              <a:schemeClr val="dk1"/>
+            </a:fillRef>
+            <a:effectRef idx="0">
+              <a:schemeClr val="dk1"/>
+            </a:effectRef>
+            <a:fontRef idx="minor">
+              <a:schemeClr val="tx1"/>
+            </a:fontRef>
+          </p:style>
+        </p:cxnSp>
+        <p:cxnSp>
+          <p:nvCxnSpPr>
+            <p:cNvPr id="68" name="直接连接符 67">
+              <a:extLst>
+                <a:ext uri="{FF2B5EF4-FFF2-40B4-BE49-F238E27FC236}">
+                  <a16:creationId xmlns:a16="http://schemas.microsoft.com/office/drawing/2014/main" id="{25869FB8-25A2-40ED-AB6D-2B72CC30A85A}"/>
+                </a:ext>
+              </a:extLst>
+            </p:cNvPr>
+            <p:cNvCxnSpPr>
+              <a:stCxn id="26" idx="3"/>
+              <a:endCxn id="197" idx="1"/>
+            </p:cNvCxnSpPr>
+            <p:nvPr/>
+          </p:nvCxnSpPr>
+          <p:spPr>
+            <a:xfrm flipV="1">
+              <a:off x="3711327" y="3634174"/>
+              <a:ext cx="1149772" cy="832411"/>
+            </a:xfrm>
+            <a:prstGeom prst="line">
+              <a:avLst/>
+            </a:prstGeom>
+          </p:spPr>
+          <p:style>
+            <a:lnRef idx="1">
+              <a:schemeClr val="dk1"/>
+            </a:lnRef>
+            <a:fillRef idx="0">
+              <a:schemeClr val="dk1"/>
+            </a:fillRef>
+            <a:effectRef idx="0">
+              <a:schemeClr val="dk1"/>
+            </a:effectRef>
+            <a:fontRef idx="minor">
+              <a:schemeClr val="tx1"/>
+            </a:fontRef>
+          </p:style>
+        </p:cxnSp>
+        <p:cxnSp>
+          <p:nvCxnSpPr>
+            <p:cNvPr id="70" name="直接连接符 69">
+              <a:extLst>
+                <a:ext uri="{FF2B5EF4-FFF2-40B4-BE49-F238E27FC236}">
+                  <a16:creationId xmlns:a16="http://schemas.microsoft.com/office/drawing/2014/main" id="{5C77BFF4-0A1E-447F-9164-EE7EBBFE62B9}"/>
+                </a:ext>
+              </a:extLst>
+            </p:cNvPr>
+            <p:cNvCxnSpPr>
+              <a:stCxn id="40" idx="3"/>
+              <a:endCxn id="27" idx="5"/>
+            </p:cNvCxnSpPr>
+            <p:nvPr/>
+          </p:nvCxnSpPr>
+          <p:spPr>
+            <a:xfrm>
+              <a:off x="2219041" y="3626250"/>
+              <a:ext cx="822580" cy="840335"/>
+            </a:xfrm>
+            <a:prstGeom prst="line">
+              <a:avLst/>
+            </a:prstGeom>
+          </p:spPr>
+          <p:style>
+            <a:lnRef idx="1">
+              <a:schemeClr val="dk1"/>
+            </a:lnRef>
+            <a:fillRef idx="0">
+              <a:schemeClr val="dk1"/>
+            </a:fillRef>
+            <a:effectRef idx="0">
+              <a:schemeClr val="dk1"/>
+            </a:effectRef>
+            <a:fontRef idx="minor">
+              <a:schemeClr val="tx1"/>
+            </a:fontRef>
+          </p:style>
+        </p:cxnSp>
+        <p:cxnSp>
+          <p:nvCxnSpPr>
+            <p:cNvPr id="72" name="直接连接符 71">
+              <a:extLst>
+                <a:ext uri="{FF2B5EF4-FFF2-40B4-BE49-F238E27FC236}">
+                  <a16:creationId xmlns:a16="http://schemas.microsoft.com/office/drawing/2014/main" id="{D7775859-5C59-4797-8A52-2AA8C863D3ED}"/>
+                </a:ext>
+              </a:extLst>
+            </p:cNvPr>
+            <p:cNvCxnSpPr>
+              <a:stCxn id="198" idx="1"/>
+              <a:endCxn id="27" idx="3"/>
+            </p:cNvCxnSpPr>
+            <p:nvPr/>
+          </p:nvCxnSpPr>
+          <p:spPr>
+            <a:xfrm flipH="1">
+              <a:off x="3251909" y="3174756"/>
+              <a:ext cx="1609190" cy="1291829"/>
+            </a:xfrm>
+            <a:prstGeom prst="line">
+              <a:avLst/>
+            </a:prstGeom>
+          </p:spPr>
+          <p:style>
+            <a:lnRef idx="1">
+              <a:schemeClr val="dk1"/>
+            </a:lnRef>
+            <a:fillRef idx="0">
+              <a:schemeClr val="dk1"/>
+            </a:fillRef>
+            <a:effectRef idx="0">
+              <a:schemeClr val="dk1"/>
+            </a:effectRef>
+            <a:fontRef idx="minor">
+              <a:schemeClr val="tx1"/>
+            </a:fontRef>
+          </p:style>
+        </p:cxnSp>
+      </p:grpSp>
+      <p:grpSp>
+        <p:nvGrpSpPr>
+          <p:cNvPr id="69" name="组合 68"/>
+          <p:cNvGrpSpPr/>
+          <p:nvPr/>
+        </p:nvGrpSpPr>
+        <p:grpSpPr>
+          <a:xfrm>
+            <a:off x="6424100" y="2117166"/>
+            <a:ext cx="1923405" cy="2459229"/>
+            <a:chOff x="1911455" y="881848"/>
+            <a:chExt cx="3904159" cy="4830933"/>
+          </a:xfrm>
+        </p:grpSpPr>
+        <p:grpSp>
+          <p:nvGrpSpPr>
+            <p:cNvPr id="71" name="组合 70">
+              <a:extLst>
+                <a:ext uri="{FF2B5EF4-FFF2-40B4-BE49-F238E27FC236}">
+                  <a16:creationId xmlns:a16="http://schemas.microsoft.com/office/drawing/2014/main" id="{A29B9341-25FE-461B-A9E8-29966312C124}"/>
+                </a:ext>
+              </a:extLst>
+            </p:cNvPr>
+            <p:cNvGrpSpPr/>
+            <p:nvPr/>
+          </p:nvGrpSpPr>
+          <p:grpSpPr>
+            <a:xfrm>
+              <a:off x="2934810" y="881848"/>
+              <a:ext cx="907002" cy="1961966"/>
+              <a:chOff x="4053396" y="899603"/>
+              <a:chExt cx="907002" cy="1961966"/>
+            </a:xfrm>
+          </p:grpSpPr>
+          <p:grpSp>
+            <p:nvGrpSpPr>
+              <p:cNvPr id="132" name="组合 131">
+                <a:extLst>
+                  <a:ext uri="{FF2B5EF4-FFF2-40B4-BE49-F238E27FC236}">
+                    <a16:creationId xmlns:a16="http://schemas.microsoft.com/office/drawing/2014/main" id="{DF32330E-3213-4325-83A8-7D65661DFCDB}"/>
+                  </a:ext>
+                </a:extLst>
+              </p:cNvPr>
+              <p:cNvGrpSpPr/>
+              <p:nvPr/>
+            </p:nvGrpSpPr>
+            <p:grpSpPr>
+              <a:xfrm rot="5400000">
+                <a:off x="3525914" y="1427085"/>
+                <a:ext cx="1961966" cy="907002"/>
+                <a:chOff x="2077374" y="2867487"/>
+                <a:chExt cx="2441360" cy="907002"/>
+              </a:xfrm>
+            </p:grpSpPr>
+            <p:cxnSp>
+              <p:nvCxnSpPr>
+                <p:cNvPr id="135" name="直接连接符 134">
+                  <a:extLst>
+                    <a:ext uri="{FF2B5EF4-FFF2-40B4-BE49-F238E27FC236}">
+                      <a16:creationId xmlns:a16="http://schemas.microsoft.com/office/drawing/2014/main" id="{4E188F26-347B-4C3F-B909-ED09D2ACEC3B}"/>
+                    </a:ext>
+                  </a:extLst>
+                </p:cNvPr>
+                <p:cNvCxnSpPr/>
+                <p:nvPr/>
+              </p:nvCxnSpPr>
+              <p:spPr>
+                <a:xfrm>
+                  <a:off x="2077374" y="2867487"/>
+                  <a:ext cx="2441360" cy="0"/>
+                </a:xfrm>
+                <a:prstGeom prst="line">
+                  <a:avLst/>
+                </a:prstGeom>
+                <a:ln w="19050"/>
+              </p:spPr>
+              <p:style>
+                <a:lnRef idx="1">
+                  <a:schemeClr val="accent1"/>
+                </a:lnRef>
+                <a:fillRef idx="0">
+                  <a:schemeClr val="accent1"/>
+                </a:fillRef>
+                <a:effectRef idx="0">
+                  <a:schemeClr val="accent1"/>
+                </a:effectRef>
+                <a:fontRef idx="minor">
+                  <a:schemeClr val="tx1"/>
+                </a:fontRef>
+              </p:style>
+            </p:cxnSp>
+            <p:cxnSp>
+              <p:nvCxnSpPr>
+                <p:cNvPr id="136" name="直接连接符 135">
+                  <a:extLst>
+                    <a:ext uri="{FF2B5EF4-FFF2-40B4-BE49-F238E27FC236}">
+                      <a16:creationId xmlns:a16="http://schemas.microsoft.com/office/drawing/2014/main" id="{A7CE9A2F-D1FF-4570-96EB-8B482E46910B}"/>
+                    </a:ext>
+                  </a:extLst>
+                </p:cNvPr>
+                <p:cNvCxnSpPr/>
+                <p:nvPr/>
+              </p:nvCxnSpPr>
+              <p:spPr>
+                <a:xfrm>
+                  <a:off x="2077374" y="3315070"/>
+                  <a:ext cx="2441360" cy="0"/>
+                </a:xfrm>
+                <a:prstGeom prst="line">
+                  <a:avLst/>
+                </a:prstGeom>
+                <a:ln>
+                  <a:prstDash val="dash"/>
+                </a:ln>
+              </p:spPr>
+              <p:style>
+                <a:lnRef idx="1">
+                  <a:schemeClr val="dk1"/>
+                </a:lnRef>
+                <a:fillRef idx="0">
+                  <a:schemeClr val="dk1"/>
+                </a:fillRef>
+                <a:effectRef idx="0">
+                  <a:schemeClr val="dk1"/>
+                </a:effectRef>
+                <a:fontRef idx="minor">
+                  <a:schemeClr val="tx1"/>
+                </a:fontRef>
+              </p:style>
+            </p:cxnSp>
+            <p:cxnSp>
+              <p:nvCxnSpPr>
+                <p:cNvPr id="137" name="直接连接符 136">
+                  <a:extLst>
+                    <a:ext uri="{FF2B5EF4-FFF2-40B4-BE49-F238E27FC236}">
+                      <a16:creationId xmlns:a16="http://schemas.microsoft.com/office/drawing/2014/main" id="{DD6578D8-7C1C-46C6-848C-59F2497E7428}"/>
+                    </a:ext>
+                  </a:extLst>
+                </p:cNvPr>
+                <p:cNvCxnSpPr/>
+                <p:nvPr/>
+              </p:nvCxnSpPr>
+              <p:spPr>
+                <a:xfrm>
+                  <a:off x="2077374" y="3774489"/>
+                  <a:ext cx="2441360" cy="0"/>
+                </a:xfrm>
+                <a:prstGeom prst="line">
+                  <a:avLst/>
+                </a:prstGeom>
+                <a:ln w="19050"/>
+              </p:spPr>
+              <p:style>
+                <a:lnRef idx="1">
+                  <a:schemeClr val="accent1"/>
+                </a:lnRef>
+                <a:fillRef idx="0">
+                  <a:schemeClr val="accent1"/>
+                </a:fillRef>
+                <a:effectRef idx="0">
+                  <a:schemeClr val="accent1"/>
+                </a:effectRef>
+                <a:fontRef idx="minor">
+                  <a:schemeClr val="tx1"/>
+                </a:fontRef>
+              </p:style>
+            </p:cxnSp>
+          </p:grpSp>
+          <p:sp>
+            <p:nvSpPr>
+              <p:cNvPr id="133" name="椭圆 132">
+                <a:extLst>
+                  <a:ext uri="{FF2B5EF4-FFF2-40B4-BE49-F238E27FC236}">
+                    <a16:creationId xmlns:a16="http://schemas.microsoft.com/office/drawing/2014/main" id="{CC2DA67E-802C-4F19-A58D-F7D63F8FCB3E}"/>
+                  </a:ext>
+                </a:extLst>
+              </p:cNvPr>
+              <p:cNvSpPr/>
+              <p:nvPr/>
+            </p:nvSpPr>
+            <p:spPr>
+              <a:xfrm>
+                <a:off x="4140328" y="1880586"/>
+                <a:ext cx="297393" cy="310716"/>
+              </a:xfrm>
+              <a:prstGeom prst="ellipse">
+                <a:avLst/>
+              </a:prstGeom>
+              <a:solidFill>
+                <a:schemeClr val="accent6"/>
+              </a:solidFill>
+            </p:spPr>
+            <p:style>
+              <a:lnRef idx="2">
+                <a:schemeClr val="accent1">
+                  <a:shade val="50000"/>
+                </a:schemeClr>
+              </a:lnRef>
+              <a:fillRef idx="1">
+                <a:schemeClr val="accent1"/>
+              </a:fillRef>
+              <a:effectRef idx="0">
+                <a:schemeClr val="accent1"/>
+              </a:effectRef>
+              <a:fontRef idx="minor">
+                <a:schemeClr val="lt1"/>
+              </a:fontRef>
+            </p:style>
+            <p:txBody>
+              <a:bodyPr rtlCol="0" anchor="ctr"/>
+              <a:lstStyle/>
+              <a:p>
+                <a:pPr algn="ctr"/>
+                <a:endParaRPr lang="zh-CN" altLang="en-US" dirty="0">
+                  <a:solidFill>
+                    <a:srgbClr val="00B050"/>
+                  </a:solidFill>
+                </a:endParaRPr>
+              </a:p>
+            </p:txBody>
+          </p:sp>
+          <p:sp>
+            <p:nvSpPr>
+              <p:cNvPr id="134" name="椭圆 133">
+                <a:extLst>
+                  <a:ext uri="{FF2B5EF4-FFF2-40B4-BE49-F238E27FC236}">
+                    <a16:creationId xmlns:a16="http://schemas.microsoft.com/office/drawing/2014/main" id="{5348889A-28B8-465E-8242-297A2ACCFECA}"/>
                   </a:ext>
                 </a:extLst>
               </p:cNvPr>
@@ -5167,10 +4833,10 @@
         </p:grpSp>
         <p:grpSp>
           <p:nvGrpSpPr>
-            <p:cNvPr id="101" name="组合 100">
+            <p:cNvPr id="73" name="组合 72">
               <a:extLst>
                 <a:ext uri="{FF2B5EF4-FFF2-40B4-BE49-F238E27FC236}">
-                  <a16:creationId xmlns:a16="http://schemas.microsoft.com/office/drawing/2014/main" id="{08710432-4034-44ED-BD31-82B2ED3B4A26}"/>
+                  <a16:creationId xmlns:a16="http://schemas.microsoft.com/office/drawing/2014/main" id="{C6ACC72B-B95E-43D5-B205-B15C9CBF33CC}"/>
                 </a:ext>
               </a:extLst>
             </p:cNvPr>
@@ -5178,19 +4844,153 @@
             <p:nvPr/>
           </p:nvGrpSpPr>
           <p:grpSpPr>
-            <a:xfrm rot="16200000">
-              <a:off x="7082900" y="3136038"/>
-              <a:ext cx="756811" cy="310716"/>
-              <a:chOff x="4140328" y="1880586"/>
-              <a:chExt cx="756811" cy="310716"/>
+            <a:xfrm rot="10800000">
+              <a:off x="2934810" y="3750815"/>
+              <a:ext cx="907002" cy="1961966"/>
+              <a:chOff x="4053396" y="899603"/>
+              <a:chExt cx="907002" cy="1961966"/>
             </a:xfrm>
           </p:grpSpPr>
+          <p:grpSp>
+            <p:nvGrpSpPr>
+              <p:cNvPr id="126" name="组合 125">
+                <a:extLst>
+                  <a:ext uri="{FF2B5EF4-FFF2-40B4-BE49-F238E27FC236}">
+                    <a16:creationId xmlns:a16="http://schemas.microsoft.com/office/drawing/2014/main" id="{424B1E95-5C6D-4A89-B9CC-62F984B21921}"/>
+                  </a:ext>
+                </a:extLst>
+              </p:cNvPr>
+              <p:cNvGrpSpPr/>
+              <p:nvPr/>
+            </p:nvGrpSpPr>
+            <p:grpSpPr>
+              <a:xfrm rot="5400000">
+                <a:off x="3525914" y="1427085"/>
+                <a:ext cx="1961966" cy="907002"/>
+                <a:chOff x="2077374" y="2867487"/>
+                <a:chExt cx="2441360" cy="907002"/>
+              </a:xfrm>
+            </p:grpSpPr>
+            <p:cxnSp>
+              <p:nvCxnSpPr>
+                <p:cNvPr id="129" name="直接连接符 128">
+                  <a:extLst>
+                    <a:ext uri="{FF2B5EF4-FFF2-40B4-BE49-F238E27FC236}">
+                      <a16:creationId xmlns:a16="http://schemas.microsoft.com/office/drawing/2014/main" id="{6CB562E1-2FBD-4BAB-9E98-6AFDB5CA1D7F}"/>
+                    </a:ext>
+                  </a:extLst>
+                </p:cNvPr>
+                <p:cNvCxnSpPr/>
+                <p:nvPr/>
+              </p:nvCxnSpPr>
+              <p:spPr>
+                <a:xfrm>
+                  <a:off x="2077374" y="2867487"/>
+                  <a:ext cx="2441360" cy="0"/>
+                </a:xfrm>
+                <a:prstGeom prst="line">
+                  <a:avLst/>
+                </a:prstGeom>
+                <a:ln w="19050"/>
+              </p:spPr>
+              <p:style>
+                <a:lnRef idx="1">
+                  <a:schemeClr val="accent1"/>
+                </a:lnRef>
+                <a:fillRef idx="0">
+                  <a:schemeClr val="accent1"/>
+                </a:fillRef>
+                <a:effectRef idx="0">
+                  <a:schemeClr val="accent1"/>
+                </a:effectRef>
+                <a:fontRef idx="minor">
+                  <a:schemeClr val="tx1"/>
+                </a:fontRef>
+              </p:style>
+            </p:cxnSp>
+            <p:cxnSp>
+              <p:nvCxnSpPr>
+                <p:cNvPr id="130" name="直接连接符 129">
+                  <a:extLst>
+                    <a:ext uri="{FF2B5EF4-FFF2-40B4-BE49-F238E27FC236}">
+                      <a16:creationId xmlns:a16="http://schemas.microsoft.com/office/drawing/2014/main" id="{5DD2DBEA-C8A8-4C3D-A752-887EDF20D451}"/>
+                    </a:ext>
+                  </a:extLst>
+                </p:cNvPr>
+                <p:cNvCxnSpPr/>
+                <p:nvPr/>
+              </p:nvCxnSpPr>
+              <p:spPr>
+                <a:xfrm>
+                  <a:off x="2077374" y="3315070"/>
+                  <a:ext cx="2441360" cy="0"/>
+                </a:xfrm>
+                <a:prstGeom prst="line">
+                  <a:avLst/>
+                </a:prstGeom>
+                <a:ln>
+                  <a:prstDash val="dash"/>
+                </a:ln>
+              </p:spPr>
+              <p:style>
+                <a:lnRef idx="1">
+                  <a:schemeClr val="dk1"/>
+                </a:lnRef>
+                <a:fillRef idx="0">
+                  <a:schemeClr val="dk1"/>
+                </a:fillRef>
+                <a:effectRef idx="0">
+                  <a:schemeClr val="dk1"/>
+                </a:effectRef>
+                <a:fontRef idx="minor">
+                  <a:schemeClr val="tx1"/>
+                </a:fontRef>
+              </p:style>
+            </p:cxnSp>
+            <p:cxnSp>
+              <p:nvCxnSpPr>
+                <p:cNvPr id="131" name="直接连接符 130">
+                  <a:extLst>
+                    <a:ext uri="{FF2B5EF4-FFF2-40B4-BE49-F238E27FC236}">
+                      <a16:creationId xmlns:a16="http://schemas.microsoft.com/office/drawing/2014/main" id="{ECA7DCEC-7A0F-40B0-AE49-4731E1830961}"/>
+                    </a:ext>
+                  </a:extLst>
+                </p:cNvPr>
+                <p:cNvCxnSpPr/>
+                <p:nvPr/>
+              </p:nvCxnSpPr>
+              <p:spPr>
+                <a:xfrm>
+                  <a:off x="2077374" y="3774489"/>
+                  <a:ext cx="2441360" cy="0"/>
+                </a:xfrm>
+                <a:prstGeom prst="line">
+                  <a:avLst/>
+                </a:prstGeom>
+                <a:ln w="19050"/>
+              </p:spPr>
+              <p:style>
+                <a:lnRef idx="1">
+                  <a:schemeClr val="accent1"/>
+                </a:lnRef>
+                <a:fillRef idx="0">
+                  <a:schemeClr val="accent1"/>
+                </a:fillRef>
+                <a:effectRef idx="0">
+                  <a:schemeClr val="accent1"/>
+                </a:effectRef>
+                <a:fontRef idx="minor">
+                  <a:schemeClr val="tx1"/>
+                </a:fontRef>
+              </p:style>
+            </p:cxnSp>
+          </p:grpSp>
           <p:sp>
             <p:nvSpPr>
-              <p:cNvPr id="103" name="椭圆 102">
+              <p:cNvPr id="127" name="椭圆 126">
                 <a:extLst>
                   <a:ext uri="{FF2B5EF4-FFF2-40B4-BE49-F238E27FC236}">
-                    <a16:creationId xmlns:a16="http://schemas.microsoft.com/office/drawing/2014/main" id="{146F63B9-FE71-41F6-93B1-712029A53B97}"/>
+                    <a16:creationId xmlns:a16="http://schemas.microsoft.com/office/drawing/2014/main" id="{13142649-0EF5-4A90-8705-540DA6E3FA6F}"/>
                   </a:ext>
                 </a:extLst>
               </p:cNvPr>
@@ -5206,7 +5006,7 @@
                 <a:avLst/>
               </a:prstGeom>
               <a:solidFill>
-                <a:srgbClr val="00B050"/>
+                <a:schemeClr val="accent6"/>
               </a:solidFill>
             </p:spPr>
             <p:style>
@@ -5236,10 +5036,260 @@
           </p:sp>
           <p:sp>
             <p:nvSpPr>
-              <p:cNvPr id="104" name="椭圆 103">
+              <p:cNvPr id="128" name="椭圆 127">
                 <a:extLst>
                   <a:ext uri="{FF2B5EF4-FFF2-40B4-BE49-F238E27FC236}">
-                    <a16:creationId xmlns:a16="http://schemas.microsoft.com/office/drawing/2014/main" id="{E3BB36B0-3180-4E22-85D9-38EDB3C574B5}"/>
+                    <a16:creationId xmlns:a16="http://schemas.microsoft.com/office/drawing/2014/main" id="{11A8D76C-0DE0-414C-B79E-35A11324EB15}"/>
+                  </a:ext>
+                </a:extLst>
+              </p:cNvPr>
+              <p:cNvSpPr/>
+              <p:nvPr/>
+            </p:nvSpPr>
+            <p:spPr>
+              <a:xfrm>
+                <a:off x="4599746" y="1880586"/>
+                <a:ext cx="297393" cy="310716"/>
+              </a:xfrm>
+              <a:prstGeom prst="ellipse">
+                <a:avLst/>
+              </a:prstGeom>
+            </p:spPr>
+            <p:style>
+              <a:lnRef idx="2">
+                <a:schemeClr val="accent1">
+                  <a:shade val="50000"/>
+                </a:schemeClr>
+              </a:lnRef>
+              <a:fillRef idx="1">
+                <a:schemeClr val="accent1"/>
+              </a:fillRef>
+              <a:effectRef idx="0">
+                <a:schemeClr val="accent1"/>
+              </a:effectRef>
+              <a:fontRef idx="minor">
+                <a:schemeClr val="lt1"/>
+              </a:fontRef>
+            </p:style>
+            <p:txBody>
+              <a:bodyPr rtlCol="0" anchor="ctr"/>
+              <a:lstStyle/>
+              <a:p>
+                <a:pPr algn="ctr"/>
+                <a:endParaRPr lang="zh-CN" altLang="en-US"/>
+              </a:p>
+            </p:txBody>
+          </p:sp>
+        </p:grpSp>
+        <p:grpSp>
+          <p:nvGrpSpPr>
+            <p:cNvPr id="74" name="组合 73">
+              <a:extLst>
+                <a:ext uri="{FF2B5EF4-FFF2-40B4-BE49-F238E27FC236}">
+                  <a16:creationId xmlns:a16="http://schemas.microsoft.com/office/drawing/2014/main" id="{F9503C8F-5FBF-476F-94F4-935DA61BA3A5}"/>
+                </a:ext>
+              </a:extLst>
+            </p:cNvPr>
+            <p:cNvGrpSpPr/>
+            <p:nvPr/>
+          </p:nvGrpSpPr>
+          <p:grpSpPr>
+            <a:xfrm rot="5400000">
+              <a:off x="4381130" y="2316332"/>
+              <a:ext cx="907002" cy="1961966"/>
+              <a:chOff x="4053396" y="899603"/>
+              <a:chExt cx="907002" cy="1961966"/>
+            </a:xfrm>
+          </p:grpSpPr>
+          <p:grpSp>
+            <p:nvGrpSpPr>
+              <p:cNvPr id="106" name="组合 105">
+                <a:extLst>
+                  <a:ext uri="{FF2B5EF4-FFF2-40B4-BE49-F238E27FC236}">
+                    <a16:creationId xmlns:a16="http://schemas.microsoft.com/office/drawing/2014/main" id="{82B7A463-1C8A-474B-97F1-D29FA518DD2C}"/>
+                  </a:ext>
+                </a:extLst>
+              </p:cNvPr>
+              <p:cNvGrpSpPr/>
+              <p:nvPr/>
+            </p:nvGrpSpPr>
+            <p:grpSpPr>
+              <a:xfrm rot="5400000">
+                <a:off x="3525914" y="1427085"/>
+                <a:ext cx="1961966" cy="907002"/>
+                <a:chOff x="2077374" y="2867487"/>
+                <a:chExt cx="2441360" cy="907002"/>
+              </a:xfrm>
+            </p:grpSpPr>
+            <p:cxnSp>
+              <p:nvCxnSpPr>
+                <p:cNvPr id="123" name="直接连接符 122">
+                  <a:extLst>
+                    <a:ext uri="{FF2B5EF4-FFF2-40B4-BE49-F238E27FC236}">
+                      <a16:creationId xmlns:a16="http://schemas.microsoft.com/office/drawing/2014/main" id="{A73BD29A-AB19-479B-A9BC-D9ACFF60EF9E}"/>
+                    </a:ext>
+                  </a:extLst>
+                </p:cNvPr>
+                <p:cNvCxnSpPr/>
+                <p:nvPr/>
+              </p:nvCxnSpPr>
+              <p:spPr>
+                <a:xfrm>
+                  <a:off x="2077374" y="2867487"/>
+                  <a:ext cx="2441360" cy="0"/>
+                </a:xfrm>
+                <a:prstGeom prst="line">
+                  <a:avLst/>
+                </a:prstGeom>
+                <a:ln w="19050"/>
+              </p:spPr>
+              <p:style>
+                <a:lnRef idx="1">
+                  <a:schemeClr val="accent1"/>
+                </a:lnRef>
+                <a:fillRef idx="0">
+                  <a:schemeClr val="accent1"/>
+                </a:fillRef>
+                <a:effectRef idx="0">
+                  <a:schemeClr val="accent1"/>
+                </a:effectRef>
+                <a:fontRef idx="minor">
+                  <a:schemeClr val="tx1"/>
+                </a:fontRef>
+              </p:style>
+            </p:cxnSp>
+            <p:cxnSp>
+              <p:nvCxnSpPr>
+                <p:cNvPr id="124" name="直接连接符 123">
+                  <a:extLst>
+                    <a:ext uri="{FF2B5EF4-FFF2-40B4-BE49-F238E27FC236}">
+                      <a16:creationId xmlns:a16="http://schemas.microsoft.com/office/drawing/2014/main" id="{E04A9E1A-21BF-4CEA-B048-4166B619F139}"/>
+                    </a:ext>
+                  </a:extLst>
+                </p:cNvPr>
+                <p:cNvCxnSpPr/>
+                <p:nvPr/>
+              </p:nvCxnSpPr>
+              <p:spPr>
+                <a:xfrm>
+                  <a:off x="2077374" y="3315070"/>
+                  <a:ext cx="2441360" cy="0"/>
+                </a:xfrm>
+                <a:prstGeom prst="line">
+                  <a:avLst/>
+                </a:prstGeom>
+                <a:ln>
+                  <a:prstDash val="dash"/>
+                </a:ln>
+              </p:spPr>
+              <p:style>
+                <a:lnRef idx="1">
+                  <a:schemeClr val="dk1"/>
+                </a:lnRef>
+                <a:fillRef idx="0">
+                  <a:schemeClr val="dk1"/>
+                </a:fillRef>
+                <a:effectRef idx="0">
+                  <a:schemeClr val="dk1"/>
+                </a:effectRef>
+                <a:fontRef idx="minor">
+                  <a:schemeClr val="tx1"/>
+                </a:fontRef>
+              </p:style>
+            </p:cxnSp>
+            <p:cxnSp>
+              <p:nvCxnSpPr>
+                <p:cNvPr id="125" name="直接连接符 124">
+                  <a:extLst>
+                    <a:ext uri="{FF2B5EF4-FFF2-40B4-BE49-F238E27FC236}">
+                      <a16:creationId xmlns:a16="http://schemas.microsoft.com/office/drawing/2014/main" id="{9C3C9524-FB9F-41D7-8D4A-8D592686E599}"/>
+                    </a:ext>
+                  </a:extLst>
+                </p:cNvPr>
+                <p:cNvCxnSpPr/>
+                <p:nvPr/>
+              </p:nvCxnSpPr>
+              <p:spPr>
+                <a:xfrm>
+                  <a:off x="2077374" y="3774489"/>
+                  <a:ext cx="2441360" cy="0"/>
+                </a:xfrm>
+                <a:prstGeom prst="line">
+                  <a:avLst/>
+                </a:prstGeom>
+                <a:ln w="19050"/>
+              </p:spPr>
+              <p:style>
+                <a:lnRef idx="1">
+                  <a:schemeClr val="accent1"/>
+                </a:lnRef>
+                <a:fillRef idx="0">
+                  <a:schemeClr val="accent1"/>
+                </a:fillRef>
+                <a:effectRef idx="0">
+                  <a:schemeClr val="accent1"/>
+                </a:effectRef>
+                <a:fontRef idx="minor">
+                  <a:schemeClr val="tx1"/>
+                </a:fontRef>
+              </p:style>
+            </p:cxnSp>
+          </p:grpSp>
+          <p:sp>
+            <p:nvSpPr>
+              <p:cNvPr id="107" name="椭圆 106">
+                <a:extLst>
+                  <a:ext uri="{FF2B5EF4-FFF2-40B4-BE49-F238E27FC236}">
+                    <a16:creationId xmlns:a16="http://schemas.microsoft.com/office/drawing/2014/main" id="{96168055-E5A6-46D0-94EC-0577602DDE71}"/>
+                  </a:ext>
+                </a:extLst>
+              </p:cNvPr>
+              <p:cNvSpPr/>
+              <p:nvPr/>
+            </p:nvSpPr>
+            <p:spPr>
+              <a:xfrm>
+                <a:off x="4140328" y="1880586"/>
+                <a:ext cx="297393" cy="310716"/>
+              </a:xfrm>
+              <a:prstGeom prst="ellipse">
+                <a:avLst/>
+              </a:prstGeom>
+              <a:solidFill>
+                <a:schemeClr val="accent6"/>
+              </a:solidFill>
+            </p:spPr>
+            <p:style>
+              <a:lnRef idx="2">
+                <a:schemeClr val="accent1">
+                  <a:shade val="50000"/>
+                </a:schemeClr>
+              </a:lnRef>
+              <a:fillRef idx="1">
+                <a:schemeClr val="accent1"/>
+              </a:fillRef>
+              <a:effectRef idx="0">
+                <a:schemeClr val="accent1"/>
+              </a:effectRef>
+              <a:fontRef idx="minor">
+                <a:schemeClr val="lt1"/>
+              </a:fontRef>
+            </p:style>
+            <p:txBody>
+              <a:bodyPr rtlCol="0" anchor="ctr"/>
+              <a:lstStyle/>
+              <a:p>
+                <a:pPr algn="ctr"/>
+                <a:endParaRPr lang="zh-CN" altLang="en-US" dirty="0"/>
+              </a:p>
+            </p:txBody>
+          </p:sp>
+          <p:sp>
+            <p:nvSpPr>
+              <p:cNvPr id="122" name="椭圆 121">
+                <a:extLst>
+                  <a:ext uri="{FF2B5EF4-FFF2-40B4-BE49-F238E27FC236}">
+                    <a16:creationId xmlns:a16="http://schemas.microsoft.com/office/drawing/2014/main" id="{4C72F6E0-3F40-47A1-8A19-FEDBB6DCA803}"/>
                   </a:ext>
                 </a:extLst>
               </p:cNvPr>
@@ -5283,23 +5333,1259 @@
         </p:grpSp>
         <p:cxnSp>
           <p:nvCxnSpPr>
-            <p:cNvPr id="108" name="直接连接符 107">
+            <p:cNvPr id="76" name="直接连接符 75">
               <a:extLst>
                 <a:ext uri="{FF2B5EF4-FFF2-40B4-BE49-F238E27FC236}">
-                  <a16:creationId xmlns:a16="http://schemas.microsoft.com/office/drawing/2014/main" id="{4DD9E247-D483-4D28-B95A-6F24CAB940BC}"/>
+                  <a16:creationId xmlns:a16="http://schemas.microsoft.com/office/drawing/2014/main" id="{764F2CE8-8F96-4941-B0C0-C5FC496D5DC6}"/>
                 </a:ext>
               </a:extLst>
             </p:cNvPr>
             <p:cNvCxnSpPr>
-              <a:cxnSpLocks/>
-              <a:stCxn id="82" idx="3"/>
-              <a:endCxn id="104" idx="5"/>
+              <a:stCxn id="133" idx="3"/>
+              <a:endCxn id="203" idx="1"/>
             </p:cNvCxnSpPr>
             <p:nvPr/>
           </p:nvCxnSpPr>
           <p:spPr>
             <a:xfrm flipH="1">
-              <a:off x="7571161" y="2128044"/>
+              <a:off x="1911455" y="2128044"/>
+              <a:ext cx="1153837" cy="846258"/>
+            </a:xfrm>
+            <a:prstGeom prst="line">
+              <a:avLst/>
+            </a:prstGeom>
+          </p:spPr>
+          <p:style>
+            <a:lnRef idx="1">
+              <a:schemeClr val="dk1"/>
+            </a:lnRef>
+            <a:fillRef idx="0">
+              <a:schemeClr val="dk1"/>
+            </a:fillRef>
+            <a:effectRef idx="0">
+              <a:schemeClr val="dk1"/>
+            </a:effectRef>
+            <a:fontRef idx="minor">
+              <a:schemeClr val="tx1"/>
+            </a:fontRef>
+          </p:style>
+        </p:cxnSp>
+        <p:cxnSp>
+          <p:nvCxnSpPr>
+            <p:cNvPr id="77" name="直接连接符 76">
+              <a:extLst>
+                <a:ext uri="{FF2B5EF4-FFF2-40B4-BE49-F238E27FC236}">
+                  <a16:creationId xmlns:a16="http://schemas.microsoft.com/office/drawing/2014/main" id="{D68F67E1-0C17-45F2-8F17-8885FA4BE727}"/>
+                </a:ext>
+              </a:extLst>
+            </p:cNvPr>
+            <p:cNvCxnSpPr>
+              <a:stCxn id="133" idx="4"/>
+              <a:endCxn id="128" idx="4"/>
+            </p:cNvCxnSpPr>
+            <p:nvPr/>
+          </p:nvCxnSpPr>
+          <p:spPr>
+            <a:xfrm flipH="1">
+              <a:off x="3146765" y="2173547"/>
+              <a:ext cx="23674" cy="2247535"/>
+            </a:xfrm>
+            <a:prstGeom prst="line">
+              <a:avLst/>
+            </a:prstGeom>
+          </p:spPr>
+          <p:style>
+            <a:lnRef idx="1">
+              <a:schemeClr val="dk1"/>
+            </a:lnRef>
+            <a:fillRef idx="0">
+              <a:schemeClr val="dk1"/>
+            </a:fillRef>
+            <a:effectRef idx="0">
+              <a:schemeClr val="dk1"/>
+            </a:effectRef>
+            <a:fontRef idx="minor">
+              <a:schemeClr val="tx1"/>
+            </a:fontRef>
+          </p:style>
+        </p:cxnSp>
+        <p:cxnSp>
+          <p:nvCxnSpPr>
+            <p:cNvPr id="78" name="直接连接符 77">
+              <a:extLst>
+                <a:ext uri="{FF2B5EF4-FFF2-40B4-BE49-F238E27FC236}">
+                  <a16:creationId xmlns:a16="http://schemas.microsoft.com/office/drawing/2014/main" id="{92BF9203-853A-4CEF-AC56-9536733D75FF}"/>
+                </a:ext>
+              </a:extLst>
+            </p:cNvPr>
+            <p:cNvCxnSpPr>
+              <a:stCxn id="204" idx="1"/>
+              <a:endCxn id="134" idx="3"/>
+            </p:cNvCxnSpPr>
+            <p:nvPr/>
+          </p:nvCxnSpPr>
+          <p:spPr>
+            <a:xfrm flipV="1">
+              <a:off x="1911455" y="2128044"/>
+              <a:ext cx="1613255" cy="1305676"/>
+            </a:xfrm>
+            <a:prstGeom prst="line">
+              <a:avLst/>
+            </a:prstGeom>
+          </p:spPr>
+          <p:style>
+            <a:lnRef idx="1">
+              <a:schemeClr val="dk1"/>
+            </a:lnRef>
+            <a:fillRef idx="0">
+              <a:schemeClr val="dk1"/>
+            </a:fillRef>
+            <a:effectRef idx="0">
+              <a:schemeClr val="dk1"/>
+            </a:effectRef>
+            <a:fontRef idx="minor">
+              <a:schemeClr val="tx1"/>
+            </a:fontRef>
+          </p:style>
+        </p:cxnSp>
+        <p:cxnSp>
+          <p:nvCxnSpPr>
+            <p:cNvPr id="79" name="直接连接符 78">
+              <a:extLst>
+                <a:ext uri="{FF2B5EF4-FFF2-40B4-BE49-F238E27FC236}">
+                  <a16:creationId xmlns:a16="http://schemas.microsoft.com/office/drawing/2014/main" id="{008A828E-D513-4280-B1C6-E1BFE58B6043}"/>
+                </a:ext>
+              </a:extLst>
+            </p:cNvPr>
+            <p:cNvCxnSpPr>
+              <a:stCxn id="204" idx="0"/>
+              <a:endCxn id="122" idx="4"/>
+            </p:cNvCxnSpPr>
+            <p:nvPr/>
+          </p:nvCxnSpPr>
+          <p:spPr>
+            <a:xfrm flipV="1">
+              <a:off x="1956957" y="3538859"/>
+              <a:ext cx="2566957" cy="4"/>
+            </a:xfrm>
+            <a:prstGeom prst="line">
+              <a:avLst/>
+            </a:prstGeom>
+          </p:spPr>
+          <p:style>
+            <a:lnRef idx="1">
+              <a:schemeClr val="dk1"/>
+            </a:lnRef>
+            <a:fillRef idx="0">
+              <a:schemeClr val="dk1"/>
+            </a:fillRef>
+            <a:effectRef idx="0">
+              <a:schemeClr val="dk1"/>
+            </a:effectRef>
+            <a:fontRef idx="minor">
+              <a:schemeClr val="tx1"/>
+            </a:fontRef>
+          </p:style>
+        </p:cxnSp>
+        <p:cxnSp>
+          <p:nvCxnSpPr>
+            <p:cNvPr id="81" name="直接连接符 80">
+              <a:extLst>
+                <a:ext uri="{FF2B5EF4-FFF2-40B4-BE49-F238E27FC236}">
+                  <a16:creationId xmlns:a16="http://schemas.microsoft.com/office/drawing/2014/main" id="{95DE90DB-FA25-4A7D-B296-8803BEC0EE27}"/>
+                </a:ext>
+              </a:extLst>
+            </p:cNvPr>
+            <p:cNvCxnSpPr>
+              <a:stCxn id="107" idx="4"/>
+              <a:endCxn id="203" idx="0"/>
+            </p:cNvCxnSpPr>
+            <p:nvPr/>
+          </p:nvCxnSpPr>
+          <p:spPr>
+            <a:xfrm flipH="1">
+              <a:off x="1956957" y="3079443"/>
+              <a:ext cx="2566957" cy="2"/>
+            </a:xfrm>
+            <a:prstGeom prst="line">
+              <a:avLst/>
+            </a:prstGeom>
+          </p:spPr>
+          <p:style>
+            <a:lnRef idx="1">
+              <a:schemeClr val="dk1"/>
+            </a:lnRef>
+            <a:fillRef idx="0">
+              <a:schemeClr val="dk1"/>
+            </a:fillRef>
+            <a:effectRef idx="0">
+              <a:schemeClr val="dk1"/>
+            </a:effectRef>
+            <a:fontRef idx="minor">
+              <a:schemeClr val="tx1"/>
+            </a:fontRef>
+          </p:style>
+        </p:cxnSp>
+        <p:cxnSp>
+          <p:nvCxnSpPr>
+            <p:cNvPr id="84" name="直接连接符 83">
+              <a:extLst>
+                <a:ext uri="{FF2B5EF4-FFF2-40B4-BE49-F238E27FC236}">
+                  <a16:creationId xmlns:a16="http://schemas.microsoft.com/office/drawing/2014/main" id="{6FA9FC48-35A3-456F-855A-6A1E3FAEBD5B}"/>
+                </a:ext>
+              </a:extLst>
+            </p:cNvPr>
+            <p:cNvCxnSpPr>
+              <a:stCxn id="107" idx="3"/>
+              <a:endCxn id="134" idx="5"/>
+            </p:cNvCxnSpPr>
+            <p:nvPr/>
+          </p:nvCxnSpPr>
+          <p:spPr>
+            <a:xfrm flipH="1" flipV="1">
+              <a:off x="3735001" y="2128044"/>
+              <a:ext cx="834418" cy="846255"/>
+            </a:xfrm>
+            <a:prstGeom prst="line">
+              <a:avLst/>
+            </a:prstGeom>
+          </p:spPr>
+          <p:style>
+            <a:lnRef idx="1">
+              <a:schemeClr val="dk1"/>
+            </a:lnRef>
+            <a:fillRef idx="0">
+              <a:schemeClr val="dk1"/>
+            </a:fillRef>
+            <a:effectRef idx="0">
+              <a:schemeClr val="dk1"/>
+            </a:effectRef>
+            <a:fontRef idx="minor">
+              <a:schemeClr val="tx1"/>
+            </a:fontRef>
+          </p:style>
+        </p:cxnSp>
+        <p:cxnSp>
+          <p:nvCxnSpPr>
+            <p:cNvPr id="85" name="直接连接符 84">
+              <a:extLst>
+                <a:ext uri="{FF2B5EF4-FFF2-40B4-BE49-F238E27FC236}">
+                  <a16:creationId xmlns:a16="http://schemas.microsoft.com/office/drawing/2014/main" id="{67A920CC-EBB5-435D-897B-6C11C2BB8117}"/>
+                </a:ext>
+              </a:extLst>
+            </p:cNvPr>
+            <p:cNvCxnSpPr>
+              <a:stCxn id="133" idx="5"/>
+              <a:endCxn id="122" idx="3"/>
+            </p:cNvCxnSpPr>
+            <p:nvPr/>
+          </p:nvCxnSpPr>
+          <p:spPr>
+            <a:xfrm>
+              <a:off x="3275583" y="2128044"/>
+              <a:ext cx="1293836" cy="1305673"/>
+            </a:xfrm>
+            <a:prstGeom prst="line">
+              <a:avLst/>
+            </a:prstGeom>
+          </p:spPr>
+          <p:style>
+            <a:lnRef idx="1">
+              <a:schemeClr val="dk1"/>
+            </a:lnRef>
+            <a:fillRef idx="0">
+              <a:schemeClr val="dk1"/>
+            </a:fillRef>
+            <a:effectRef idx="0">
+              <a:schemeClr val="dk1"/>
+            </a:effectRef>
+            <a:fontRef idx="minor">
+              <a:schemeClr val="tx1"/>
+            </a:fontRef>
+          </p:style>
+        </p:cxnSp>
+        <p:cxnSp>
+          <p:nvCxnSpPr>
+            <p:cNvPr id="86" name="直接连接符 85">
+              <a:extLst>
+                <a:ext uri="{FF2B5EF4-FFF2-40B4-BE49-F238E27FC236}">
+                  <a16:creationId xmlns:a16="http://schemas.microsoft.com/office/drawing/2014/main" id="{8D2B72D6-380E-46A1-95E8-E2970B8005FA}"/>
+                </a:ext>
+              </a:extLst>
+            </p:cNvPr>
+            <p:cNvCxnSpPr>
+              <a:stCxn id="127" idx="4"/>
+              <a:endCxn id="134" idx="4"/>
+            </p:cNvCxnSpPr>
+            <p:nvPr/>
+          </p:nvCxnSpPr>
+          <p:spPr>
+            <a:xfrm flipV="1">
+              <a:off x="3606183" y="2173547"/>
+              <a:ext cx="23674" cy="2247535"/>
+            </a:xfrm>
+            <a:prstGeom prst="line">
+              <a:avLst/>
+            </a:prstGeom>
+          </p:spPr>
+          <p:style>
+            <a:lnRef idx="1">
+              <a:schemeClr val="dk1"/>
+            </a:lnRef>
+            <a:fillRef idx="0">
+              <a:schemeClr val="dk1"/>
+            </a:fillRef>
+            <a:effectRef idx="0">
+              <a:schemeClr val="dk1"/>
+            </a:effectRef>
+            <a:fontRef idx="minor">
+              <a:schemeClr val="tx1"/>
+            </a:fontRef>
+          </p:style>
+        </p:cxnSp>
+        <p:cxnSp>
+          <p:nvCxnSpPr>
+            <p:cNvPr id="88" name="直接连接符 87">
+              <a:extLst>
+                <a:ext uri="{FF2B5EF4-FFF2-40B4-BE49-F238E27FC236}">
+                  <a16:creationId xmlns:a16="http://schemas.microsoft.com/office/drawing/2014/main" id="{6EF9FB2F-410C-46BD-80E3-E8D1C883A0AF}"/>
+                </a:ext>
+              </a:extLst>
+            </p:cNvPr>
+            <p:cNvCxnSpPr>
+              <a:stCxn id="127" idx="5"/>
+              <a:endCxn id="203" idx="7"/>
+            </p:cNvCxnSpPr>
+            <p:nvPr/>
+          </p:nvCxnSpPr>
+          <p:spPr>
+            <a:xfrm flipH="1" flipV="1">
+              <a:off x="1911455" y="3184588"/>
+              <a:ext cx="1589582" cy="1281997"/>
+            </a:xfrm>
+            <a:prstGeom prst="line">
+              <a:avLst/>
+            </a:prstGeom>
+          </p:spPr>
+          <p:style>
+            <a:lnRef idx="1">
+              <a:schemeClr val="dk1"/>
+            </a:lnRef>
+            <a:fillRef idx="0">
+              <a:schemeClr val="dk1"/>
+            </a:fillRef>
+            <a:effectRef idx="0">
+              <a:schemeClr val="dk1"/>
+            </a:effectRef>
+            <a:fontRef idx="minor">
+              <a:schemeClr val="tx1"/>
+            </a:fontRef>
+          </p:style>
+        </p:cxnSp>
+        <p:cxnSp>
+          <p:nvCxnSpPr>
+            <p:cNvPr id="91" name="直接连接符 90">
+              <a:extLst>
+                <a:ext uri="{FF2B5EF4-FFF2-40B4-BE49-F238E27FC236}">
+                  <a16:creationId xmlns:a16="http://schemas.microsoft.com/office/drawing/2014/main" id="{25869FB8-25A2-40ED-AB6D-2B72CC30A85A}"/>
+                </a:ext>
+              </a:extLst>
+            </p:cNvPr>
+            <p:cNvCxnSpPr>
+              <a:stCxn id="127" idx="3"/>
+              <a:endCxn id="122" idx="5"/>
+            </p:cNvCxnSpPr>
+            <p:nvPr/>
+          </p:nvCxnSpPr>
+          <p:spPr>
+            <a:xfrm flipV="1">
+              <a:off x="3711328" y="3644006"/>
+              <a:ext cx="858091" cy="822579"/>
+            </a:xfrm>
+            <a:prstGeom prst="line">
+              <a:avLst/>
+            </a:prstGeom>
+          </p:spPr>
+          <p:style>
+            <a:lnRef idx="1">
+              <a:schemeClr val="dk1"/>
+            </a:lnRef>
+            <a:fillRef idx="0">
+              <a:schemeClr val="dk1"/>
+            </a:fillRef>
+            <a:effectRef idx="0">
+              <a:schemeClr val="dk1"/>
+            </a:effectRef>
+            <a:fontRef idx="minor">
+              <a:schemeClr val="tx1"/>
+            </a:fontRef>
+          </p:style>
+        </p:cxnSp>
+        <p:cxnSp>
+          <p:nvCxnSpPr>
+            <p:cNvPr id="92" name="直接连接符 91">
+              <a:extLst>
+                <a:ext uri="{FF2B5EF4-FFF2-40B4-BE49-F238E27FC236}">
+                  <a16:creationId xmlns:a16="http://schemas.microsoft.com/office/drawing/2014/main" id="{5C77BFF4-0A1E-447F-9164-EE7EBBFE62B9}"/>
+                </a:ext>
+              </a:extLst>
+            </p:cNvPr>
+            <p:cNvCxnSpPr>
+              <a:stCxn id="204" idx="7"/>
+              <a:endCxn id="128" idx="5"/>
+            </p:cNvCxnSpPr>
+            <p:nvPr/>
+          </p:nvCxnSpPr>
+          <p:spPr>
+            <a:xfrm>
+              <a:off x="1911455" y="3644006"/>
+              <a:ext cx="1130165" cy="822579"/>
+            </a:xfrm>
+            <a:prstGeom prst="line">
+              <a:avLst/>
+            </a:prstGeom>
+          </p:spPr>
+          <p:style>
+            <a:lnRef idx="1">
+              <a:schemeClr val="dk1"/>
+            </a:lnRef>
+            <a:fillRef idx="0">
+              <a:schemeClr val="dk1"/>
+            </a:fillRef>
+            <a:effectRef idx="0">
+              <a:schemeClr val="dk1"/>
+            </a:effectRef>
+            <a:fontRef idx="minor">
+              <a:schemeClr val="tx1"/>
+            </a:fontRef>
+          </p:style>
+        </p:cxnSp>
+        <p:cxnSp>
+          <p:nvCxnSpPr>
+            <p:cNvPr id="93" name="直接连接符 92">
+              <a:extLst>
+                <a:ext uri="{FF2B5EF4-FFF2-40B4-BE49-F238E27FC236}">
+                  <a16:creationId xmlns:a16="http://schemas.microsoft.com/office/drawing/2014/main" id="{D7775859-5C59-4797-8A52-2AA8C863D3ED}"/>
+                </a:ext>
+              </a:extLst>
+            </p:cNvPr>
+            <p:cNvCxnSpPr>
+              <a:stCxn id="107" idx="5"/>
+              <a:endCxn id="128" idx="3"/>
+            </p:cNvCxnSpPr>
+            <p:nvPr/>
+          </p:nvCxnSpPr>
+          <p:spPr>
+            <a:xfrm flipH="1">
+              <a:off x="3251910" y="3184588"/>
+              <a:ext cx="1317509" cy="1281997"/>
+            </a:xfrm>
+            <a:prstGeom prst="line">
+              <a:avLst/>
+            </a:prstGeom>
+          </p:spPr>
+          <p:style>
+            <a:lnRef idx="1">
+              <a:schemeClr val="dk1"/>
+            </a:lnRef>
+            <a:fillRef idx="0">
+              <a:schemeClr val="dk1"/>
+            </a:fillRef>
+            <a:effectRef idx="0">
+              <a:schemeClr val="dk1"/>
+            </a:effectRef>
+            <a:fontRef idx="minor">
+              <a:schemeClr val="tx1"/>
+            </a:fontRef>
+          </p:style>
+        </p:cxnSp>
+      </p:grpSp>
+      <p:grpSp>
+        <p:nvGrpSpPr>
+          <p:cNvPr id="138" name="组合 137"/>
+          <p:cNvGrpSpPr/>
+          <p:nvPr/>
+        </p:nvGrpSpPr>
+        <p:grpSpPr>
+          <a:xfrm>
+            <a:off x="4545326" y="662689"/>
+            <a:ext cx="2385818" cy="1977020"/>
+            <a:chOff x="972844" y="881848"/>
+            <a:chExt cx="4842770" cy="3883677"/>
+          </a:xfrm>
+        </p:grpSpPr>
+        <p:grpSp>
+          <p:nvGrpSpPr>
+            <p:cNvPr id="139" name="组合 138">
+              <a:extLst>
+                <a:ext uri="{FF2B5EF4-FFF2-40B4-BE49-F238E27FC236}">
+                  <a16:creationId xmlns:a16="http://schemas.microsoft.com/office/drawing/2014/main" id="{A29B9341-25FE-461B-A9E8-29966312C124}"/>
+                </a:ext>
+              </a:extLst>
+            </p:cNvPr>
+            <p:cNvGrpSpPr/>
+            <p:nvPr/>
+          </p:nvGrpSpPr>
+          <p:grpSpPr>
+            <a:xfrm>
+              <a:off x="2934810" y="881848"/>
+              <a:ext cx="907002" cy="1961966"/>
+              <a:chOff x="4053396" y="899603"/>
+              <a:chExt cx="907002" cy="1961966"/>
+            </a:xfrm>
+          </p:grpSpPr>
+          <p:grpSp>
+            <p:nvGrpSpPr>
+              <p:cNvPr id="173" name="组合 172">
+                <a:extLst>
+                  <a:ext uri="{FF2B5EF4-FFF2-40B4-BE49-F238E27FC236}">
+                    <a16:creationId xmlns:a16="http://schemas.microsoft.com/office/drawing/2014/main" id="{DF32330E-3213-4325-83A8-7D65661DFCDB}"/>
+                  </a:ext>
+                </a:extLst>
+              </p:cNvPr>
+              <p:cNvGrpSpPr/>
+              <p:nvPr/>
+            </p:nvGrpSpPr>
+            <p:grpSpPr>
+              <a:xfrm rot="5400000">
+                <a:off x="3525914" y="1427085"/>
+                <a:ext cx="1961966" cy="907002"/>
+                <a:chOff x="2077374" y="2867487"/>
+                <a:chExt cx="2441360" cy="907002"/>
+              </a:xfrm>
+            </p:grpSpPr>
+            <p:cxnSp>
+              <p:nvCxnSpPr>
+                <p:cNvPr id="176" name="直接连接符 175">
+                  <a:extLst>
+                    <a:ext uri="{FF2B5EF4-FFF2-40B4-BE49-F238E27FC236}">
+                      <a16:creationId xmlns:a16="http://schemas.microsoft.com/office/drawing/2014/main" id="{4E188F26-347B-4C3F-B909-ED09D2ACEC3B}"/>
+                    </a:ext>
+                  </a:extLst>
+                </p:cNvPr>
+                <p:cNvCxnSpPr/>
+                <p:nvPr/>
+              </p:nvCxnSpPr>
+              <p:spPr>
+                <a:xfrm>
+                  <a:off x="2077374" y="2867487"/>
+                  <a:ext cx="2441360" cy="0"/>
+                </a:xfrm>
+                <a:prstGeom prst="line">
+                  <a:avLst/>
+                </a:prstGeom>
+                <a:ln w="19050"/>
+              </p:spPr>
+              <p:style>
+                <a:lnRef idx="1">
+                  <a:schemeClr val="accent1"/>
+                </a:lnRef>
+                <a:fillRef idx="0">
+                  <a:schemeClr val="accent1"/>
+                </a:fillRef>
+                <a:effectRef idx="0">
+                  <a:schemeClr val="accent1"/>
+                </a:effectRef>
+                <a:fontRef idx="minor">
+                  <a:schemeClr val="tx1"/>
+                </a:fontRef>
+              </p:style>
+            </p:cxnSp>
+            <p:cxnSp>
+              <p:nvCxnSpPr>
+                <p:cNvPr id="177" name="直接连接符 176">
+                  <a:extLst>
+                    <a:ext uri="{FF2B5EF4-FFF2-40B4-BE49-F238E27FC236}">
+                      <a16:creationId xmlns:a16="http://schemas.microsoft.com/office/drawing/2014/main" id="{A7CE9A2F-D1FF-4570-96EB-8B482E46910B}"/>
+                    </a:ext>
+                  </a:extLst>
+                </p:cNvPr>
+                <p:cNvCxnSpPr/>
+                <p:nvPr/>
+              </p:nvCxnSpPr>
+              <p:spPr>
+                <a:xfrm>
+                  <a:off x="2077374" y="3315070"/>
+                  <a:ext cx="2441360" cy="0"/>
+                </a:xfrm>
+                <a:prstGeom prst="line">
+                  <a:avLst/>
+                </a:prstGeom>
+                <a:ln>
+                  <a:prstDash val="dash"/>
+                </a:ln>
+              </p:spPr>
+              <p:style>
+                <a:lnRef idx="1">
+                  <a:schemeClr val="dk1"/>
+                </a:lnRef>
+                <a:fillRef idx="0">
+                  <a:schemeClr val="dk1"/>
+                </a:fillRef>
+                <a:effectRef idx="0">
+                  <a:schemeClr val="dk1"/>
+                </a:effectRef>
+                <a:fontRef idx="minor">
+                  <a:schemeClr val="tx1"/>
+                </a:fontRef>
+              </p:style>
+            </p:cxnSp>
+            <p:cxnSp>
+              <p:nvCxnSpPr>
+                <p:cNvPr id="178" name="直接连接符 177">
+                  <a:extLst>
+                    <a:ext uri="{FF2B5EF4-FFF2-40B4-BE49-F238E27FC236}">
+                      <a16:creationId xmlns:a16="http://schemas.microsoft.com/office/drawing/2014/main" id="{DD6578D8-7C1C-46C6-848C-59F2497E7428}"/>
+                    </a:ext>
+                  </a:extLst>
+                </p:cNvPr>
+                <p:cNvCxnSpPr/>
+                <p:nvPr/>
+              </p:nvCxnSpPr>
+              <p:spPr>
+                <a:xfrm>
+                  <a:off x="2077374" y="3774489"/>
+                  <a:ext cx="2441360" cy="0"/>
+                </a:xfrm>
+                <a:prstGeom prst="line">
+                  <a:avLst/>
+                </a:prstGeom>
+                <a:ln w="19050"/>
+              </p:spPr>
+              <p:style>
+                <a:lnRef idx="1">
+                  <a:schemeClr val="accent1"/>
+                </a:lnRef>
+                <a:fillRef idx="0">
+                  <a:schemeClr val="accent1"/>
+                </a:fillRef>
+                <a:effectRef idx="0">
+                  <a:schemeClr val="accent1"/>
+                </a:effectRef>
+                <a:fontRef idx="minor">
+                  <a:schemeClr val="tx1"/>
+                </a:fontRef>
+              </p:style>
+            </p:cxnSp>
+          </p:grpSp>
+          <p:sp>
+            <p:nvSpPr>
+              <p:cNvPr id="174" name="椭圆 173">
+                <a:extLst>
+                  <a:ext uri="{FF2B5EF4-FFF2-40B4-BE49-F238E27FC236}">
+                    <a16:creationId xmlns:a16="http://schemas.microsoft.com/office/drawing/2014/main" id="{CC2DA67E-802C-4F19-A58D-F7D63F8FCB3E}"/>
+                  </a:ext>
+                </a:extLst>
+              </p:cNvPr>
+              <p:cNvSpPr/>
+              <p:nvPr/>
+            </p:nvSpPr>
+            <p:spPr>
+              <a:xfrm>
+                <a:off x="4140328" y="1880586"/>
+                <a:ext cx="297393" cy="310716"/>
+              </a:xfrm>
+              <a:prstGeom prst="ellipse">
+                <a:avLst/>
+              </a:prstGeom>
+              <a:solidFill>
+                <a:schemeClr val="accent6"/>
+              </a:solidFill>
+            </p:spPr>
+            <p:style>
+              <a:lnRef idx="2">
+                <a:schemeClr val="accent1">
+                  <a:shade val="50000"/>
+                </a:schemeClr>
+              </a:lnRef>
+              <a:fillRef idx="1">
+                <a:schemeClr val="accent1"/>
+              </a:fillRef>
+              <a:effectRef idx="0">
+                <a:schemeClr val="accent1"/>
+              </a:effectRef>
+              <a:fontRef idx="minor">
+                <a:schemeClr val="lt1"/>
+              </a:fontRef>
+            </p:style>
+            <p:txBody>
+              <a:bodyPr rtlCol="0" anchor="ctr"/>
+              <a:lstStyle/>
+              <a:p>
+                <a:pPr algn="ctr"/>
+                <a:endParaRPr lang="zh-CN" altLang="en-US" dirty="0">
+                  <a:solidFill>
+                    <a:srgbClr val="00B050"/>
+                  </a:solidFill>
+                </a:endParaRPr>
+              </a:p>
+            </p:txBody>
+          </p:sp>
+          <p:sp>
+            <p:nvSpPr>
+              <p:cNvPr id="175" name="椭圆 174">
+                <a:extLst>
+                  <a:ext uri="{FF2B5EF4-FFF2-40B4-BE49-F238E27FC236}">
+                    <a16:creationId xmlns:a16="http://schemas.microsoft.com/office/drawing/2014/main" id="{5348889A-28B8-465E-8242-297A2ACCFECA}"/>
+                  </a:ext>
+                </a:extLst>
+              </p:cNvPr>
+              <p:cNvSpPr/>
+              <p:nvPr/>
+            </p:nvSpPr>
+            <p:spPr>
+              <a:xfrm>
+                <a:off x="4599746" y="1880586"/>
+                <a:ext cx="297393" cy="310716"/>
+              </a:xfrm>
+              <a:prstGeom prst="ellipse">
+                <a:avLst/>
+              </a:prstGeom>
+            </p:spPr>
+            <p:style>
+              <a:lnRef idx="2">
+                <a:schemeClr val="accent1">
+                  <a:shade val="50000"/>
+                </a:schemeClr>
+              </a:lnRef>
+              <a:fillRef idx="1">
+                <a:schemeClr val="accent1"/>
+              </a:fillRef>
+              <a:effectRef idx="0">
+                <a:schemeClr val="accent1"/>
+              </a:effectRef>
+              <a:fontRef idx="minor">
+                <a:schemeClr val="lt1"/>
+              </a:fontRef>
+            </p:style>
+            <p:txBody>
+              <a:bodyPr rtlCol="0" anchor="ctr"/>
+              <a:lstStyle/>
+              <a:p>
+                <a:pPr algn="ctr"/>
+                <a:endParaRPr lang="zh-CN" altLang="en-US"/>
+              </a:p>
+            </p:txBody>
+          </p:sp>
+        </p:grpSp>
+        <p:grpSp>
+          <p:nvGrpSpPr>
+            <p:cNvPr id="141" name="组合 140">
+              <a:extLst>
+                <a:ext uri="{FF2B5EF4-FFF2-40B4-BE49-F238E27FC236}">
+                  <a16:creationId xmlns:a16="http://schemas.microsoft.com/office/drawing/2014/main" id="{F9503C8F-5FBF-476F-94F4-935DA61BA3A5}"/>
+                </a:ext>
+              </a:extLst>
+            </p:cNvPr>
+            <p:cNvGrpSpPr/>
+            <p:nvPr/>
+          </p:nvGrpSpPr>
+          <p:grpSpPr>
+            <a:xfrm rot="5400000">
+              <a:off x="4381130" y="2316332"/>
+              <a:ext cx="907002" cy="1961966"/>
+              <a:chOff x="4053396" y="899603"/>
+              <a:chExt cx="907002" cy="1961966"/>
+            </a:xfrm>
+          </p:grpSpPr>
+          <p:grpSp>
+            <p:nvGrpSpPr>
+              <p:cNvPr id="161" name="组合 160">
+                <a:extLst>
+                  <a:ext uri="{FF2B5EF4-FFF2-40B4-BE49-F238E27FC236}">
+                    <a16:creationId xmlns:a16="http://schemas.microsoft.com/office/drawing/2014/main" id="{82B7A463-1C8A-474B-97F1-D29FA518DD2C}"/>
+                  </a:ext>
+                </a:extLst>
+              </p:cNvPr>
+              <p:cNvGrpSpPr/>
+              <p:nvPr/>
+            </p:nvGrpSpPr>
+            <p:grpSpPr>
+              <a:xfrm rot="5400000">
+                <a:off x="3525914" y="1427085"/>
+                <a:ext cx="1961966" cy="907002"/>
+                <a:chOff x="2077374" y="2867487"/>
+                <a:chExt cx="2441360" cy="907002"/>
+              </a:xfrm>
+            </p:grpSpPr>
+            <p:cxnSp>
+              <p:nvCxnSpPr>
+                <p:cNvPr id="164" name="直接连接符 163">
+                  <a:extLst>
+                    <a:ext uri="{FF2B5EF4-FFF2-40B4-BE49-F238E27FC236}">
+                      <a16:creationId xmlns:a16="http://schemas.microsoft.com/office/drawing/2014/main" id="{A73BD29A-AB19-479B-A9BC-D9ACFF60EF9E}"/>
+                    </a:ext>
+                  </a:extLst>
+                </p:cNvPr>
+                <p:cNvCxnSpPr/>
+                <p:nvPr/>
+              </p:nvCxnSpPr>
+              <p:spPr>
+                <a:xfrm>
+                  <a:off x="2077374" y="2867487"/>
+                  <a:ext cx="2441360" cy="0"/>
+                </a:xfrm>
+                <a:prstGeom prst="line">
+                  <a:avLst/>
+                </a:prstGeom>
+                <a:ln w="19050"/>
+              </p:spPr>
+              <p:style>
+                <a:lnRef idx="1">
+                  <a:schemeClr val="accent1"/>
+                </a:lnRef>
+                <a:fillRef idx="0">
+                  <a:schemeClr val="accent1"/>
+                </a:fillRef>
+                <a:effectRef idx="0">
+                  <a:schemeClr val="accent1"/>
+                </a:effectRef>
+                <a:fontRef idx="minor">
+                  <a:schemeClr val="tx1"/>
+                </a:fontRef>
+              </p:style>
+            </p:cxnSp>
+            <p:cxnSp>
+              <p:nvCxnSpPr>
+                <p:cNvPr id="165" name="直接连接符 164">
+                  <a:extLst>
+                    <a:ext uri="{FF2B5EF4-FFF2-40B4-BE49-F238E27FC236}">
+                      <a16:creationId xmlns:a16="http://schemas.microsoft.com/office/drawing/2014/main" id="{E04A9E1A-21BF-4CEA-B048-4166B619F139}"/>
+                    </a:ext>
+                  </a:extLst>
+                </p:cNvPr>
+                <p:cNvCxnSpPr/>
+                <p:nvPr/>
+              </p:nvCxnSpPr>
+              <p:spPr>
+                <a:xfrm>
+                  <a:off x="2077374" y="3315070"/>
+                  <a:ext cx="2441360" cy="0"/>
+                </a:xfrm>
+                <a:prstGeom prst="line">
+                  <a:avLst/>
+                </a:prstGeom>
+                <a:ln>
+                  <a:prstDash val="dash"/>
+                </a:ln>
+              </p:spPr>
+              <p:style>
+                <a:lnRef idx="1">
+                  <a:schemeClr val="dk1"/>
+                </a:lnRef>
+                <a:fillRef idx="0">
+                  <a:schemeClr val="dk1"/>
+                </a:fillRef>
+                <a:effectRef idx="0">
+                  <a:schemeClr val="dk1"/>
+                </a:effectRef>
+                <a:fontRef idx="minor">
+                  <a:schemeClr val="tx1"/>
+                </a:fontRef>
+              </p:style>
+            </p:cxnSp>
+            <p:cxnSp>
+              <p:nvCxnSpPr>
+                <p:cNvPr id="166" name="直接连接符 165">
+                  <a:extLst>
+                    <a:ext uri="{FF2B5EF4-FFF2-40B4-BE49-F238E27FC236}">
+                      <a16:creationId xmlns:a16="http://schemas.microsoft.com/office/drawing/2014/main" id="{9C3C9524-FB9F-41D7-8D4A-8D592686E599}"/>
+                    </a:ext>
+                  </a:extLst>
+                </p:cNvPr>
+                <p:cNvCxnSpPr/>
+                <p:nvPr/>
+              </p:nvCxnSpPr>
+              <p:spPr>
+                <a:xfrm>
+                  <a:off x="2077374" y="3774489"/>
+                  <a:ext cx="2441360" cy="0"/>
+                </a:xfrm>
+                <a:prstGeom prst="line">
+                  <a:avLst/>
+                </a:prstGeom>
+                <a:ln w="19050"/>
+              </p:spPr>
+              <p:style>
+                <a:lnRef idx="1">
+                  <a:schemeClr val="accent1"/>
+                </a:lnRef>
+                <a:fillRef idx="0">
+                  <a:schemeClr val="accent1"/>
+                </a:fillRef>
+                <a:effectRef idx="0">
+                  <a:schemeClr val="accent1"/>
+                </a:effectRef>
+                <a:fontRef idx="minor">
+                  <a:schemeClr val="tx1"/>
+                </a:fontRef>
+              </p:style>
+            </p:cxnSp>
+          </p:grpSp>
+          <p:sp>
+            <p:nvSpPr>
+              <p:cNvPr id="162" name="椭圆 161">
+                <a:extLst>
+                  <a:ext uri="{FF2B5EF4-FFF2-40B4-BE49-F238E27FC236}">
+                    <a16:creationId xmlns:a16="http://schemas.microsoft.com/office/drawing/2014/main" id="{96168055-E5A6-46D0-94EC-0577602DDE71}"/>
+                  </a:ext>
+                </a:extLst>
+              </p:cNvPr>
+              <p:cNvSpPr/>
+              <p:nvPr/>
+            </p:nvSpPr>
+            <p:spPr>
+              <a:xfrm>
+                <a:off x="4140328" y="1880586"/>
+                <a:ext cx="297393" cy="310716"/>
+              </a:xfrm>
+              <a:prstGeom prst="ellipse">
+                <a:avLst/>
+              </a:prstGeom>
+              <a:solidFill>
+                <a:schemeClr val="accent6"/>
+              </a:solidFill>
+            </p:spPr>
+            <p:style>
+              <a:lnRef idx="2">
+                <a:schemeClr val="accent1">
+                  <a:shade val="50000"/>
+                </a:schemeClr>
+              </a:lnRef>
+              <a:fillRef idx="1">
+                <a:schemeClr val="accent1"/>
+              </a:fillRef>
+              <a:effectRef idx="0">
+                <a:schemeClr val="accent1"/>
+              </a:effectRef>
+              <a:fontRef idx="minor">
+                <a:schemeClr val="lt1"/>
+              </a:fontRef>
+            </p:style>
+            <p:txBody>
+              <a:bodyPr rtlCol="0" anchor="ctr"/>
+              <a:lstStyle/>
+              <a:p>
+                <a:pPr algn="ctr"/>
+                <a:endParaRPr lang="zh-CN" altLang="en-US" dirty="0"/>
+              </a:p>
+            </p:txBody>
+          </p:sp>
+          <p:sp>
+            <p:nvSpPr>
+              <p:cNvPr id="163" name="椭圆 162">
+                <a:extLst>
+                  <a:ext uri="{FF2B5EF4-FFF2-40B4-BE49-F238E27FC236}">
+                    <a16:creationId xmlns:a16="http://schemas.microsoft.com/office/drawing/2014/main" id="{4C72F6E0-3F40-47A1-8A19-FEDBB6DCA803}"/>
+                  </a:ext>
+                </a:extLst>
+              </p:cNvPr>
+              <p:cNvSpPr/>
+              <p:nvPr/>
+            </p:nvSpPr>
+            <p:spPr>
+              <a:xfrm>
+                <a:off x="4599746" y="1880586"/>
+                <a:ext cx="297393" cy="310716"/>
+              </a:xfrm>
+              <a:prstGeom prst="ellipse">
+                <a:avLst/>
+              </a:prstGeom>
+            </p:spPr>
+            <p:style>
+              <a:lnRef idx="2">
+                <a:schemeClr val="accent1">
+                  <a:shade val="50000"/>
+                </a:schemeClr>
+              </a:lnRef>
+              <a:fillRef idx="1">
+                <a:schemeClr val="accent1"/>
+              </a:fillRef>
+              <a:effectRef idx="0">
+                <a:schemeClr val="accent1"/>
+              </a:effectRef>
+              <a:fontRef idx="minor">
+                <a:schemeClr val="lt1"/>
+              </a:fontRef>
+            </p:style>
+            <p:txBody>
+              <a:bodyPr rtlCol="0" anchor="ctr"/>
+              <a:lstStyle/>
+              <a:p>
+                <a:pPr algn="ctr"/>
+                <a:endParaRPr lang="zh-CN" altLang="en-US"/>
+              </a:p>
+            </p:txBody>
+          </p:sp>
+        </p:grpSp>
+        <p:grpSp>
+          <p:nvGrpSpPr>
+            <p:cNvPr id="142" name="组合 141">
+              <a:extLst>
+                <a:ext uri="{FF2B5EF4-FFF2-40B4-BE49-F238E27FC236}">
+                  <a16:creationId xmlns:a16="http://schemas.microsoft.com/office/drawing/2014/main" id="{575CD91C-5D9D-49F4-A6C6-01DC74948FFD}"/>
+                </a:ext>
+              </a:extLst>
+            </p:cNvPr>
+            <p:cNvGrpSpPr/>
+            <p:nvPr/>
+          </p:nvGrpSpPr>
+          <p:grpSpPr>
+            <a:xfrm rot="16200000">
+              <a:off x="1500326" y="2322249"/>
+              <a:ext cx="907002" cy="1961966"/>
+              <a:chOff x="4053396" y="899603"/>
+              <a:chExt cx="907002" cy="1961966"/>
+            </a:xfrm>
+          </p:grpSpPr>
+          <p:grpSp>
+            <p:nvGrpSpPr>
+              <p:cNvPr id="155" name="组合 154">
+                <a:extLst>
+                  <a:ext uri="{FF2B5EF4-FFF2-40B4-BE49-F238E27FC236}">
+                    <a16:creationId xmlns:a16="http://schemas.microsoft.com/office/drawing/2014/main" id="{E4C3075C-CE99-492A-BB0C-945D94CF1294}"/>
+                  </a:ext>
+                </a:extLst>
+              </p:cNvPr>
+              <p:cNvGrpSpPr/>
+              <p:nvPr/>
+            </p:nvGrpSpPr>
+            <p:grpSpPr>
+              <a:xfrm rot="5400000">
+                <a:off x="3525914" y="1427085"/>
+                <a:ext cx="1961966" cy="907002"/>
+                <a:chOff x="2077374" y="2867487"/>
+                <a:chExt cx="2441360" cy="907002"/>
+              </a:xfrm>
+            </p:grpSpPr>
+            <p:cxnSp>
+              <p:nvCxnSpPr>
+                <p:cNvPr id="158" name="直接连接符 157">
+                  <a:extLst>
+                    <a:ext uri="{FF2B5EF4-FFF2-40B4-BE49-F238E27FC236}">
+                      <a16:creationId xmlns:a16="http://schemas.microsoft.com/office/drawing/2014/main" id="{052C27ED-ACEF-496A-8A85-3067F24722A2}"/>
+                    </a:ext>
+                  </a:extLst>
+                </p:cNvPr>
+                <p:cNvCxnSpPr/>
+                <p:nvPr/>
+              </p:nvCxnSpPr>
+              <p:spPr>
+                <a:xfrm>
+                  <a:off x="2077374" y="2867487"/>
+                  <a:ext cx="2441360" cy="0"/>
+                </a:xfrm>
+                <a:prstGeom prst="line">
+                  <a:avLst/>
+                </a:prstGeom>
+                <a:ln w="19050"/>
+              </p:spPr>
+              <p:style>
+                <a:lnRef idx="1">
+                  <a:schemeClr val="accent1"/>
+                </a:lnRef>
+                <a:fillRef idx="0">
+                  <a:schemeClr val="accent1"/>
+                </a:fillRef>
+                <a:effectRef idx="0">
+                  <a:schemeClr val="accent1"/>
+                </a:effectRef>
+                <a:fontRef idx="minor">
+                  <a:schemeClr val="tx1"/>
+                </a:fontRef>
+              </p:style>
+            </p:cxnSp>
+            <p:cxnSp>
+              <p:nvCxnSpPr>
+                <p:cNvPr id="159" name="直接连接符 158">
+                  <a:extLst>
+                    <a:ext uri="{FF2B5EF4-FFF2-40B4-BE49-F238E27FC236}">
+                      <a16:creationId xmlns:a16="http://schemas.microsoft.com/office/drawing/2014/main" id="{AEDAC051-A007-4DC3-AFA5-F8234E184C3C}"/>
+                    </a:ext>
+                  </a:extLst>
+                </p:cNvPr>
+                <p:cNvCxnSpPr/>
+                <p:nvPr/>
+              </p:nvCxnSpPr>
+              <p:spPr>
+                <a:xfrm>
+                  <a:off x="2077374" y="3315070"/>
+                  <a:ext cx="2441360" cy="0"/>
+                </a:xfrm>
+                <a:prstGeom prst="line">
+                  <a:avLst/>
+                </a:prstGeom>
+                <a:ln>
+                  <a:prstDash val="dash"/>
+                </a:ln>
+              </p:spPr>
+              <p:style>
+                <a:lnRef idx="1">
+                  <a:schemeClr val="dk1"/>
+                </a:lnRef>
+                <a:fillRef idx="0">
+                  <a:schemeClr val="dk1"/>
+                </a:fillRef>
+                <a:effectRef idx="0">
+                  <a:schemeClr val="dk1"/>
+                </a:effectRef>
+                <a:fontRef idx="minor">
+                  <a:schemeClr val="tx1"/>
+                </a:fontRef>
+              </p:style>
+            </p:cxnSp>
+            <p:cxnSp>
+              <p:nvCxnSpPr>
+                <p:cNvPr id="160" name="直接连接符 159">
+                  <a:extLst>
+                    <a:ext uri="{FF2B5EF4-FFF2-40B4-BE49-F238E27FC236}">
+                      <a16:creationId xmlns:a16="http://schemas.microsoft.com/office/drawing/2014/main" id="{43CF8383-C9B2-493F-BC48-353E06DA6162}"/>
+                    </a:ext>
+                  </a:extLst>
+                </p:cNvPr>
+                <p:cNvCxnSpPr/>
+                <p:nvPr/>
+              </p:nvCxnSpPr>
+              <p:spPr>
+                <a:xfrm>
+                  <a:off x="2077374" y="3774489"/>
+                  <a:ext cx="2441360" cy="0"/>
+                </a:xfrm>
+                <a:prstGeom prst="line">
+                  <a:avLst/>
+                </a:prstGeom>
+                <a:ln w="19050"/>
+              </p:spPr>
+              <p:style>
+                <a:lnRef idx="1">
+                  <a:schemeClr val="accent1"/>
+                </a:lnRef>
+                <a:fillRef idx="0">
+                  <a:schemeClr val="accent1"/>
+                </a:fillRef>
+                <a:effectRef idx="0">
+                  <a:schemeClr val="accent1"/>
+                </a:effectRef>
+                <a:fontRef idx="minor">
+                  <a:schemeClr val="tx1"/>
+                </a:fontRef>
+              </p:style>
+            </p:cxnSp>
+          </p:grpSp>
+          <p:sp>
+            <p:nvSpPr>
+              <p:cNvPr id="156" name="椭圆 155">
+                <a:extLst>
+                  <a:ext uri="{FF2B5EF4-FFF2-40B4-BE49-F238E27FC236}">
+                    <a16:creationId xmlns:a16="http://schemas.microsoft.com/office/drawing/2014/main" id="{43FB0DEF-25CC-45A8-933A-A96C99B7F4B0}"/>
+                  </a:ext>
+                </a:extLst>
+              </p:cNvPr>
+              <p:cNvSpPr/>
+              <p:nvPr/>
+            </p:nvSpPr>
+            <p:spPr>
+              <a:xfrm>
+                <a:off x="4140328" y="1880586"/>
+                <a:ext cx="297393" cy="310716"/>
+              </a:xfrm>
+              <a:prstGeom prst="ellipse">
+                <a:avLst/>
+              </a:prstGeom>
+              <a:solidFill>
+                <a:schemeClr val="accent6"/>
+              </a:solidFill>
+            </p:spPr>
+            <p:style>
+              <a:lnRef idx="2">
+                <a:schemeClr val="accent1">
+                  <a:shade val="50000"/>
+                </a:schemeClr>
+              </a:lnRef>
+              <a:fillRef idx="1">
+                <a:schemeClr val="accent1"/>
+              </a:fillRef>
+              <a:effectRef idx="0">
+                <a:schemeClr val="accent1"/>
+              </a:effectRef>
+              <a:fontRef idx="minor">
+                <a:schemeClr val="lt1"/>
+              </a:fontRef>
+            </p:style>
+            <p:txBody>
+              <a:bodyPr rtlCol="0" anchor="ctr"/>
+              <a:lstStyle/>
+              <a:p>
+                <a:pPr algn="ctr"/>
+                <a:endParaRPr lang="zh-CN" altLang="en-US" dirty="0"/>
+              </a:p>
+            </p:txBody>
+          </p:sp>
+          <p:sp>
+            <p:nvSpPr>
+              <p:cNvPr id="157" name="椭圆 156">
+                <a:extLst>
+                  <a:ext uri="{FF2B5EF4-FFF2-40B4-BE49-F238E27FC236}">
+                    <a16:creationId xmlns:a16="http://schemas.microsoft.com/office/drawing/2014/main" id="{B105D234-911C-41AA-B519-9F00D4B28856}"/>
+                  </a:ext>
+                </a:extLst>
+              </p:cNvPr>
+              <p:cNvSpPr/>
+              <p:nvPr/>
+            </p:nvSpPr>
+            <p:spPr>
+              <a:xfrm>
+                <a:off x="4599746" y="1880586"/>
+                <a:ext cx="297393" cy="310716"/>
+              </a:xfrm>
+              <a:prstGeom prst="ellipse">
+                <a:avLst/>
+              </a:prstGeom>
+            </p:spPr>
+            <p:style>
+              <a:lnRef idx="2">
+                <a:schemeClr val="accent1">
+                  <a:shade val="50000"/>
+                </a:schemeClr>
+              </a:lnRef>
+              <a:fillRef idx="1">
+                <a:schemeClr val="accent1"/>
+              </a:fillRef>
+              <a:effectRef idx="0">
+                <a:schemeClr val="accent1"/>
+              </a:effectRef>
+              <a:fontRef idx="minor">
+                <a:schemeClr val="lt1"/>
+              </a:fontRef>
+            </p:style>
+            <p:txBody>
+              <a:bodyPr rtlCol="0" anchor="ctr"/>
+              <a:lstStyle/>
+              <a:p>
+                <a:pPr algn="ctr"/>
+                <a:endParaRPr lang="zh-CN" altLang="en-US"/>
+              </a:p>
+            </p:txBody>
+          </p:sp>
+        </p:grpSp>
+        <p:cxnSp>
+          <p:nvCxnSpPr>
+            <p:cNvPr id="143" name="直接连接符 142">
+              <a:extLst>
+                <a:ext uri="{FF2B5EF4-FFF2-40B4-BE49-F238E27FC236}">
+                  <a16:creationId xmlns:a16="http://schemas.microsoft.com/office/drawing/2014/main" id="{764F2CE8-8F96-4941-B0C0-C5FC496D5DC6}"/>
+                </a:ext>
+              </a:extLst>
+            </p:cNvPr>
+            <p:cNvCxnSpPr>
+              <a:stCxn id="174" idx="3"/>
+              <a:endCxn id="157" idx="5"/>
+            </p:cNvCxnSpPr>
+            <p:nvPr/>
+          </p:nvCxnSpPr>
+          <p:spPr>
+            <a:xfrm flipH="1">
+              <a:off x="2219041" y="2128044"/>
               <a:ext cx="846253" cy="828499"/>
             </a:xfrm>
             <a:prstGeom prst="line">
@@ -5323,23 +6609,1513 @@
         </p:cxnSp>
         <p:cxnSp>
           <p:nvCxnSpPr>
-            <p:cNvPr id="109" name="直接连接符 108">
+            <p:cNvPr id="144" name="直接连接符 143">
               <a:extLst>
                 <a:ext uri="{FF2B5EF4-FFF2-40B4-BE49-F238E27FC236}">
-                  <a16:creationId xmlns:a16="http://schemas.microsoft.com/office/drawing/2014/main" id="{B4904575-77D3-4E1A-9784-9678C4D36CE7}"/>
+                  <a16:creationId xmlns:a16="http://schemas.microsoft.com/office/drawing/2014/main" id="{D68F67E1-0C17-45F2-8F17-8885FA4BE727}"/>
                 </a:ext>
               </a:extLst>
             </p:cNvPr>
             <p:cNvCxnSpPr>
-              <a:cxnSpLocks/>
-              <a:stCxn id="82" idx="4"/>
-              <a:endCxn id="90" idx="4"/>
+              <a:stCxn id="174" idx="4"/>
+              <a:endCxn id="215" idx="0"/>
             </p:cNvCxnSpPr>
             <p:nvPr/>
           </p:nvCxnSpPr>
           <p:spPr>
             <a:xfrm flipH="1">
-              <a:off x="8498885" y="2173547"/>
+              <a:off x="3167720" y="2173547"/>
+              <a:ext cx="2720" cy="2546474"/>
+            </a:xfrm>
+            <a:prstGeom prst="line">
+              <a:avLst/>
+            </a:prstGeom>
+          </p:spPr>
+          <p:style>
+            <a:lnRef idx="1">
+              <a:schemeClr val="dk1"/>
+            </a:lnRef>
+            <a:fillRef idx="0">
+              <a:schemeClr val="dk1"/>
+            </a:fillRef>
+            <a:effectRef idx="0">
+              <a:schemeClr val="dk1"/>
+            </a:effectRef>
+            <a:fontRef idx="minor">
+              <a:schemeClr val="tx1"/>
+            </a:fontRef>
+          </p:style>
+        </p:cxnSp>
+        <p:cxnSp>
+          <p:nvCxnSpPr>
+            <p:cNvPr id="145" name="直接连接符 144">
+              <a:extLst>
+                <a:ext uri="{FF2B5EF4-FFF2-40B4-BE49-F238E27FC236}">
+                  <a16:creationId xmlns:a16="http://schemas.microsoft.com/office/drawing/2014/main" id="{92BF9203-853A-4CEF-AC56-9536733D75FF}"/>
+                </a:ext>
+              </a:extLst>
+            </p:cNvPr>
+            <p:cNvCxnSpPr>
+              <a:stCxn id="156" idx="5"/>
+              <a:endCxn id="175" idx="3"/>
+            </p:cNvCxnSpPr>
+            <p:nvPr/>
+          </p:nvCxnSpPr>
+          <p:spPr>
+            <a:xfrm flipV="1">
+              <a:off x="2219041" y="2128044"/>
+              <a:ext cx="1305671" cy="1287917"/>
+            </a:xfrm>
+            <a:prstGeom prst="line">
+              <a:avLst/>
+            </a:prstGeom>
+          </p:spPr>
+          <p:style>
+            <a:lnRef idx="1">
+              <a:schemeClr val="dk1"/>
+            </a:lnRef>
+            <a:fillRef idx="0">
+              <a:schemeClr val="dk1"/>
+            </a:fillRef>
+            <a:effectRef idx="0">
+              <a:schemeClr val="dk1"/>
+            </a:effectRef>
+            <a:fontRef idx="minor">
+              <a:schemeClr val="tx1"/>
+            </a:fontRef>
+          </p:style>
+        </p:cxnSp>
+        <p:cxnSp>
+          <p:nvCxnSpPr>
+            <p:cNvPr id="146" name="直接连接符 145">
+              <a:extLst>
+                <a:ext uri="{FF2B5EF4-FFF2-40B4-BE49-F238E27FC236}">
+                  <a16:creationId xmlns:a16="http://schemas.microsoft.com/office/drawing/2014/main" id="{008A828E-D513-4280-B1C6-E1BFE58B6043}"/>
+                </a:ext>
+              </a:extLst>
+            </p:cNvPr>
+            <p:cNvCxnSpPr>
+              <a:stCxn id="156" idx="4"/>
+              <a:endCxn id="163" idx="4"/>
+            </p:cNvCxnSpPr>
+            <p:nvPr/>
+          </p:nvCxnSpPr>
+          <p:spPr>
+            <a:xfrm>
+              <a:off x="2264544" y="3521105"/>
+              <a:ext cx="2259372" cy="17757"/>
+            </a:xfrm>
+            <a:prstGeom prst="line">
+              <a:avLst/>
+            </a:prstGeom>
+          </p:spPr>
+          <p:style>
+            <a:lnRef idx="1">
+              <a:schemeClr val="dk1"/>
+            </a:lnRef>
+            <a:fillRef idx="0">
+              <a:schemeClr val="dk1"/>
+            </a:fillRef>
+            <a:effectRef idx="0">
+              <a:schemeClr val="dk1"/>
+            </a:effectRef>
+            <a:fontRef idx="minor">
+              <a:schemeClr val="tx1"/>
+            </a:fontRef>
+          </p:style>
+        </p:cxnSp>
+        <p:cxnSp>
+          <p:nvCxnSpPr>
+            <p:cNvPr id="147" name="直接连接符 146">
+              <a:extLst>
+                <a:ext uri="{FF2B5EF4-FFF2-40B4-BE49-F238E27FC236}">
+                  <a16:creationId xmlns:a16="http://schemas.microsoft.com/office/drawing/2014/main" id="{95DE90DB-FA25-4A7D-B296-8803BEC0EE27}"/>
+                </a:ext>
+              </a:extLst>
+            </p:cNvPr>
+            <p:cNvCxnSpPr>
+              <a:stCxn id="162" idx="4"/>
+              <a:endCxn id="157" idx="4"/>
+            </p:cNvCxnSpPr>
+            <p:nvPr/>
+          </p:nvCxnSpPr>
+          <p:spPr>
+            <a:xfrm flipH="1" flipV="1">
+              <a:off x="2264544" y="3061687"/>
+              <a:ext cx="2259372" cy="17757"/>
+            </a:xfrm>
+            <a:prstGeom prst="line">
+              <a:avLst/>
+            </a:prstGeom>
+          </p:spPr>
+          <p:style>
+            <a:lnRef idx="1">
+              <a:schemeClr val="dk1"/>
+            </a:lnRef>
+            <a:fillRef idx="0">
+              <a:schemeClr val="dk1"/>
+            </a:fillRef>
+            <a:effectRef idx="0">
+              <a:schemeClr val="dk1"/>
+            </a:effectRef>
+            <a:fontRef idx="minor">
+              <a:schemeClr val="tx1"/>
+            </a:fontRef>
+          </p:style>
+        </p:cxnSp>
+        <p:cxnSp>
+          <p:nvCxnSpPr>
+            <p:cNvPr id="148" name="直接连接符 147">
+              <a:extLst>
+                <a:ext uri="{FF2B5EF4-FFF2-40B4-BE49-F238E27FC236}">
+                  <a16:creationId xmlns:a16="http://schemas.microsoft.com/office/drawing/2014/main" id="{6FA9FC48-35A3-456F-855A-6A1E3FAEBD5B}"/>
+                </a:ext>
+              </a:extLst>
+            </p:cNvPr>
+            <p:cNvCxnSpPr>
+              <a:stCxn id="162" idx="3"/>
+              <a:endCxn id="175" idx="5"/>
+            </p:cNvCxnSpPr>
+            <p:nvPr/>
+          </p:nvCxnSpPr>
+          <p:spPr>
+            <a:xfrm flipH="1" flipV="1">
+              <a:off x="3735001" y="2128044"/>
+              <a:ext cx="834418" cy="846255"/>
+            </a:xfrm>
+            <a:prstGeom prst="line">
+              <a:avLst/>
+            </a:prstGeom>
+          </p:spPr>
+          <p:style>
+            <a:lnRef idx="1">
+              <a:schemeClr val="dk1"/>
+            </a:lnRef>
+            <a:fillRef idx="0">
+              <a:schemeClr val="dk1"/>
+            </a:fillRef>
+            <a:effectRef idx="0">
+              <a:schemeClr val="dk1"/>
+            </a:effectRef>
+            <a:fontRef idx="minor">
+              <a:schemeClr val="tx1"/>
+            </a:fontRef>
+          </p:style>
+        </p:cxnSp>
+        <p:cxnSp>
+          <p:nvCxnSpPr>
+            <p:cNvPr id="149" name="直接连接符 148">
+              <a:extLst>
+                <a:ext uri="{FF2B5EF4-FFF2-40B4-BE49-F238E27FC236}">
+                  <a16:creationId xmlns:a16="http://schemas.microsoft.com/office/drawing/2014/main" id="{67A920CC-EBB5-435D-897B-6C11C2BB8117}"/>
+                </a:ext>
+              </a:extLst>
+            </p:cNvPr>
+            <p:cNvCxnSpPr>
+              <a:stCxn id="174" idx="5"/>
+              <a:endCxn id="163" idx="3"/>
+            </p:cNvCxnSpPr>
+            <p:nvPr/>
+          </p:nvCxnSpPr>
+          <p:spPr>
+            <a:xfrm>
+              <a:off x="3275583" y="2128044"/>
+              <a:ext cx="1293836" cy="1305673"/>
+            </a:xfrm>
+            <a:prstGeom prst="line">
+              <a:avLst/>
+            </a:prstGeom>
+          </p:spPr>
+          <p:style>
+            <a:lnRef idx="1">
+              <a:schemeClr val="dk1"/>
+            </a:lnRef>
+            <a:fillRef idx="0">
+              <a:schemeClr val="dk1"/>
+            </a:fillRef>
+            <a:effectRef idx="0">
+              <a:schemeClr val="dk1"/>
+            </a:effectRef>
+            <a:fontRef idx="minor">
+              <a:schemeClr val="tx1"/>
+            </a:fontRef>
+          </p:style>
+        </p:cxnSp>
+        <p:cxnSp>
+          <p:nvCxnSpPr>
+            <p:cNvPr id="150" name="直接连接符 149">
+              <a:extLst>
+                <a:ext uri="{FF2B5EF4-FFF2-40B4-BE49-F238E27FC236}">
+                  <a16:creationId xmlns:a16="http://schemas.microsoft.com/office/drawing/2014/main" id="{8D2B72D6-380E-46A1-95E8-E2970B8005FA}"/>
+                </a:ext>
+              </a:extLst>
+            </p:cNvPr>
+            <p:cNvCxnSpPr>
+              <a:stCxn id="216" idx="0"/>
+              <a:endCxn id="175" idx="4"/>
+            </p:cNvCxnSpPr>
+            <p:nvPr/>
+          </p:nvCxnSpPr>
+          <p:spPr>
+            <a:xfrm flipV="1">
+              <a:off x="3627138" y="2173547"/>
+              <a:ext cx="2720" cy="2546474"/>
+            </a:xfrm>
+            <a:prstGeom prst="line">
+              <a:avLst/>
+            </a:prstGeom>
+          </p:spPr>
+          <p:style>
+            <a:lnRef idx="1">
+              <a:schemeClr val="dk1"/>
+            </a:lnRef>
+            <a:fillRef idx="0">
+              <a:schemeClr val="dk1"/>
+            </a:fillRef>
+            <a:effectRef idx="0">
+              <a:schemeClr val="dk1"/>
+            </a:effectRef>
+            <a:fontRef idx="minor">
+              <a:schemeClr val="tx1"/>
+            </a:fontRef>
+          </p:style>
+        </p:cxnSp>
+        <p:cxnSp>
+          <p:nvCxnSpPr>
+            <p:cNvPr id="151" name="直接连接符 150">
+              <a:extLst>
+                <a:ext uri="{FF2B5EF4-FFF2-40B4-BE49-F238E27FC236}">
+                  <a16:creationId xmlns:a16="http://schemas.microsoft.com/office/drawing/2014/main" id="{6EF9FB2F-410C-46BD-80E3-E8D1C883A0AF}"/>
+                </a:ext>
+              </a:extLst>
+            </p:cNvPr>
+            <p:cNvCxnSpPr>
+              <a:stCxn id="216" idx="1"/>
+              <a:endCxn id="157" idx="3"/>
+            </p:cNvCxnSpPr>
+            <p:nvPr/>
+          </p:nvCxnSpPr>
+          <p:spPr>
+            <a:xfrm flipH="1" flipV="1">
+              <a:off x="2219039" y="3166830"/>
+              <a:ext cx="1302955" cy="1598695"/>
+            </a:xfrm>
+            <a:prstGeom prst="line">
+              <a:avLst/>
+            </a:prstGeom>
+          </p:spPr>
+          <p:style>
+            <a:lnRef idx="1">
+              <a:schemeClr val="dk1"/>
+            </a:lnRef>
+            <a:fillRef idx="0">
+              <a:schemeClr val="dk1"/>
+            </a:fillRef>
+            <a:effectRef idx="0">
+              <a:schemeClr val="dk1"/>
+            </a:effectRef>
+            <a:fontRef idx="minor">
+              <a:schemeClr val="tx1"/>
+            </a:fontRef>
+          </p:style>
+        </p:cxnSp>
+        <p:cxnSp>
+          <p:nvCxnSpPr>
+            <p:cNvPr id="152" name="直接连接符 151">
+              <a:extLst>
+                <a:ext uri="{FF2B5EF4-FFF2-40B4-BE49-F238E27FC236}">
+                  <a16:creationId xmlns:a16="http://schemas.microsoft.com/office/drawing/2014/main" id="{25869FB8-25A2-40ED-AB6D-2B72CC30A85A}"/>
+                </a:ext>
+              </a:extLst>
+            </p:cNvPr>
+            <p:cNvCxnSpPr>
+              <a:stCxn id="216" idx="7"/>
+              <a:endCxn id="163" idx="5"/>
+            </p:cNvCxnSpPr>
+            <p:nvPr/>
+          </p:nvCxnSpPr>
+          <p:spPr>
+            <a:xfrm flipV="1">
+              <a:off x="3732283" y="3644004"/>
+              <a:ext cx="837134" cy="1121521"/>
+            </a:xfrm>
+            <a:prstGeom prst="line">
+              <a:avLst/>
+            </a:prstGeom>
+          </p:spPr>
+          <p:style>
+            <a:lnRef idx="1">
+              <a:schemeClr val="dk1"/>
+            </a:lnRef>
+            <a:fillRef idx="0">
+              <a:schemeClr val="dk1"/>
+            </a:fillRef>
+            <a:effectRef idx="0">
+              <a:schemeClr val="dk1"/>
+            </a:effectRef>
+            <a:fontRef idx="minor">
+              <a:schemeClr val="tx1"/>
+            </a:fontRef>
+          </p:style>
+        </p:cxnSp>
+        <p:cxnSp>
+          <p:nvCxnSpPr>
+            <p:cNvPr id="153" name="直接连接符 152">
+              <a:extLst>
+                <a:ext uri="{FF2B5EF4-FFF2-40B4-BE49-F238E27FC236}">
+                  <a16:creationId xmlns:a16="http://schemas.microsoft.com/office/drawing/2014/main" id="{5C77BFF4-0A1E-447F-9164-EE7EBBFE62B9}"/>
+                </a:ext>
+              </a:extLst>
+            </p:cNvPr>
+            <p:cNvCxnSpPr>
+              <a:stCxn id="156" idx="3"/>
+              <a:endCxn id="215" idx="1"/>
+            </p:cNvCxnSpPr>
+            <p:nvPr/>
+          </p:nvCxnSpPr>
+          <p:spPr>
+            <a:xfrm>
+              <a:off x="2219039" y="3626248"/>
+              <a:ext cx="843536" cy="1139277"/>
+            </a:xfrm>
+            <a:prstGeom prst="line">
+              <a:avLst/>
+            </a:prstGeom>
+          </p:spPr>
+          <p:style>
+            <a:lnRef idx="1">
+              <a:schemeClr val="dk1"/>
+            </a:lnRef>
+            <a:fillRef idx="0">
+              <a:schemeClr val="dk1"/>
+            </a:fillRef>
+            <a:effectRef idx="0">
+              <a:schemeClr val="dk1"/>
+            </a:effectRef>
+            <a:fontRef idx="minor">
+              <a:schemeClr val="tx1"/>
+            </a:fontRef>
+          </p:style>
+        </p:cxnSp>
+        <p:cxnSp>
+          <p:nvCxnSpPr>
+            <p:cNvPr id="154" name="直接连接符 153">
+              <a:extLst>
+                <a:ext uri="{FF2B5EF4-FFF2-40B4-BE49-F238E27FC236}">
+                  <a16:creationId xmlns:a16="http://schemas.microsoft.com/office/drawing/2014/main" id="{D7775859-5C59-4797-8A52-2AA8C863D3ED}"/>
+                </a:ext>
+              </a:extLst>
+            </p:cNvPr>
+            <p:cNvCxnSpPr>
+              <a:stCxn id="162" idx="5"/>
+              <a:endCxn id="215" idx="7"/>
+            </p:cNvCxnSpPr>
+            <p:nvPr/>
+          </p:nvCxnSpPr>
+          <p:spPr>
+            <a:xfrm flipH="1">
+              <a:off x="3272864" y="3184586"/>
+              <a:ext cx="1296553" cy="1580939"/>
+            </a:xfrm>
+            <a:prstGeom prst="line">
+              <a:avLst/>
+            </a:prstGeom>
+          </p:spPr>
+          <p:style>
+            <a:lnRef idx="1">
+              <a:schemeClr val="dk1"/>
+            </a:lnRef>
+            <a:fillRef idx="0">
+              <a:schemeClr val="dk1"/>
+            </a:fillRef>
+            <a:effectRef idx="0">
+              <a:schemeClr val="dk1"/>
+            </a:effectRef>
+            <a:fontRef idx="minor">
+              <a:schemeClr val="tx1"/>
+            </a:fontRef>
+          </p:style>
+        </p:cxnSp>
+      </p:grpSp>
+      <p:grpSp>
+        <p:nvGrpSpPr>
+          <p:cNvPr id="179" name="组合 178"/>
+          <p:cNvGrpSpPr/>
+          <p:nvPr/>
+        </p:nvGrpSpPr>
+        <p:grpSpPr>
+          <a:xfrm>
+            <a:off x="4543986" y="2117167"/>
+            <a:ext cx="2385818" cy="2459229"/>
+            <a:chOff x="972844" y="881848"/>
+            <a:chExt cx="4842770" cy="4830933"/>
+          </a:xfrm>
+        </p:grpSpPr>
+        <p:grpSp>
+          <p:nvGrpSpPr>
+            <p:cNvPr id="180" name="组合 179">
+              <a:extLst>
+                <a:ext uri="{FF2B5EF4-FFF2-40B4-BE49-F238E27FC236}">
+                  <a16:creationId xmlns:a16="http://schemas.microsoft.com/office/drawing/2014/main" id="{A29B9341-25FE-461B-A9E8-29966312C124}"/>
+                </a:ext>
+              </a:extLst>
+            </p:cNvPr>
+            <p:cNvGrpSpPr/>
+            <p:nvPr/>
+          </p:nvGrpSpPr>
+          <p:grpSpPr>
+            <a:xfrm>
+              <a:off x="2934810" y="881848"/>
+              <a:ext cx="907002" cy="1961966"/>
+              <a:chOff x="4053396" y="899603"/>
+              <a:chExt cx="907002" cy="1961966"/>
+            </a:xfrm>
+          </p:grpSpPr>
+          <p:grpSp>
+            <p:nvGrpSpPr>
+              <p:cNvPr id="214" name="组合 213">
+                <a:extLst>
+                  <a:ext uri="{FF2B5EF4-FFF2-40B4-BE49-F238E27FC236}">
+                    <a16:creationId xmlns:a16="http://schemas.microsoft.com/office/drawing/2014/main" id="{DF32330E-3213-4325-83A8-7D65661DFCDB}"/>
+                  </a:ext>
+                </a:extLst>
+              </p:cNvPr>
+              <p:cNvGrpSpPr/>
+              <p:nvPr/>
+            </p:nvGrpSpPr>
+            <p:grpSpPr>
+              <a:xfrm rot="5400000">
+                <a:off x="3525914" y="1427085"/>
+                <a:ext cx="1961966" cy="907002"/>
+                <a:chOff x="2077374" y="2867487"/>
+                <a:chExt cx="2441360" cy="907002"/>
+              </a:xfrm>
+            </p:grpSpPr>
+            <p:cxnSp>
+              <p:nvCxnSpPr>
+                <p:cNvPr id="217" name="直接连接符 216">
+                  <a:extLst>
+                    <a:ext uri="{FF2B5EF4-FFF2-40B4-BE49-F238E27FC236}">
+                      <a16:creationId xmlns:a16="http://schemas.microsoft.com/office/drawing/2014/main" id="{4E188F26-347B-4C3F-B909-ED09D2ACEC3B}"/>
+                    </a:ext>
+                  </a:extLst>
+                </p:cNvPr>
+                <p:cNvCxnSpPr/>
+                <p:nvPr/>
+              </p:nvCxnSpPr>
+              <p:spPr>
+                <a:xfrm>
+                  <a:off x="2077374" y="2867487"/>
+                  <a:ext cx="2441360" cy="0"/>
+                </a:xfrm>
+                <a:prstGeom prst="line">
+                  <a:avLst/>
+                </a:prstGeom>
+                <a:ln w="19050"/>
+              </p:spPr>
+              <p:style>
+                <a:lnRef idx="1">
+                  <a:schemeClr val="accent1"/>
+                </a:lnRef>
+                <a:fillRef idx="0">
+                  <a:schemeClr val="accent1"/>
+                </a:fillRef>
+                <a:effectRef idx="0">
+                  <a:schemeClr val="accent1"/>
+                </a:effectRef>
+                <a:fontRef idx="minor">
+                  <a:schemeClr val="tx1"/>
+                </a:fontRef>
+              </p:style>
+            </p:cxnSp>
+            <p:cxnSp>
+              <p:nvCxnSpPr>
+                <p:cNvPr id="218" name="直接连接符 217">
+                  <a:extLst>
+                    <a:ext uri="{FF2B5EF4-FFF2-40B4-BE49-F238E27FC236}">
+                      <a16:creationId xmlns:a16="http://schemas.microsoft.com/office/drawing/2014/main" id="{A7CE9A2F-D1FF-4570-96EB-8B482E46910B}"/>
+                    </a:ext>
+                  </a:extLst>
+                </p:cNvPr>
+                <p:cNvCxnSpPr/>
+                <p:nvPr/>
+              </p:nvCxnSpPr>
+              <p:spPr>
+                <a:xfrm>
+                  <a:off x="2077374" y="3315070"/>
+                  <a:ext cx="2441360" cy="0"/>
+                </a:xfrm>
+                <a:prstGeom prst="line">
+                  <a:avLst/>
+                </a:prstGeom>
+                <a:ln>
+                  <a:prstDash val="dash"/>
+                </a:ln>
+              </p:spPr>
+              <p:style>
+                <a:lnRef idx="1">
+                  <a:schemeClr val="dk1"/>
+                </a:lnRef>
+                <a:fillRef idx="0">
+                  <a:schemeClr val="dk1"/>
+                </a:fillRef>
+                <a:effectRef idx="0">
+                  <a:schemeClr val="dk1"/>
+                </a:effectRef>
+                <a:fontRef idx="minor">
+                  <a:schemeClr val="tx1"/>
+                </a:fontRef>
+              </p:style>
+            </p:cxnSp>
+            <p:cxnSp>
+              <p:nvCxnSpPr>
+                <p:cNvPr id="219" name="直接连接符 218">
+                  <a:extLst>
+                    <a:ext uri="{FF2B5EF4-FFF2-40B4-BE49-F238E27FC236}">
+                      <a16:creationId xmlns:a16="http://schemas.microsoft.com/office/drawing/2014/main" id="{DD6578D8-7C1C-46C6-848C-59F2497E7428}"/>
+                    </a:ext>
+                  </a:extLst>
+                </p:cNvPr>
+                <p:cNvCxnSpPr/>
+                <p:nvPr/>
+              </p:nvCxnSpPr>
+              <p:spPr>
+                <a:xfrm>
+                  <a:off x="2077374" y="3774489"/>
+                  <a:ext cx="2441360" cy="0"/>
+                </a:xfrm>
+                <a:prstGeom prst="line">
+                  <a:avLst/>
+                </a:prstGeom>
+                <a:ln w="19050"/>
+              </p:spPr>
+              <p:style>
+                <a:lnRef idx="1">
+                  <a:schemeClr val="accent1"/>
+                </a:lnRef>
+                <a:fillRef idx="0">
+                  <a:schemeClr val="accent1"/>
+                </a:fillRef>
+                <a:effectRef idx="0">
+                  <a:schemeClr val="accent1"/>
+                </a:effectRef>
+                <a:fontRef idx="minor">
+                  <a:schemeClr val="tx1"/>
+                </a:fontRef>
+              </p:style>
+            </p:cxnSp>
+          </p:grpSp>
+          <p:sp>
+            <p:nvSpPr>
+              <p:cNvPr id="215" name="椭圆 214">
+                <a:extLst>
+                  <a:ext uri="{FF2B5EF4-FFF2-40B4-BE49-F238E27FC236}">
+                    <a16:creationId xmlns:a16="http://schemas.microsoft.com/office/drawing/2014/main" id="{CC2DA67E-802C-4F19-A58D-F7D63F8FCB3E}"/>
+                  </a:ext>
+                </a:extLst>
+              </p:cNvPr>
+              <p:cNvSpPr/>
+              <p:nvPr/>
+            </p:nvSpPr>
+            <p:spPr>
+              <a:xfrm>
+                <a:off x="4140328" y="1880586"/>
+                <a:ext cx="297393" cy="310716"/>
+              </a:xfrm>
+              <a:prstGeom prst="ellipse">
+                <a:avLst/>
+              </a:prstGeom>
+              <a:solidFill>
+                <a:srgbClr val="FF0000"/>
+              </a:solidFill>
+            </p:spPr>
+            <p:style>
+              <a:lnRef idx="2">
+                <a:schemeClr val="accent1">
+                  <a:shade val="50000"/>
+                </a:schemeClr>
+              </a:lnRef>
+              <a:fillRef idx="1">
+                <a:schemeClr val="accent1"/>
+              </a:fillRef>
+              <a:effectRef idx="0">
+                <a:schemeClr val="accent1"/>
+              </a:effectRef>
+              <a:fontRef idx="minor">
+                <a:schemeClr val="lt1"/>
+              </a:fontRef>
+            </p:style>
+            <p:txBody>
+              <a:bodyPr rtlCol="0" anchor="ctr"/>
+              <a:lstStyle/>
+              <a:p>
+                <a:pPr algn="ctr"/>
+                <a:endParaRPr lang="zh-CN" altLang="en-US" dirty="0">
+                  <a:solidFill>
+                    <a:srgbClr val="00B050"/>
+                  </a:solidFill>
+                </a:endParaRPr>
+              </a:p>
+            </p:txBody>
+          </p:sp>
+          <p:sp>
+            <p:nvSpPr>
+              <p:cNvPr id="216" name="椭圆 215">
+                <a:extLst>
+                  <a:ext uri="{FF2B5EF4-FFF2-40B4-BE49-F238E27FC236}">
+                    <a16:creationId xmlns:a16="http://schemas.microsoft.com/office/drawing/2014/main" id="{5348889A-28B8-465E-8242-297A2ACCFECA}"/>
+                  </a:ext>
+                </a:extLst>
+              </p:cNvPr>
+              <p:cNvSpPr/>
+              <p:nvPr/>
+            </p:nvSpPr>
+            <p:spPr>
+              <a:xfrm>
+                <a:off x="4599746" y="1880586"/>
+                <a:ext cx="297393" cy="310716"/>
+              </a:xfrm>
+              <a:prstGeom prst="ellipse">
+                <a:avLst/>
+              </a:prstGeom>
+            </p:spPr>
+            <p:style>
+              <a:lnRef idx="2">
+                <a:schemeClr val="accent1">
+                  <a:shade val="50000"/>
+                </a:schemeClr>
+              </a:lnRef>
+              <a:fillRef idx="1">
+                <a:schemeClr val="accent1"/>
+              </a:fillRef>
+              <a:effectRef idx="0">
+                <a:schemeClr val="accent1"/>
+              </a:effectRef>
+              <a:fontRef idx="minor">
+                <a:schemeClr val="lt1"/>
+              </a:fontRef>
+            </p:style>
+            <p:txBody>
+              <a:bodyPr rtlCol="0" anchor="ctr"/>
+              <a:lstStyle/>
+              <a:p>
+                <a:pPr algn="ctr"/>
+                <a:endParaRPr lang="zh-CN" altLang="en-US"/>
+              </a:p>
+            </p:txBody>
+          </p:sp>
+        </p:grpSp>
+        <p:grpSp>
+          <p:nvGrpSpPr>
+            <p:cNvPr id="181" name="组合 180">
+              <a:extLst>
+                <a:ext uri="{FF2B5EF4-FFF2-40B4-BE49-F238E27FC236}">
+                  <a16:creationId xmlns:a16="http://schemas.microsoft.com/office/drawing/2014/main" id="{C6ACC72B-B95E-43D5-B205-B15C9CBF33CC}"/>
+                </a:ext>
+              </a:extLst>
+            </p:cNvPr>
+            <p:cNvGrpSpPr/>
+            <p:nvPr/>
+          </p:nvGrpSpPr>
+          <p:grpSpPr>
+            <a:xfrm rot="10800000">
+              <a:off x="2934810" y="3750815"/>
+              <a:ext cx="907002" cy="1961966"/>
+              <a:chOff x="4053396" y="899603"/>
+              <a:chExt cx="907002" cy="1961966"/>
+            </a:xfrm>
+          </p:grpSpPr>
+          <p:grpSp>
+            <p:nvGrpSpPr>
+              <p:cNvPr id="208" name="组合 207">
+                <a:extLst>
+                  <a:ext uri="{FF2B5EF4-FFF2-40B4-BE49-F238E27FC236}">
+                    <a16:creationId xmlns:a16="http://schemas.microsoft.com/office/drawing/2014/main" id="{424B1E95-5C6D-4A89-B9CC-62F984B21921}"/>
+                  </a:ext>
+                </a:extLst>
+              </p:cNvPr>
+              <p:cNvGrpSpPr/>
+              <p:nvPr/>
+            </p:nvGrpSpPr>
+            <p:grpSpPr>
+              <a:xfrm rot="5400000">
+                <a:off x="3525914" y="1427085"/>
+                <a:ext cx="1961966" cy="907002"/>
+                <a:chOff x="2077374" y="2867487"/>
+                <a:chExt cx="2441360" cy="907002"/>
+              </a:xfrm>
+            </p:grpSpPr>
+            <p:cxnSp>
+              <p:nvCxnSpPr>
+                <p:cNvPr id="211" name="直接连接符 210">
+                  <a:extLst>
+                    <a:ext uri="{FF2B5EF4-FFF2-40B4-BE49-F238E27FC236}">
+                      <a16:creationId xmlns:a16="http://schemas.microsoft.com/office/drawing/2014/main" id="{6CB562E1-2FBD-4BAB-9E98-6AFDB5CA1D7F}"/>
+                    </a:ext>
+                  </a:extLst>
+                </p:cNvPr>
+                <p:cNvCxnSpPr/>
+                <p:nvPr/>
+              </p:nvCxnSpPr>
+              <p:spPr>
+                <a:xfrm>
+                  <a:off x="2077374" y="2867487"/>
+                  <a:ext cx="2441360" cy="0"/>
+                </a:xfrm>
+                <a:prstGeom prst="line">
+                  <a:avLst/>
+                </a:prstGeom>
+                <a:ln w="19050"/>
+              </p:spPr>
+              <p:style>
+                <a:lnRef idx="1">
+                  <a:schemeClr val="accent1"/>
+                </a:lnRef>
+                <a:fillRef idx="0">
+                  <a:schemeClr val="accent1"/>
+                </a:fillRef>
+                <a:effectRef idx="0">
+                  <a:schemeClr val="accent1"/>
+                </a:effectRef>
+                <a:fontRef idx="minor">
+                  <a:schemeClr val="tx1"/>
+                </a:fontRef>
+              </p:style>
+            </p:cxnSp>
+            <p:cxnSp>
+              <p:nvCxnSpPr>
+                <p:cNvPr id="212" name="直接连接符 211">
+                  <a:extLst>
+                    <a:ext uri="{FF2B5EF4-FFF2-40B4-BE49-F238E27FC236}">
+                      <a16:creationId xmlns:a16="http://schemas.microsoft.com/office/drawing/2014/main" id="{5DD2DBEA-C8A8-4C3D-A752-887EDF20D451}"/>
+                    </a:ext>
+                  </a:extLst>
+                </p:cNvPr>
+                <p:cNvCxnSpPr/>
+                <p:nvPr/>
+              </p:nvCxnSpPr>
+              <p:spPr>
+                <a:xfrm>
+                  <a:off x="2077374" y="3315070"/>
+                  <a:ext cx="2441360" cy="0"/>
+                </a:xfrm>
+                <a:prstGeom prst="line">
+                  <a:avLst/>
+                </a:prstGeom>
+                <a:ln>
+                  <a:prstDash val="dash"/>
+                </a:ln>
+              </p:spPr>
+              <p:style>
+                <a:lnRef idx="1">
+                  <a:schemeClr val="dk1"/>
+                </a:lnRef>
+                <a:fillRef idx="0">
+                  <a:schemeClr val="dk1"/>
+                </a:fillRef>
+                <a:effectRef idx="0">
+                  <a:schemeClr val="dk1"/>
+                </a:effectRef>
+                <a:fontRef idx="minor">
+                  <a:schemeClr val="tx1"/>
+                </a:fontRef>
+              </p:style>
+            </p:cxnSp>
+            <p:cxnSp>
+              <p:nvCxnSpPr>
+                <p:cNvPr id="213" name="直接连接符 212">
+                  <a:extLst>
+                    <a:ext uri="{FF2B5EF4-FFF2-40B4-BE49-F238E27FC236}">
+                      <a16:creationId xmlns:a16="http://schemas.microsoft.com/office/drawing/2014/main" id="{ECA7DCEC-7A0F-40B0-AE49-4731E1830961}"/>
+                    </a:ext>
+                  </a:extLst>
+                </p:cNvPr>
+                <p:cNvCxnSpPr/>
+                <p:nvPr/>
+              </p:nvCxnSpPr>
+              <p:spPr>
+                <a:xfrm>
+                  <a:off x="2077374" y="3774489"/>
+                  <a:ext cx="2441360" cy="0"/>
+                </a:xfrm>
+                <a:prstGeom prst="line">
+                  <a:avLst/>
+                </a:prstGeom>
+                <a:ln w="19050"/>
+              </p:spPr>
+              <p:style>
+                <a:lnRef idx="1">
+                  <a:schemeClr val="accent1"/>
+                </a:lnRef>
+                <a:fillRef idx="0">
+                  <a:schemeClr val="accent1"/>
+                </a:fillRef>
+                <a:effectRef idx="0">
+                  <a:schemeClr val="accent1"/>
+                </a:effectRef>
+                <a:fontRef idx="minor">
+                  <a:schemeClr val="tx1"/>
+                </a:fontRef>
+              </p:style>
+            </p:cxnSp>
+          </p:grpSp>
+          <p:sp>
+            <p:nvSpPr>
+              <p:cNvPr id="209" name="椭圆 208">
+                <a:extLst>
+                  <a:ext uri="{FF2B5EF4-FFF2-40B4-BE49-F238E27FC236}">
+                    <a16:creationId xmlns:a16="http://schemas.microsoft.com/office/drawing/2014/main" id="{13142649-0EF5-4A90-8705-540DA6E3FA6F}"/>
+                  </a:ext>
+                </a:extLst>
+              </p:cNvPr>
+              <p:cNvSpPr/>
+              <p:nvPr/>
+            </p:nvSpPr>
+            <p:spPr>
+              <a:xfrm>
+                <a:off x="4140328" y="1880586"/>
+                <a:ext cx="297393" cy="310716"/>
+              </a:xfrm>
+              <a:prstGeom prst="ellipse">
+                <a:avLst/>
+              </a:prstGeom>
+              <a:solidFill>
+                <a:srgbClr val="FF0000"/>
+              </a:solidFill>
+            </p:spPr>
+            <p:style>
+              <a:lnRef idx="2">
+                <a:schemeClr val="accent1">
+                  <a:shade val="50000"/>
+                </a:schemeClr>
+              </a:lnRef>
+              <a:fillRef idx="1">
+                <a:schemeClr val="accent1"/>
+              </a:fillRef>
+              <a:effectRef idx="0">
+                <a:schemeClr val="accent1"/>
+              </a:effectRef>
+              <a:fontRef idx="minor">
+                <a:schemeClr val="lt1"/>
+              </a:fontRef>
+            </p:style>
+            <p:txBody>
+              <a:bodyPr rtlCol="0" anchor="ctr"/>
+              <a:lstStyle/>
+              <a:p>
+                <a:pPr algn="ctr"/>
+                <a:endParaRPr lang="zh-CN" altLang="en-US" dirty="0"/>
+              </a:p>
+            </p:txBody>
+          </p:sp>
+          <p:sp>
+            <p:nvSpPr>
+              <p:cNvPr id="210" name="椭圆 209">
+                <a:extLst>
+                  <a:ext uri="{FF2B5EF4-FFF2-40B4-BE49-F238E27FC236}">
+                    <a16:creationId xmlns:a16="http://schemas.microsoft.com/office/drawing/2014/main" id="{11A8D76C-0DE0-414C-B79E-35A11324EB15}"/>
+                  </a:ext>
+                </a:extLst>
+              </p:cNvPr>
+              <p:cNvSpPr/>
+              <p:nvPr/>
+            </p:nvSpPr>
+            <p:spPr>
+              <a:xfrm>
+                <a:off x="4599746" y="1880586"/>
+                <a:ext cx="297393" cy="310716"/>
+              </a:xfrm>
+              <a:prstGeom prst="ellipse">
+                <a:avLst/>
+              </a:prstGeom>
+            </p:spPr>
+            <p:style>
+              <a:lnRef idx="2">
+                <a:schemeClr val="accent1">
+                  <a:shade val="50000"/>
+                </a:schemeClr>
+              </a:lnRef>
+              <a:fillRef idx="1">
+                <a:schemeClr val="accent1"/>
+              </a:fillRef>
+              <a:effectRef idx="0">
+                <a:schemeClr val="accent1"/>
+              </a:effectRef>
+              <a:fontRef idx="minor">
+                <a:schemeClr val="lt1"/>
+              </a:fontRef>
+            </p:style>
+            <p:txBody>
+              <a:bodyPr rtlCol="0" anchor="ctr"/>
+              <a:lstStyle/>
+              <a:p>
+                <a:pPr algn="ctr"/>
+                <a:endParaRPr lang="zh-CN" altLang="en-US"/>
+              </a:p>
+            </p:txBody>
+          </p:sp>
+        </p:grpSp>
+        <p:grpSp>
+          <p:nvGrpSpPr>
+            <p:cNvPr id="182" name="组合 181">
+              <a:extLst>
+                <a:ext uri="{FF2B5EF4-FFF2-40B4-BE49-F238E27FC236}">
+                  <a16:creationId xmlns:a16="http://schemas.microsoft.com/office/drawing/2014/main" id="{F9503C8F-5FBF-476F-94F4-935DA61BA3A5}"/>
+                </a:ext>
+              </a:extLst>
+            </p:cNvPr>
+            <p:cNvGrpSpPr/>
+            <p:nvPr/>
+          </p:nvGrpSpPr>
+          <p:grpSpPr>
+            <a:xfrm rot="5400000">
+              <a:off x="4381130" y="2316332"/>
+              <a:ext cx="907002" cy="1961966"/>
+              <a:chOff x="4053396" y="899603"/>
+              <a:chExt cx="907002" cy="1961966"/>
+            </a:xfrm>
+          </p:grpSpPr>
+          <p:grpSp>
+            <p:nvGrpSpPr>
+              <p:cNvPr id="202" name="组合 201">
+                <a:extLst>
+                  <a:ext uri="{FF2B5EF4-FFF2-40B4-BE49-F238E27FC236}">
+                    <a16:creationId xmlns:a16="http://schemas.microsoft.com/office/drawing/2014/main" id="{82B7A463-1C8A-474B-97F1-D29FA518DD2C}"/>
+                  </a:ext>
+                </a:extLst>
+              </p:cNvPr>
+              <p:cNvGrpSpPr/>
+              <p:nvPr/>
+            </p:nvGrpSpPr>
+            <p:grpSpPr>
+              <a:xfrm rot="5400000">
+                <a:off x="3525914" y="1427085"/>
+                <a:ext cx="1961966" cy="907002"/>
+                <a:chOff x="2077374" y="2867487"/>
+                <a:chExt cx="2441360" cy="907002"/>
+              </a:xfrm>
+            </p:grpSpPr>
+            <p:cxnSp>
+              <p:nvCxnSpPr>
+                <p:cNvPr id="205" name="直接连接符 204">
+                  <a:extLst>
+                    <a:ext uri="{FF2B5EF4-FFF2-40B4-BE49-F238E27FC236}">
+                      <a16:creationId xmlns:a16="http://schemas.microsoft.com/office/drawing/2014/main" id="{A73BD29A-AB19-479B-A9BC-D9ACFF60EF9E}"/>
+                    </a:ext>
+                  </a:extLst>
+                </p:cNvPr>
+                <p:cNvCxnSpPr/>
+                <p:nvPr/>
+              </p:nvCxnSpPr>
+              <p:spPr>
+                <a:xfrm>
+                  <a:off x="2077374" y="2867487"/>
+                  <a:ext cx="2441360" cy="0"/>
+                </a:xfrm>
+                <a:prstGeom prst="line">
+                  <a:avLst/>
+                </a:prstGeom>
+                <a:ln w="19050"/>
+              </p:spPr>
+              <p:style>
+                <a:lnRef idx="1">
+                  <a:schemeClr val="accent1"/>
+                </a:lnRef>
+                <a:fillRef idx="0">
+                  <a:schemeClr val="accent1"/>
+                </a:fillRef>
+                <a:effectRef idx="0">
+                  <a:schemeClr val="accent1"/>
+                </a:effectRef>
+                <a:fontRef idx="minor">
+                  <a:schemeClr val="tx1"/>
+                </a:fontRef>
+              </p:style>
+            </p:cxnSp>
+            <p:cxnSp>
+              <p:nvCxnSpPr>
+                <p:cNvPr id="206" name="直接连接符 205">
+                  <a:extLst>
+                    <a:ext uri="{FF2B5EF4-FFF2-40B4-BE49-F238E27FC236}">
+                      <a16:creationId xmlns:a16="http://schemas.microsoft.com/office/drawing/2014/main" id="{E04A9E1A-21BF-4CEA-B048-4166B619F139}"/>
+                    </a:ext>
+                  </a:extLst>
+                </p:cNvPr>
+                <p:cNvCxnSpPr/>
+                <p:nvPr/>
+              </p:nvCxnSpPr>
+              <p:spPr>
+                <a:xfrm>
+                  <a:off x="2077374" y="3315070"/>
+                  <a:ext cx="2441360" cy="0"/>
+                </a:xfrm>
+                <a:prstGeom prst="line">
+                  <a:avLst/>
+                </a:prstGeom>
+                <a:ln>
+                  <a:prstDash val="dash"/>
+                </a:ln>
+              </p:spPr>
+              <p:style>
+                <a:lnRef idx="1">
+                  <a:schemeClr val="dk1"/>
+                </a:lnRef>
+                <a:fillRef idx="0">
+                  <a:schemeClr val="dk1"/>
+                </a:fillRef>
+                <a:effectRef idx="0">
+                  <a:schemeClr val="dk1"/>
+                </a:effectRef>
+                <a:fontRef idx="minor">
+                  <a:schemeClr val="tx1"/>
+                </a:fontRef>
+              </p:style>
+            </p:cxnSp>
+            <p:cxnSp>
+              <p:nvCxnSpPr>
+                <p:cNvPr id="207" name="直接连接符 206">
+                  <a:extLst>
+                    <a:ext uri="{FF2B5EF4-FFF2-40B4-BE49-F238E27FC236}">
+                      <a16:creationId xmlns:a16="http://schemas.microsoft.com/office/drawing/2014/main" id="{9C3C9524-FB9F-41D7-8D4A-8D592686E599}"/>
+                    </a:ext>
+                  </a:extLst>
+                </p:cNvPr>
+                <p:cNvCxnSpPr/>
+                <p:nvPr/>
+              </p:nvCxnSpPr>
+              <p:spPr>
+                <a:xfrm>
+                  <a:off x="2077374" y="3774489"/>
+                  <a:ext cx="2441360" cy="0"/>
+                </a:xfrm>
+                <a:prstGeom prst="line">
+                  <a:avLst/>
+                </a:prstGeom>
+                <a:ln w="19050"/>
+              </p:spPr>
+              <p:style>
+                <a:lnRef idx="1">
+                  <a:schemeClr val="accent1"/>
+                </a:lnRef>
+                <a:fillRef idx="0">
+                  <a:schemeClr val="accent1"/>
+                </a:fillRef>
+                <a:effectRef idx="0">
+                  <a:schemeClr val="accent1"/>
+                </a:effectRef>
+                <a:fontRef idx="minor">
+                  <a:schemeClr val="tx1"/>
+                </a:fontRef>
+              </p:style>
+            </p:cxnSp>
+          </p:grpSp>
+          <p:sp>
+            <p:nvSpPr>
+              <p:cNvPr id="203" name="椭圆 202">
+                <a:extLst>
+                  <a:ext uri="{FF2B5EF4-FFF2-40B4-BE49-F238E27FC236}">
+                    <a16:creationId xmlns:a16="http://schemas.microsoft.com/office/drawing/2014/main" id="{96168055-E5A6-46D0-94EC-0577602DDE71}"/>
+                  </a:ext>
+                </a:extLst>
+              </p:cNvPr>
+              <p:cNvSpPr/>
+              <p:nvPr/>
+            </p:nvSpPr>
+            <p:spPr>
+              <a:xfrm>
+                <a:off x="4140328" y="1880586"/>
+                <a:ext cx="297393" cy="310716"/>
+              </a:xfrm>
+              <a:prstGeom prst="ellipse">
+                <a:avLst/>
+              </a:prstGeom>
+              <a:solidFill>
+                <a:srgbClr val="FF0000"/>
+              </a:solidFill>
+            </p:spPr>
+            <p:style>
+              <a:lnRef idx="2">
+                <a:schemeClr val="accent1">
+                  <a:shade val="50000"/>
+                </a:schemeClr>
+              </a:lnRef>
+              <a:fillRef idx="1">
+                <a:schemeClr val="accent1"/>
+              </a:fillRef>
+              <a:effectRef idx="0">
+                <a:schemeClr val="accent1"/>
+              </a:effectRef>
+              <a:fontRef idx="minor">
+                <a:schemeClr val="lt1"/>
+              </a:fontRef>
+            </p:style>
+            <p:txBody>
+              <a:bodyPr rtlCol="0" anchor="ctr"/>
+              <a:lstStyle/>
+              <a:p>
+                <a:pPr algn="ctr"/>
+                <a:endParaRPr lang="zh-CN" altLang="en-US" dirty="0">
+                  <a:solidFill>
+                    <a:srgbClr val="FF0000"/>
+                  </a:solidFill>
+                </a:endParaRPr>
+              </a:p>
+            </p:txBody>
+          </p:sp>
+          <p:sp>
+            <p:nvSpPr>
+              <p:cNvPr id="204" name="椭圆 203">
+                <a:extLst>
+                  <a:ext uri="{FF2B5EF4-FFF2-40B4-BE49-F238E27FC236}">
+                    <a16:creationId xmlns:a16="http://schemas.microsoft.com/office/drawing/2014/main" id="{4C72F6E0-3F40-47A1-8A19-FEDBB6DCA803}"/>
+                  </a:ext>
+                </a:extLst>
+              </p:cNvPr>
+              <p:cNvSpPr/>
+              <p:nvPr/>
+            </p:nvSpPr>
+            <p:spPr>
+              <a:xfrm>
+                <a:off x="4599746" y="1880586"/>
+                <a:ext cx="297393" cy="310716"/>
+              </a:xfrm>
+              <a:prstGeom prst="ellipse">
+                <a:avLst/>
+              </a:prstGeom>
+            </p:spPr>
+            <p:style>
+              <a:lnRef idx="2">
+                <a:schemeClr val="accent1">
+                  <a:shade val="50000"/>
+                </a:schemeClr>
+              </a:lnRef>
+              <a:fillRef idx="1">
+                <a:schemeClr val="accent1"/>
+              </a:fillRef>
+              <a:effectRef idx="0">
+                <a:schemeClr val="accent1"/>
+              </a:effectRef>
+              <a:fontRef idx="minor">
+                <a:schemeClr val="lt1"/>
+              </a:fontRef>
+            </p:style>
+            <p:txBody>
+              <a:bodyPr rtlCol="0" anchor="ctr"/>
+              <a:lstStyle/>
+              <a:p>
+                <a:pPr algn="ctr"/>
+                <a:endParaRPr lang="zh-CN" altLang="en-US"/>
+              </a:p>
+            </p:txBody>
+          </p:sp>
+        </p:grpSp>
+        <p:grpSp>
+          <p:nvGrpSpPr>
+            <p:cNvPr id="183" name="组合 182">
+              <a:extLst>
+                <a:ext uri="{FF2B5EF4-FFF2-40B4-BE49-F238E27FC236}">
+                  <a16:creationId xmlns:a16="http://schemas.microsoft.com/office/drawing/2014/main" id="{575CD91C-5D9D-49F4-A6C6-01DC74948FFD}"/>
+                </a:ext>
+              </a:extLst>
+            </p:cNvPr>
+            <p:cNvGrpSpPr/>
+            <p:nvPr/>
+          </p:nvGrpSpPr>
+          <p:grpSpPr>
+            <a:xfrm rot="16200000">
+              <a:off x="1500326" y="2322249"/>
+              <a:ext cx="907002" cy="1961966"/>
+              <a:chOff x="4053396" y="899603"/>
+              <a:chExt cx="907002" cy="1961966"/>
+            </a:xfrm>
+          </p:grpSpPr>
+          <p:grpSp>
+            <p:nvGrpSpPr>
+              <p:cNvPr id="196" name="组合 195">
+                <a:extLst>
+                  <a:ext uri="{FF2B5EF4-FFF2-40B4-BE49-F238E27FC236}">
+                    <a16:creationId xmlns:a16="http://schemas.microsoft.com/office/drawing/2014/main" id="{E4C3075C-CE99-492A-BB0C-945D94CF1294}"/>
+                  </a:ext>
+                </a:extLst>
+              </p:cNvPr>
+              <p:cNvGrpSpPr/>
+              <p:nvPr/>
+            </p:nvGrpSpPr>
+            <p:grpSpPr>
+              <a:xfrm rot="5400000">
+                <a:off x="3525914" y="1427085"/>
+                <a:ext cx="1961966" cy="907002"/>
+                <a:chOff x="2077374" y="2867487"/>
+                <a:chExt cx="2441360" cy="907002"/>
+              </a:xfrm>
+            </p:grpSpPr>
+            <p:cxnSp>
+              <p:nvCxnSpPr>
+                <p:cNvPr id="199" name="直接连接符 198">
+                  <a:extLst>
+                    <a:ext uri="{FF2B5EF4-FFF2-40B4-BE49-F238E27FC236}">
+                      <a16:creationId xmlns:a16="http://schemas.microsoft.com/office/drawing/2014/main" id="{052C27ED-ACEF-496A-8A85-3067F24722A2}"/>
+                    </a:ext>
+                  </a:extLst>
+                </p:cNvPr>
+                <p:cNvCxnSpPr/>
+                <p:nvPr/>
+              </p:nvCxnSpPr>
+              <p:spPr>
+                <a:xfrm>
+                  <a:off x="2077374" y="2867487"/>
+                  <a:ext cx="2441360" cy="0"/>
+                </a:xfrm>
+                <a:prstGeom prst="line">
+                  <a:avLst/>
+                </a:prstGeom>
+                <a:ln w="19050"/>
+              </p:spPr>
+              <p:style>
+                <a:lnRef idx="1">
+                  <a:schemeClr val="accent1"/>
+                </a:lnRef>
+                <a:fillRef idx="0">
+                  <a:schemeClr val="accent1"/>
+                </a:fillRef>
+                <a:effectRef idx="0">
+                  <a:schemeClr val="accent1"/>
+                </a:effectRef>
+                <a:fontRef idx="minor">
+                  <a:schemeClr val="tx1"/>
+                </a:fontRef>
+              </p:style>
+            </p:cxnSp>
+            <p:cxnSp>
+              <p:nvCxnSpPr>
+                <p:cNvPr id="200" name="直接连接符 199">
+                  <a:extLst>
+                    <a:ext uri="{FF2B5EF4-FFF2-40B4-BE49-F238E27FC236}">
+                      <a16:creationId xmlns:a16="http://schemas.microsoft.com/office/drawing/2014/main" id="{AEDAC051-A007-4DC3-AFA5-F8234E184C3C}"/>
+                    </a:ext>
+                  </a:extLst>
+                </p:cNvPr>
+                <p:cNvCxnSpPr/>
+                <p:nvPr/>
+              </p:nvCxnSpPr>
+              <p:spPr>
+                <a:xfrm>
+                  <a:off x="2077374" y="3315070"/>
+                  <a:ext cx="2441360" cy="0"/>
+                </a:xfrm>
+                <a:prstGeom prst="line">
+                  <a:avLst/>
+                </a:prstGeom>
+                <a:ln>
+                  <a:prstDash val="dash"/>
+                </a:ln>
+              </p:spPr>
+              <p:style>
+                <a:lnRef idx="1">
+                  <a:schemeClr val="dk1"/>
+                </a:lnRef>
+                <a:fillRef idx="0">
+                  <a:schemeClr val="dk1"/>
+                </a:fillRef>
+                <a:effectRef idx="0">
+                  <a:schemeClr val="dk1"/>
+                </a:effectRef>
+                <a:fontRef idx="minor">
+                  <a:schemeClr val="tx1"/>
+                </a:fontRef>
+              </p:style>
+            </p:cxnSp>
+            <p:cxnSp>
+              <p:nvCxnSpPr>
+                <p:cNvPr id="201" name="直接连接符 200">
+                  <a:extLst>
+                    <a:ext uri="{FF2B5EF4-FFF2-40B4-BE49-F238E27FC236}">
+                      <a16:creationId xmlns:a16="http://schemas.microsoft.com/office/drawing/2014/main" id="{43CF8383-C9B2-493F-BC48-353E06DA6162}"/>
+                    </a:ext>
+                  </a:extLst>
+                </p:cNvPr>
+                <p:cNvCxnSpPr/>
+                <p:nvPr/>
+              </p:nvCxnSpPr>
+              <p:spPr>
+                <a:xfrm>
+                  <a:off x="2077374" y="3774489"/>
+                  <a:ext cx="2441360" cy="0"/>
+                </a:xfrm>
+                <a:prstGeom prst="line">
+                  <a:avLst/>
+                </a:prstGeom>
+                <a:ln w="19050"/>
+              </p:spPr>
+              <p:style>
+                <a:lnRef idx="1">
+                  <a:schemeClr val="accent1"/>
+                </a:lnRef>
+                <a:fillRef idx="0">
+                  <a:schemeClr val="accent1"/>
+                </a:fillRef>
+                <a:effectRef idx="0">
+                  <a:schemeClr val="accent1"/>
+                </a:effectRef>
+                <a:fontRef idx="minor">
+                  <a:schemeClr val="tx1"/>
+                </a:fontRef>
+              </p:style>
+            </p:cxnSp>
+          </p:grpSp>
+          <p:sp>
+            <p:nvSpPr>
+              <p:cNvPr id="197" name="椭圆 196">
+                <a:extLst>
+                  <a:ext uri="{FF2B5EF4-FFF2-40B4-BE49-F238E27FC236}">
+                    <a16:creationId xmlns:a16="http://schemas.microsoft.com/office/drawing/2014/main" id="{43FB0DEF-25CC-45A8-933A-A96C99B7F4B0}"/>
+                  </a:ext>
+                </a:extLst>
+              </p:cNvPr>
+              <p:cNvSpPr/>
+              <p:nvPr/>
+            </p:nvSpPr>
+            <p:spPr>
+              <a:xfrm>
+                <a:off x="4140328" y="1880586"/>
+                <a:ext cx="297393" cy="310716"/>
+              </a:xfrm>
+              <a:prstGeom prst="ellipse">
+                <a:avLst/>
+              </a:prstGeom>
+              <a:solidFill>
+                <a:srgbClr val="FF0000"/>
+              </a:solidFill>
+            </p:spPr>
+            <p:style>
+              <a:lnRef idx="2">
+                <a:schemeClr val="accent1">
+                  <a:shade val="50000"/>
+                </a:schemeClr>
+              </a:lnRef>
+              <a:fillRef idx="1">
+                <a:schemeClr val="accent1"/>
+              </a:fillRef>
+              <a:effectRef idx="0">
+                <a:schemeClr val="accent1"/>
+              </a:effectRef>
+              <a:fontRef idx="minor">
+                <a:schemeClr val="lt1"/>
+              </a:fontRef>
+            </p:style>
+            <p:txBody>
+              <a:bodyPr rtlCol="0" anchor="ctr"/>
+              <a:lstStyle/>
+              <a:p>
+                <a:pPr algn="ctr"/>
+                <a:endParaRPr lang="zh-CN" altLang="en-US" dirty="0"/>
+              </a:p>
+            </p:txBody>
+          </p:sp>
+          <p:sp>
+            <p:nvSpPr>
+              <p:cNvPr id="198" name="椭圆 197">
+                <a:extLst>
+                  <a:ext uri="{FF2B5EF4-FFF2-40B4-BE49-F238E27FC236}">
+                    <a16:creationId xmlns:a16="http://schemas.microsoft.com/office/drawing/2014/main" id="{B105D234-911C-41AA-B519-9F00D4B28856}"/>
+                  </a:ext>
+                </a:extLst>
+              </p:cNvPr>
+              <p:cNvSpPr/>
+              <p:nvPr/>
+            </p:nvSpPr>
+            <p:spPr>
+              <a:xfrm>
+                <a:off x="4599746" y="1880586"/>
+                <a:ext cx="297393" cy="310716"/>
+              </a:xfrm>
+              <a:prstGeom prst="ellipse">
+                <a:avLst/>
+              </a:prstGeom>
+            </p:spPr>
+            <p:style>
+              <a:lnRef idx="2">
+                <a:schemeClr val="accent1">
+                  <a:shade val="50000"/>
+                </a:schemeClr>
+              </a:lnRef>
+              <a:fillRef idx="1">
+                <a:schemeClr val="accent1"/>
+              </a:fillRef>
+              <a:effectRef idx="0">
+                <a:schemeClr val="accent1"/>
+              </a:effectRef>
+              <a:fontRef idx="minor">
+                <a:schemeClr val="lt1"/>
+              </a:fontRef>
+            </p:style>
+            <p:txBody>
+              <a:bodyPr rtlCol="0" anchor="ctr"/>
+              <a:lstStyle/>
+              <a:p>
+                <a:pPr algn="ctr"/>
+                <a:endParaRPr lang="zh-CN" altLang="en-US"/>
+              </a:p>
+            </p:txBody>
+          </p:sp>
+        </p:grpSp>
+        <p:cxnSp>
+          <p:nvCxnSpPr>
+            <p:cNvPr id="184" name="直接连接符 183">
+              <a:extLst>
+                <a:ext uri="{FF2B5EF4-FFF2-40B4-BE49-F238E27FC236}">
+                  <a16:creationId xmlns:a16="http://schemas.microsoft.com/office/drawing/2014/main" id="{764F2CE8-8F96-4941-B0C0-C5FC496D5DC6}"/>
+                </a:ext>
+              </a:extLst>
+            </p:cNvPr>
+            <p:cNvCxnSpPr>
+              <a:stCxn id="215" idx="3"/>
+              <a:endCxn id="198" idx="5"/>
+            </p:cNvCxnSpPr>
+            <p:nvPr/>
+          </p:nvCxnSpPr>
+          <p:spPr>
+            <a:xfrm flipH="1">
+              <a:off x="2219041" y="2128044"/>
+              <a:ext cx="846253" cy="828499"/>
+            </a:xfrm>
+            <a:prstGeom prst="line">
+              <a:avLst/>
+            </a:prstGeom>
+          </p:spPr>
+          <p:style>
+            <a:lnRef idx="1">
+              <a:schemeClr val="dk1"/>
+            </a:lnRef>
+            <a:fillRef idx="0">
+              <a:schemeClr val="dk1"/>
+            </a:fillRef>
+            <a:effectRef idx="0">
+              <a:schemeClr val="dk1"/>
+            </a:effectRef>
+            <a:fontRef idx="minor">
+              <a:schemeClr val="tx1"/>
+            </a:fontRef>
+          </p:style>
+        </p:cxnSp>
+        <p:cxnSp>
+          <p:nvCxnSpPr>
+            <p:cNvPr id="185" name="直接连接符 184">
+              <a:extLst>
+                <a:ext uri="{FF2B5EF4-FFF2-40B4-BE49-F238E27FC236}">
+                  <a16:creationId xmlns:a16="http://schemas.microsoft.com/office/drawing/2014/main" id="{D68F67E1-0C17-45F2-8F17-8885FA4BE727}"/>
+                </a:ext>
+              </a:extLst>
+            </p:cNvPr>
+            <p:cNvCxnSpPr>
+              <a:stCxn id="215" idx="4"/>
+              <a:endCxn id="210" idx="4"/>
+            </p:cNvCxnSpPr>
+            <p:nvPr/>
+          </p:nvCxnSpPr>
+          <p:spPr>
+            <a:xfrm flipH="1">
+              <a:off x="3146765" y="2173547"/>
               <a:ext cx="23674" cy="2247535"/>
             </a:xfrm>
             <a:prstGeom prst="line">
@@ -5363,23 +8139,22 @@
         </p:cxnSp>
         <p:cxnSp>
           <p:nvCxnSpPr>
-            <p:cNvPr id="110" name="直接连接符 109">
+            <p:cNvPr id="186" name="直接连接符 185">
               <a:extLst>
                 <a:ext uri="{FF2B5EF4-FFF2-40B4-BE49-F238E27FC236}">
-                  <a16:creationId xmlns:a16="http://schemas.microsoft.com/office/drawing/2014/main" id="{19B9FDAB-FDBF-40C1-B264-FB295BADD852}"/>
+                  <a16:creationId xmlns:a16="http://schemas.microsoft.com/office/drawing/2014/main" id="{92BF9203-853A-4CEF-AC56-9536733D75FF}"/>
                 </a:ext>
               </a:extLst>
             </p:cNvPr>
             <p:cNvCxnSpPr>
-              <a:cxnSpLocks/>
-              <a:stCxn id="103" idx="5"/>
-              <a:endCxn id="83" idx="3"/>
+              <a:stCxn id="197" idx="5"/>
+              <a:endCxn id="216" idx="3"/>
             </p:cNvCxnSpPr>
             <p:nvPr/>
           </p:nvCxnSpPr>
           <p:spPr>
             <a:xfrm flipV="1">
-              <a:off x="7571161" y="2128044"/>
+              <a:off x="2219041" y="2128044"/>
               <a:ext cx="1305671" cy="1287917"/>
             </a:xfrm>
             <a:prstGeom prst="line">
@@ -5403,22 +8178,22 @@
         </p:cxnSp>
         <p:cxnSp>
           <p:nvCxnSpPr>
-            <p:cNvPr id="111" name="直接连接符 110">
+            <p:cNvPr id="187" name="直接连接符 186">
               <a:extLst>
                 <a:ext uri="{FF2B5EF4-FFF2-40B4-BE49-F238E27FC236}">
-                  <a16:creationId xmlns:a16="http://schemas.microsoft.com/office/drawing/2014/main" id="{398B7591-4B73-4776-BF47-1B15847EB43C}"/>
+                  <a16:creationId xmlns:a16="http://schemas.microsoft.com/office/drawing/2014/main" id="{008A828E-D513-4280-B1C6-E1BFE58B6043}"/>
                 </a:ext>
               </a:extLst>
             </p:cNvPr>
             <p:cNvCxnSpPr>
-              <a:stCxn id="103" idx="4"/>
-              <a:endCxn id="97" idx="4"/>
+              <a:stCxn id="197" idx="4"/>
+              <a:endCxn id="204" idx="4"/>
             </p:cNvCxnSpPr>
             <p:nvPr/>
           </p:nvCxnSpPr>
           <p:spPr>
             <a:xfrm>
-              <a:off x="7616664" y="3521105"/>
+              <a:off x="2264544" y="3521105"/>
               <a:ext cx="2259372" cy="17757"/>
             </a:xfrm>
             <a:prstGeom prst="line">
@@ -5442,22 +8217,22 @@
         </p:cxnSp>
         <p:cxnSp>
           <p:nvCxnSpPr>
-            <p:cNvPr id="112" name="直接连接符 111">
+            <p:cNvPr id="188" name="直接连接符 187">
               <a:extLst>
                 <a:ext uri="{FF2B5EF4-FFF2-40B4-BE49-F238E27FC236}">
-                  <a16:creationId xmlns:a16="http://schemas.microsoft.com/office/drawing/2014/main" id="{AEE0946A-1C47-41D9-864B-03BAE8F02D7B}"/>
+                  <a16:creationId xmlns:a16="http://schemas.microsoft.com/office/drawing/2014/main" id="{95DE90DB-FA25-4A7D-B296-8803BEC0EE27}"/>
                 </a:ext>
               </a:extLst>
             </p:cNvPr>
             <p:cNvCxnSpPr>
-              <a:stCxn id="96" idx="4"/>
-              <a:endCxn id="104" idx="4"/>
+              <a:stCxn id="203" idx="4"/>
+              <a:endCxn id="198" idx="4"/>
             </p:cNvCxnSpPr>
             <p:nvPr/>
           </p:nvCxnSpPr>
           <p:spPr>
             <a:xfrm flipH="1" flipV="1">
-              <a:off x="7616664" y="3061687"/>
+              <a:off x="2264544" y="3061687"/>
               <a:ext cx="2259372" cy="17757"/>
             </a:xfrm>
             <a:prstGeom prst="line">
@@ -5481,23 +8256,22 @@
         </p:cxnSp>
         <p:cxnSp>
           <p:nvCxnSpPr>
-            <p:cNvPr id="113" name="直接连接符 112">
+            <p:cNvPr id="189" name="直接连接符 188">
               <a:extLst>
                 <a:ext uri="{FF2B5EF4-FFF2-40B4-BE49-F238E27FC236}">
-                  <a16:creationId xmlns:a16="http://schemas.microsoft.com/office/drawing/2014/main" id="{8D9C5D15-9975-48F5-BF03-7A29C6D7D48C}"/>
+                  <a16:creationId xmlns:a16="http://schemas.microsoft.com/office/drawing/2014/main" id="{6FA9FC48-35A3-456F-855A-6A1E3FAEBD5B}"/>
                 </a:ext>
               </a:extLst>
             </p:cNvPr>
             <p:cNvCxnSpPr>
-              <a:cxnSpLocks/>
-              <a:stCxn id="96" idx="3"/>
-              <a:endCxn id="83" idx="5"/>
+              <a:stCxn id="203" idx="3"/>
+              <a:endCxn id="216" idx="5"/>
             </p:cNvCxnSpPr>
             <p:nvPr/>
           </p:nvCxnSpPr>
           <p:spPr>
             <a:xfrm flipH="1" flipV="1">
-              <a:off x="9087121" y="2128044"/>
+              <a:off x="3735001" y="2128044"/>
               <a:ext cx="834418" cy="846255"/>
             </a:xfrm>
             <a:prstGeom prst="line">
@@ -5521,23 +8295,22 @@
         </p:cxnSp>
         <p:cxnSp>
           <p:nvCxnSpPr>
-            <p:cNvPr id="114" name="直接连接符 113">
+            <p:cNvPr id="190" name="直接连接符 189">
               <a:extLst>
                 <a:ext uri="{FF2B5EF4-FFF2-40B4-BE49-F238E27FC236}">
-                  <a16:creationId xmlns:a16="http://schemas.microsoft.com/office/drawing/2014/main" id="{4CA5E808-EEB3-4477-9799-1AA337E18C80}"/>
+                  <a16:creationId xmlns:a16="http://schemas.microsoft.com/office/drawing/2014/main" id="{67A920CC-EBB5-435D-897B-6C11C2BB8117}"/>
                 </a:ext>
               </a:extLst>
             </p:cNvPr>
             <p:cNvCxnSpPr>
-              <a:cxnSpLocks/>
-              <a:stCxn id="82" idx="5"/>
-              <a:endCxn id="97" idx="3"/>
+              <a:stCxn id="215" idx="5"/>
+              <a:endCxn id="204" idx="3"/>
             </p:cNvCxnSpPr>
             <p:nvPr/>
           </p:nvCxnSpPr>
           <p:spPr>
             <a:xfrm>
-              <a:off x="8627703" y="2128044"/>
+              <a:off x="3275583" y="2128044"/>
               <a:ext cx="1293836" cy="1305673"/>
             </a:xfrm>
             <a:prstGeom prst="line">
@@ -5561,23 +8334,22 @@
         </p:cxnSp>
         <p:cxnSp>
           <p:nvCxnSpPr>
-            <p:cNvPr id="115" name="直接连接符 114">
+            <p:cNvPr id="191" name="直接连接符 190">
               <a:extLst>
                 <a:ext uri="{FF2B5EF4-FFF2-40B4-BE49-F238E27FC236}">
-                  <a16:creationId xmlns:a16="http://schemas.microsoft.com/office/drawing/2014/main" id="{46FC1223-0676-45F0-80F3-7CB4E5CFE3A9}"/>
+                  <a16:creationId xmlns:a16="http://schemas.microsoft.com/office/drawing/2014/main" id="{8D2B72D6-380E-46A1-95E8-E2970B8005FA}"/>
                 </a:ext>
               </a:extLst>
             </p:cNvPr>
             <p:cNvCxnSpPr>
-              <a:cxnSpLocks/>
-              <a:stCxn id="89" idx="4"/>
-              <a:endCxn id="83" idx="4"/>
+              <a:stCxn id="209" idx="4"/>
+              <a:endCxn id="216" idx="4"/>
             </p:cNvCxnSpPr>
             <p:nvPr/>
           </p:nvCxnSpPr>
           <p:spPr>
             <a:xfrm flipV="1">
-              <a:off x="8958303" y="2173547"/>
+              <a:off x="3606183" y="2173547"/>
               <a:ext cx="23674" cy="2247535"/>
             </a:xfrm>
             <a:prstGeom prst="line">
@@ -5601,22 +8373,22 @@
         </p:cxnSp>
         <p:cxnSp>
           <p:nvCxnSpPr>
-            <p:cNvPr id="116" name="直接连接符 115">
+            <p:cNvPr id="192" name="直接连接符 191">
               <a:extLst>
                 <a:ext uri="{FF2B5EF4-FFF2-40B4-BE49-F238E27FC236}">
-                  <a16:creationId xmlns:a16="http://schemas.microsoft.com/office/drawing/2014/main" id="{E256438D-745F-4312-A05A-815276D99A50}"/>
+                  <a16:creationId xmlns:a16="http://schemas.microsoft.com/office/drawing/2014/main" id="{6EF9FB2F-410C-46BD-80E3-E8D1C883A0AF}"/>
                 </a:ext>
               </a:extLst>
             </p:cNvPr>
             <p:cNvCxnSpPr>
-              <a:stCxn id="89" idx="5"/>
-              <a:endCxn id="104" idx="3"/>
+              <a:stCxn id="209" idx="5"/>
+              <a:endCxn id="198" idx="3"/>
             </p:cNvCxnSpPr>
             <p:nvPr/>
           </p:nvCxnSpPr>
           <p:spPr>
             <a:xfrm flipH="1" flipV="1">
-              <a:off x="7571161" y="3166832"/>
+              <a:off x="2219041" y="3166832"/>
               <a:ext cx="1281998" cy="1299753"/>
             </a:xfrm>
             <a:prstGeom prst="line">
@@ -5640,22 +8412,22 @@
         </p:cxnSp>
         <p:cxnSp>
           <p:nvCxnSpPr>
-            <p:cNvPr id="117" name="直接连接符 116">
+            <p:cNvPr id="193" name="直接连接符 192">
               <a:extLst>
                 <a:ext uri="{FF2B5EF4-FFF2-40B4-BE49-F238E27FC236}">
-                  <a16:creationId xmlns:a16="http://schemas.microsoft.com/office/drawing/2014/main" id="{FF20B009-18AB-4C2F-88D3-2409F454B535}"/>
+                  <a16:creationId xmlns:a16="http://schemas.microsoft.com/office/drawing/2014/main" id="{25869FB8-25A2-40ED-AB6D-2B72CC30A85A}"/>
                 </a:ext>
               </a:extLst>
             </p:cNvPr>
             <p:cNvCxnSpPr>
-              <a:stCxn id="89" idx="3"/>
-              <a:endCxn id="97" idx="5"/>
+              <a:stCxn id="209" idx="3"/>
+              <a:endCxn id="204" idx="5"/>
             </p:cNvCxnSpPr>
             <p:nvPr/>
           </p:nvCxnSpPr>
           <p:spPr>
             <a:xfrm flipV="1">
-              <a:off x="9063448" y="3644006"/>
+              <a:off x="3711328" y="3644006"/>
               <a:ext cx="858091" cy="822579"/>
             </a:xfrm>
             <a:prstGeom prst="line">
@@ -5679,22 +8451,22 @@
         </p:cxnSp>
         <p:cxnSp>
           <p:nvCxnSpPr>
-            <p:cNvPr id="118" name="直接连接符 117">
+            <p:cNvPr id="194" name="直接连接符 193">
               <a:extLst>
                 <a:ext uri="{FF2B5EF4-FFF2-40B4-BE49-F238E27FC236}">
-                  <a16:creationId xmlns:a16="http://schemas.microsoft.com/office/drawing/2014/main" id="{08437999-B121-4C34-92AA-2C6FFA90DE56}"/>
+                  <a16:creationId xmlns:a16="http://schemas.microsoft.com/office/drawing/2014/main" id="{5C77BFF4-0A1E-447F-9164-EE7EBBFE62B9}"/>
                 </a:ext>
               </a:extLst>
             </p:cNvPr>
             <p:cNvCxnSpPr>
-              <a:stCxn id="103" idx="3"/>
-              <a:endCxn id="90" idx="5"/>
+              <a:stCxn id="197" idx="3"/>
+              <a:endCxn id="210" idx="5"/>
             </p:cNvCxnSpPr>
             <p:nvPr/>
           </p:nvCxnSpPr>
           <p:spPr>
             <a:xfrm>
-              <a:off x="7571161" y="3626250"/>
+              <a:off x="2219041" y="3626250"/>
               <a:ext cx="822580" cy="840335"/>
             </a:xfrm>
             <a:prstGeom prst="line">
@@ -5718,22 +8490,1255 @@
         </p:cxnSp>
         <p:cxnSp>
           <p:nvCxnSpPr>
-            <p:cNvPr id="119" name="直接连接符 118">
+            <p:cNvPr id="195" name="直接连接符 194">
               <a:extLst>
                 <a:ext uri="{FF2B5EF4-FFF2-40B4-BE49-F238E27FC236}">
-                  <a16:creationId xmlns:a16="http://schemas.microsoft.com/office/drawing/2014/main" id="{E02AD22B-30FA-4A49-8EEB-A72E3EA00119}"/>
+                  <a16:creationId xmlns:a16="http://schemas.microsoft.com/office/drawing/2014/main" id="{D7775859-5C59-4797-8A52-2AA8C863D3ED}"/>
                 </a:ext>
               </a:extLst>
             </p:cNvPr>
             <p:cNvCxnSpPr>
-              <a:stCxn id="96" idx="5"/>
-              <a:endCxn id="90" idx="3"/>
+              <a:stCxn id="203" idx="5"/>
+              <a:endCxn id="210" idx="3"/>
             </p:cNvCxnSpPr>
             <p:nvPr/>
           </p:nvCxnSpPr>
           <p:spPr>
             <a:xfrm flipH="1">
-              <a:off x="8604030" y="3184588"/>
+              <a:off x="3251910" y="3184588"/>
+              <a:ext cx="1317509" cy="1281997"/>
+            </a:xfrm>
+            <a:prstGeom prst="line">
+              <a:avLst/>
+            </a:prstGeom>
+          </p:spPr>
+          <p:style>
+            <a:lnRef idx="1">
+              <a:schemeClr val="dk1"/>
+            </a:lnRef>
+            <a:fillRef idx="0">
+              <a:schemeClr val="dk1"/>
+            </a:fillRef>
+            <a:effectRef idx="0">
+              <a:schemeClr val="dk1"/>
+            </a:effectRef>
+            <a:fontRef idx="minor">
+              <a:schemeClr val="tx1"/>
+            </a:fontRef>
+          </p:style>
+        </p:cxnSp>
+      </p:grpSp>
+      <p:grpSp>
+        <p:nvGrpSpPr>
+          <p:cNvPr id="220" name="组合 219"/>
+          <p:cNvGrpSpPr/>
+          <p:nvPr/>
+        </p:nvGrpSpPr>
+        <p:grpSpPr>
+          <a:xfrm>
+            <a:off x="4551075" y="4053854"/>
+            <a:ext cx="2385818" cy="1965936"/>
+            <a:chOff x="972844" y="1850878"/>
+            <a:chExt cx="4842770" cy="3861903"/>
+          </a:xfrm>
+        </p:grpSpPr>
+        <p:grpSp>
+          <p:nvGrpSpPr>
+            <p:cNvPr id="222" name="组合 221">
+              <a:extLst>
+                <a:ext uri="{FF2B5EF4-FFF2-40B4-BE49-F238E27FC236}">
+                  <a16:creationId xmlns:a16="http://schemas.microsoft.com/office/drawing/2014/main" id="{C6ACC72B-B95E-43D5-B205-B15C9CBF33CC}"/>
+                </a:ext>
+              </a:extLst>
+            </p:cNvPr>
+            <p:cNvGrpSpPr/>
+            <p:nvPr/>
+          </p:nvGrpSpPr>
+          <p:grpSpPr>
+            <a:xfrm rot="10800000">
+              <a:off x="2934810" y="3750815"/>
+              <a:ext cx="907002" cy="1961966"/>
+              <a:chOff x="4053396" y="899603"/>
+              <a:chExt cx="907002" cy="1961966"/>
+            </a:xfrm>
+          </p:grpSpPr>
+          <p:grpSp>
+            <p:nvGrpSpPr>
+              <p:cNvPr id="249" name="组合 248">
+                <a:extLst>
+                  <a:ext uri="{FF2B5EF4-FFF2-40B4-BE49-F238E27FC236}">
+                    <a16:creationId xmlns:a16="http://schemas.microsoft.com/office/drawing/2014/main" id="{424B1E95-5C6D-4A89-B9CC-62F984B21921}"/>
+                  </a:ext>
+                </a:extLst>
+              </p:cNvPr>
+              <p:cNvGrpSpPr/>
+              <p:nvPr/>
+            </p:nvGrpSpPr>
+            <p:grpSpPr>
+              <a:xfrm rot="5400000">
+                <a:off x="3525914" y="1427085"/>
+                <a:ext cx="1961966" cy="907002"/>
+                <a:chOff x="2077374" y="2867487"/>
+                <a:chExt cx="2441360" cy="907002"/>
+              </a:xfrm>
+            </p:grpSpPr>
+            <p:cxnSp>
+              <p:nvCxnSpPr>
+                <p:cNvPr id="252" name="直接连接符 251">
+                  <a:extLst>
+                    <a:ext uri="{FF2B5EF4-FFF2-40B4-BE49-F238E27FC236}">
+                      <a16:creationId xmlns:a16="http://schemas.microsoft.com/office/drawing/2014/main" id="{6CB562E1-2FBD-4BAB-9E98-6AFDB5CA1D7F}"/>
+                    </a:ext>
+                  </a:extLst>
+                </p:cNvPr>
+                <p:cNvCxnSpPr/>
+                <p:nvPr/>
+              </p:nvCxnSpPr>
+              <p:spPr>
+                <a:xfrm>
+                  <a:off x="2077374" y="2867487"/>
+                  <a:ext cx="2441360" cy="0"/>
+                </a:xfrm>
+                <a:prstGeom prst="line">
+                  <a:avLst/>
+                </a:prstGeom>
+                <a:ln w="19050"/>
+              </p:spPr>
+              <p:style>
+                <a:lnRef idx="1">
+                  <a:schemeClr val="accent1"/>
+                </a:lnRef>
+                <a:fillRef idx="0">
+                  <a:schemeClr val="accent1"/>
+                </a:fillRef>
+                <a:effectRef idx="0">
+                  <a:schemeClr val="accent1"/>
+                </a:effectRef>
+                <a:fontRef idx="minor">
+                  <a:schemeClr val="tx1"/>
+                </a:fontRef>
+              </p:style>
+            </p:cxnSp>
+            <p:cxnSp>
+              <p:nvCxnSpPr>
+                <p:cNvPr id="253" name="直接连接符 252">
+                  <a:extLst>
+                    <a:ext uri="{FF2B5EF4-FFF2-40B4-BE49-F238E27FC236}">
+                      <a16:creationId xmlns:a16="http://schemas.microsoft.com/office/drawing/2014/main" id="{5DD2DBEA-C8A8-4C3D-A752-887EDF20D451}"/>
+                    </a:ext>
+                  </a:extLst>
+                </p:cNvPr>
+                <p:cNvCxnSpPr/>
+                <p:nvPr/>
+              </p:nvCxnSpPr>
+              <p:spPr>
+                <a:xfrm>
+                  <a:off x="2077374" y="3315070"/>
+                  <a:ext cx="2441360" cy="0"/>
+                </a:xfrm>
+                <a:prstGeom prst="line">
+                  <a:avLst/>
+                </a:prstGeom>
+                <a:ln>
+                  <a:prstDash val="dash"/>
+                </a:ln>
+              </p:spPr>
+              <p:style>
+                <a:lnRef idx="1">
+                  <a:schemeClr val="dk1"/>
+                </a:lnRef>
+                <a:fillRef idx="0">
+                  <a:schemeClr val="dk1"/>
+                </a:fillRef>
+                <a:effectRef idx="0">
+                  <a:schemeClr val="dk1"/>
+                </a:effectRef>
+                <a:fontRef idx="minor">
+                  <a:schemeClr val="tx1"/>
+                </a:fontRef>
+              </p:style>
+            </p:cxnSp>
+            <p:cxnSp>
+              <p:nvCxnSpPr>
+                <p:cNvPr id="254" name="直接连接符 253">
+                  <a:extLst>
+                    <a:ext uri="{FF2B5EF4-FFF2-40B4-BE49-F238E27FC236}">
+                      <a16:creationId xmlns:a16="http://schemas.microsoft.com/office/drawing/2014/main" id="{ECA7DCEC-7A0F-40B0-AE49-4731E1830961}"/>
+                    </a:ext>
+                  </a:extLst>
+                </p:cNvPr>
+                <p:cNvCxnSpPr/>
+                <p:nvPr/>
+              </p:nvCxnSpPr>
+              <p:spPr>
+                <a:xfrm>
+                  <a:off x="2077374" y="3774489"/>
+                  <a:ext cx="2441360" cy="0"/>
+                </a:xfrm>
+                <a:prstGeom prst="line">
+                  <a:avLst/>
+                </a:prstGeom>
+                <a:ln w="19050"/>
+              </p:spPr>
+              <p:style>
+                <a:lnRef idx="1">
+                  <a:schemeClr val="accent1"/>
+                </a:lnRef>
+                <a:fillRef idx="0">
+                  <a:schemeClr val="accent1"/>
+                </a:fillRef>
+                <a:effectRef idx="0">
+                  <a:schemeClr val="accent1"/>
+                </a:effectRef>
+                <a:fontRef idx="minor">
+                  <a:schemeClr val="tx1"/>
+                </a:fontRef>
+              </p:style>
+            </p:cxnSp>
+          </p:grpSp>
+          <p:sp>
+            <p:nvSpPr>
+              <p:cNvPr id="250" name="椭圆 249">
+                <a:extLst>
+                  <a:ext uri="{FF2B5EF4-FFF2-40B4-BE49-F238E27FC236}">
+                    <a16:creationId xmlns:a16="http://schemas.microsoft.com/office/drawing/2014/main" id="{13142649-0EF5-4A90-8705-540DA6E3FA6F}"/>
+                  </a:ext>
+                </a:extLst>
+              </p:cNvPr>
+              <p:cNvSpPr/>
+              <p:nvPr/>
+            </p:nvSpPr>
+            <p:spPr>
+              <a:xfrm>
+                <a:off x="4140328" y="1880586"/>
+                <a:ext cx="297393" cy="310716"/>
+              </a:xfrm>
+              <a:prstGeom prst="ellipse">
+                <a:avLst/>
+              </a:prstGeom>
+              <a:solidFill>
+                <a:schemeClr val="accent6"/>
+              </a:solidFill>
+            </p:spPr>
+            <p:style>
+              <a:lnRef idx="2">
+                <a:schemeClr val="accent1">
+                  <a:shade val="50000"/>
+                </a:schemeClr>
+              </a:lnRef>
+              <a:fillRef idx="1">
+                <a:schemeClr val="accent1"/>
+              </a:fillRef>
+              <a:effectRef idx="0">
+                <a:schemeClr val="accent1"/>
+              </a:effectRef>
+              <a:fontRef idx="minor">
+                <a:schemeClr val="lt1"/>
+              </a:fontRef>
+            </p:style>
+            <p:txBody>
+              <a:bodyPr rtlCol="0" anchor="ctr"/>
+              <a:lstStyle/>
+              <a:p>
+                <a:pPr algn="ctr"/>
+                <a:endParaRPr lang="zh-CN" altLang="en-US" dirty="0"/>
+              </a:p>
+            </p:txBody>
+          </p:sp>
+          <p:sp>
+            <p:nvSpPr>
+              <p:cNvPr id="251" name="椭圆 250">
+                <a:extLst>
+                  <a:ext uri="{FF2B5EF4-FFF2-40B4-BE49-F238E27FC236}">
+                    <a16:creationId xmlns:a16="http://schemas.microsoft.com/office/drawing/2014/main" id="{11A8D76C-0DE0-414C-B79E-35A11324EB15}"/>
+                  </a:ext>
+                </a:extLst>
+              </p:cNvPr>
+              <p:cNvSpPr/>
+              <p:nvPr/>
+            </p:nvSpPr>
+            <p:spPr>
+              <a:xfrm>
+                <a:off x="4599746" y="1880586"/>
+                <a:ext cx="297393" cy="310716"/>
+              </a:xfrm>
+              <a:prstGeom prst="ellipse">
+                <a:avLst/>
+              </a:prstGeom>
+            </p:spPr>
+            <p:style>
+              <a:lnRef idx="2">
+                <a:schemeClr val="accent1">
+                  <a:shade val="50000"/>
+                </a:schemeClr>
+              </a:lnRef>
+              <a:fillRef idx="1">
+                <a:schemeClr val="accent1"/>
+              </a:fillRef>
+              <a:effectRef idx="0">
+                <a:schemeClr val="accent1"/>
+              </a:effectRef>
+              <a:fontRef idx="minor">
+                <a:schemeClr val="lt1"/>
+              </a:fontRef>
+            </p:style>
+            <p:txBody>
+              <a:bodyPr rtlCol="0" anchor="ctr"/>
+              <a:lstStyle/>
+              <a:p>
+                <a:pPr algn="ctr"/>
+                <a:endParaRPr lang="zh-CN" altLang="en-US"/>
+              </a:p>
+            </p:txBody>
+          </p:sp>
+        </p:grpSp>
+        <p:grpSp>
+          <p:nvGrpSpPr>
+            <p:cNvPr id="223" name="组合 222">
+              <a:extLst>
+                <a:ext uri="{FF2B5EF4-FFF2-40B4-BE49-F238E27FC236}">
+                  <a16:creationId xmlns:a16="http://schemas.microsoft.com/office/drawing/2014/main" id="{F9503C8F-5FBF-476F-94F4-935DA61BA3A5}"/>
+                </a:ext>
+              </a:extLst>
+            </p:cNvPr>
+            <p:cNvGrpSpPr/>
+            <p:nvPr/>
+          </p:nvGrpSpPr>
+          <p:grpSpPr>
+            <a:xfrm rot="5400000">
+              <a:off x="4381130" y="2316332"/>
+              <a:ext cx="907002" cy="1961966"/>
+              <a:chOff x="4053396" y="899603"/>
+              <a:chExt cx="907002" cy="1961966"/>
+            </a:xfrm>
+          </p:grpSpPr>
+          <p:grpSp>
+            <p:nvGrpSpPr>
+              <p:cNvPr id="243" name="组合 242">
+                <a:extLst>
+                  <a:ext uri="{FF2B5EF4-FFF2-40B4-BE49-F238E27FC236}">
+                    <a16:creationId xmlns:a16="http://schemas.microsoft.com/office/drawing/2014/main" id="{82B7A463-1C8A-474B-97F1-D29FA518DD2C}"/>
+                  </a:ext>
+                </a:extLst>
+              </p:cNvPr>
+              <p:cNvGrpSpPr/>
+              <p:nvPr/>
+            </p:nvGrpSpPr>
+            <p:grpSpPr>
+              <a:xfrm rot="5400000">
+                <a:off x="3525914" y="1427085"/>
+                <a:ext cx="1961966" cy="907002"/>
+                <a:chOff x="2077374" y="2867487"/>
+                <a:chExt cx="2441360" cy="907002"/>
+              </a:xfrm>
+            </p:grpSpPr>
+            <p:cxnSp>
+              <p:nvCxnSpPr>
+                <p:cNvPr id="246" name="直接连接符 245">
+                  <a:extLst>
+                    <a:ext uri="{FF2B5EF4-FFF2-40B4-BE49-F238E27FC236}">
+                      <a16:creationId xmlns:a16="http://schemas.microsoft.com/office/drawing/2014/main" id="{A73BD29A-AB19-479B-A9BC-D9ACFF60EF9E}"/>
+                    </a:ext>
+                  </a:extLst>
+                </p:cNvPr>
+                <p:cNvCxnSpPr/>
+                <p:nvPr/>
+              </p:nvCxnSpPr>
+              <p:spPr>
+                <a:xfrm>
+                  <a:off x="2077374" y="2867487"/>
+                  <a:ext cx="2441360" cy="0"/>
+                </a:xfrm>
+                <a:prstGeom prst="line">
+                  <a:avLst/>
+                </a:prstGeom>
+                <a:ln w="19050"/>
+              </p:spPr>
+              <p:style>
+                <a:lnRef idx="1">
+                  <a:schemeClr val="accent1"/>
+                </a:lnRef>
+                <a:fillRef idx="0">
+                  <a:schemeClr val="accent1"/>
+                </a:fillRef>
+                <a:effectRef idx="0">
+                  <a:schemeClr val="accent1"/>
+                </a:effectRef>
+                <a:fontRef idx="minor">
+                  <a:schemeClr val="tx1"/>
+                </a:fontRef>
+              </p:style>
+            </p:cxnSp>
+            <p:cxnSp>
+              <p:nvCxnSpPr>
+                <p:cNvPr id="247" name="直接连接符 246">
+                  <a:extLst>
+                    <a:ext uri="{FF2B5EF4-FFF2-40B4-BE49-F238E27FC236}">
+                      <a16:creationId xmlns:a16="http://schemas.microsoft.com/office/drawing/2014/main" id="{E04A9E1A-21BF-4CEA-B048-4166B619F139}"/>
+                    </a:ext>
+                  </a:extLst>
+                </p:cNvPr>
+                <p:cNvCxnSpPr/>
+                <p:nvPr/>
+              </p:nvCxnSpPr>
+              <p:spPr>
+                <a:xfrm>
+                  <a:off x="2077374" y="3315070"/>
+                  <a:ext cx="2441360" cy="0"/>
+                </a:xfrm>
+                <a:prstGeom prst="line">
+                  <a:avLst/>
+                </a:prstGeom>
+                <a:ln>
+                  <a:prstDash val="dash"/>
+                </a:ln>
+              </p:spPr>
+              <p:style>
+                <a:lnRef idx="1">
+                  <a:schemeClr val="dk1"/>
+                </a:lnRef>
+                <a:fillRef idx="0">
+                  <a:schemeClr val="dk1"/>
+                </a:fillRef>
+                <a:effectRef idx="0">
+                  <a:schemeClr val="dk1"/>
+                </a:effectRef>
+                <a:fontRef idx="minor">
+                  <a:schemeClr val="tx1"/>
+                </a:fontRef>
+              </p:style>
+            </p:cxnSp>
+            <p:cxnSp>
+              <p:nvCxnSpPr>
+                <p:cNvPr id="248" name="直接连接符 247">
+                  <a:extLst>
+                    <a:ext uri="{FF2B5EF4-FFF2-40B4-BE49-F238E27FC236}">
+                      <a16:creationId xmlns:a16="http://schemas.microsoft.com/office/drawing/2014/main" id="{9C3C9524-FB9F-41D7-8D4A-8D592686E599}"/>
+                    </a:ext>
+                  </a:extLst>
+                </p:cNvPr>
+                <p:cNvCxnSpPr/>
+                <p:nvPr/>
+              </p:nvCxnSpPr>
+              <p:spPr>
+                <a:xfrm>
+                  <a:off x="2077374" y="3774489"/>
+                  <a:ext cx="2441360" cy="0"/>
+                </a:xfrm>
+                <a:prstGeom prst="line">
+                  <a:avLst/>
+                </a:prstGeom>
+                <a:ln w="19050"/>
+              </p:spPr>
+              <p:style>
+                <a:lnRef idx="1">
+                  <a:schemeClr val="accent1"/>
+                </a:lnRef>
+                <a:fillRef idx="0">
+                  <a:schemeClr val="accent1"/>
+                </a:fillRef>
+                <a:effectRef idx="0">
+                  <a:schemeClr val="accent1"/>
+                </a:effectRef>
+                <a:fontRef idx="minor">
+                  <a:schemeClr val="tx1"/>
+                </a:fontRef>
+              </p:style>
+            </p:cxnSp>
+          </p:grpSp>
+          <p:sp>
+            <p:nvSpPr>
+              <p:cNvPr id="244" name="椭圆 243">
+                <a:extLst>
+                  <a:ext uri="{FF2B5EF4-FFF2-40B4-BE49-F238E27FC236}">
+                    <a16:creationId xmlns:a16="http://schemas.microsoft.com/office/drawing/2014/main" id="{96168055-E5A6-46D0-94EC-0577602DDE71}"/>
+                  </a:ext>
+                </a:extLst>
+              </p:cNvPr>
+              <p:cNvSpPr/>
+              <p:nvPr/>
+            </p:nvSpPr>
+            <p:spPr>
+              <a:xfrm>
+                <a:off x="4140328" y="1880586"/>
+                <a:ext cx="297393" cy="310716"/>
+              </a:xfrm>
+              <a:prstGeom prst="ellipse">
+                <a:avLst/>
+              </a:prstGeom>
+              <a:solidFill>
+                <a:schemeClr val="accent6"/>
+              </a:solidFill>
+            </p:spPr>
+            <p:style>
+              <a:lnRef idx="2">
+                <a:schemeClr val="accent1">
+                  <a:shade val="50000"/>
+                </a:schemeClr>
+              </a:lnRef>
+              <a:fillRef idx="1">
+                <a:schemeClr val="accent1"/>
+              </a:fillRef>
+              <a:effectRef idx="0">
+                <a:schemeClr val="accent1"/>
+              </a:effectRef>
+              <a:fontRef idx="minor">
+                <a:schemeClr val="lt1"/>
+              </a:fontRef>
+            </p:style>
+            <p:txBody>
+              <a:bodyPr rtlCol="0" anchor="ctr"/>
+              <a:lstStyle/>
+              <a:p>
+                <a:pPr algn="ctr"/>
+                <a:endParaRPr lang="zh-CN" altLang="en-US" dirty="0"/>
+              </a:p>
+            </p:txBody>
+          </p:sp>
+          <p:sp>
+            <p:nvSpPr>
+              <p:cNvPr id="245" name="椭圆 244">
+                <a:extLst>
+                  <a:ext uri="{FF2B5EF4-FFF2-40B4-BE49-F238E27FC236}">
+                    <a16:creationId xmlns:a16="http://schemas.microsoft.com/office/drawing/2014/main" id="{4C72F6E0-3F40-47A1-8A19-FEDBB6DCA803}"/>
+                  </a:ext>
+                </a:extLst>
+              </p:cNvPr>
+              <p:cNvSpPr/>
+              <p:nvPr/>
+            </p:nvSpPr>
+            <p:spPr>
+              <a:xfrm>
+                <a:off x="4599746" y="1880586"/>
+                <a:ext cx="297393" cy="310716"/>
+              </a:xfrm>
+              <a:prstGeom prst="ellipse">
+                <a:avLst/>
+              </a:prstGeom>
+            </p:spPr>
+            <p:style>
+              <a:lnRef idx="2">
+                <a:schemeClr val="accent1">
+                  <a:shade val="50000"/>
+                </a:schemeClr>
+              </a:lnRef>
+              <a:fillRef idx="1">
+                <a:schemeClr val="accent1"/>
+              </a:fillRef>
+              <a:effectRef idx="0">
+                <a:schemeClr val="accent1"/>
+              </a:effectRef>
+              <a:fontRef idx="minor">
+                <a:schemeClr val="lt1"/>
+              </a:fontRef>
+            </p:style>
+            <p:txBody>
+              <a:bodyPr rtlCol="0" anchor="ctr"/>
+              <a:lstStyle/>
+              <a:p>
+                <a:pPr algn="ctr"/>
+                <a:endParaRPr lang="zh-CN" altLang="en-US"/>
+              </a:p>
+            </p:txBody>
+          </p:sp>
+        </p:grpSp>
+        <p:grpSp>
+          <p:nvGrpSpPr>
+            <p:cNvPr id="224" name="组合 223">
+              <a:extLst>
+                <a:ext uri="{FF2B5EF4-FFF2-40B4-BE49-F238E27FC236}">
+                  <a16:creationId xmlns:a16="http://schemas.microsoft.com/office/drawing/2014/main" id="{575CD91C-5D9D-49F4-A6C6-01DC74948FFD}"/>
+                </a:ext>
+              </a:extLst>
+            </p:cNvPr>
+            <p:cNvGrpSpPr/>
+            <p:nvPr/>
+          </p:nvGrpSpPr>
+          <p:grpSpPr>
+            <a:xfrm rot="16200000">
+              <a:off x="1500326" y="2322249"/>
+              <a:ext cx="907002" cy="1961966"/>
+              <a:chOff x="4053396" y="899603"/>
+              <a:chExt cx="907002" cy="1961966"/>
+            </a:xfrm>
+          </p:grpSpPr>
+          <p:grpSp>
+            <p:nvGrpSpPr>
+              <p:cNvPr id="237" name="组合 236">
+                <a:extLst>
+                  <a:ext uri="{FF2B5EF4-FFF2-40B4-BE49-F238E27FC236}">
+                    <a16:creationId xmlns:a16="http://schemas.microsoft.com/office/drawing/2014/main" id="{E4C3075C-CE99-492A-BB0C-945D94CF1294}"/>
+                  </a:ext>
+                </a:extLst>
+              </p:cNvPr>
+              <p:cNvGrpSpPr/>
+              <p:nvPr/>
+            </p:nvGrpSpPr>
+            <p:grpSpPr>
+              <a:xfrm rot="5400000">
+                <a:off x="3525914" y="1427085"/>
+                <a:ext cx="1961966" cy="907002"/>
+                <a:chOff x="2077374" y="2867487"/>
+                <a:chExt cx="2441360" cy="907002"/>
+              </a:xfrm>
+            </p:grpSpPr>
+            <p:cxnSp>
+              <p:nvCxnSpPr>
+                <p:cNvPr id="240" name="直接连接符 239">
+                  <a:extLst>
+                    <a:ext uri="{FF2B5EF4-FFF2-40B4-BE49-F238E27FC236}">
+                      <a16:creationId xmlns:a16="http://schemas.microsoft.com/office/drawing/2014/main" id="{052C27ED-ACEF-496A-8A85-3067F24722A2}"/>
+                    </a:ext>
+                  </a:extLst>
+                </p:cNvPr>
+                <p:cNvCxnSpPr/>
+                <p:nvPr/>
+              </p:nvCxnSpPr>
+              <p:spPr>
+                <a:xfrm>
+                  <a:off x="2077374" y="2867487"/>
+                  <a:ext cx="2441360" cy="0"/>
+                </a:xfrm>
+                <a:prstGeom prst="line">
+                  <a:avLst/>
+                </a:prstGeom>
+                <a:ln w="19050"/>
+              </p:spPr>
+              <p:style>
+                <a:lnRef idx="1">
+                  <a:schemeClr val="accent1"/>
+                </a:lnRef>
+                <a:fillRef idx="0">
+                  <a:schemeClr val="accent1"/>
+                </a:fillRef>
+                <a:effectRef idx="0">
+                  <a:schemeClr val="accent1"/>
+                </a:effectRef>
+                <a:fontRef idx="minor">
+                  <a:schemeClr val="tx1"/>
+                </a:fontRef>
+              </p:style>
+            </p:cxnSp>
+            <p:cxnSp>
+              <p:nvCxnSpPr>
+                <p:cNvPr id="241" name="直接连接符 240">
+                  <a:extLst>
+                    <a:ext uri="{FF2B5EF4-FFF2-40B4-BE49-F238E27FC236}">
+                      <a16:creationId xmlns:a16="http://schemas.microsoft.com/office/drawing/2014/main" id="{AEDAC051-A007-4DC3-AFA5-F8234E184C3C}"/>
+                    </a:ext>
+                  </a:extLst>
+                </p:cNvPr>
+                <p:cNvCxnSpPr/>
+                <p:nvPr/>
+              </p:nvCxnSpPr>
+              <p:spPr>
+                <a:xfrm>
+                  <a:off x="2077374" y="3315070"/>
+                  <a:ext cx="2441360" cy="0"/>
+                </a:xfrm>
+                <a:prstGeom prst="line">
+                  <a:avLst/>
+                </a:prstGeom>
+                <a:ln>
+                  <a:prstDash val="dash"/>
+                </a:ln>
+              </p:spPr>
+              <p:style>
+                <a:lnRef idx="1">
+                  <a:schemeClr val="dk1"/>
+                </a:lnRef>
+                <a:fillRef idx="0">
+                  <a:schemeClr val="dk1"/>
+                </a:fillRef>
+                <a:effectRef idx="0">
+                  <a:schemeClr val="dk1"/>
+                </a:effectRef>
+                <a:fontRef idx="minor">
+                  <a:schemeClr val="tx1"/>
+                </a:fontRef>
+              </p:style>
+            </p:cxnSp>
+            <p:cxnSp>
+              <p:nvCxnSpPr>
+                <p:cNvPr id="242" name="直接连接符 241">
+                  <a:extLst>
+                    <a:ext uri="{FF2B5EF4-FFF2-40B4-BE49-F238E27FC236}">
+                      <a16:creationId xmlns:a16="http://schemas.microsoft.com/office/drawing/2014/main" id="{43CF8383-C9B2-493F-BC48-353E06DA6162}"/>
+                    </a:ext>
+                  </a:extLst>
+                </p:cNvPr>
+                <p:cNvCxnSpPr/>
+                <p:nvPr/>
+              </p:nvCxnSpPr>
+              <p:spPr>
+                <a:xfrm>
+                  <a:off x="2077374" y="3774489"/>
+                  <a:ext cx="2441360" cy="0"/>
+                </a:xfrm>
+                <a:prstGeom prst="line">
+                  <a:avLst/>
+                </a:prstGeom>
+                <a:ln w="19050"/>
+              </p:spPr>
+              <p:style>
+                <a:lnRef idx="1">
+                  <a:schemeClr val="accent1"/>
+                </a:lnRef>
+                <a:fillRef idx="0">
+                  <a:schemeClr val="accent1"/>
+                </a:fillRef>
+                <a:effectRef idx="0">
+                  <a:schemeClr val="accent1"/>
+                </a:effectRef>
+                <a:fontRef idx="minor">
+                  <a:schemeClr val="tx1"/>
+                </a:fontRef>
+              </p:style>
+            </p:cxnSp>
+          </p:grpSp>
+          <p:sp>
+            <p:nvSpPr>
+              <p:cNvPr id="238" name="椭圆 237">
+                <a:extLst>
+                  <a:ext uri="{FF2B5EF4-FFF2-40B4-BE49-F238E27FC236}">
+                    <a16:creationId xmlns:a16="http://schemas.microsoft.com/office/drawing/2014/main" id="{43FB0DEF-25CC-45A8-933A-A96C99B7F4B0}"/>
+                  </a:ext>
+                </a:extLst>
+              </p:cNvPr>
+              <p:cNvSpPr/>
+              <p:nvPr/>
+            </p:nvSpPr>
+            <p:spPr>
+              <a:xfrm>
+                <a:off x="4140328" y="1880586"/>
+                <a:ext cx="297393" cy="310716"/>
+              </a:xfrm>
+              <a:prstGeom prst="ellipse">
+                <a:avLst/>
+              </a:prstGeom>
+              <a:solidFill>
+                <a:schemeClr val="accent6"/>
+              </a:solidFill>
+            </p:spPr>
+            <p:style>
+              <a:lnRef idx="2">
+                <a:schemeClr val="accent1">
+                  <a:shade val="50000"/>
+                </a:schemeClr>
+              </a:lnRef>
+              <a:fillRef idx="1">
+                <a:schemeClr val="accent1"/>
+              </a:fillRef>
+              <a:effectRef idx="0">
+                <a:schemeClr val="accent1"/>
+              </a:effectRef>
+              <a:fontRef idx="minor">
+                <a:schemeClr val="lt1"/>
+              </a:fontRef>
+            </p:style>
+            <p:txBody>
+              <a:bodyPr rtlCol="0" anchor="ctr"/>
+              <a:lstStyle/>
+              <a:p>
+                <a:pPr algn="ctr"/>
+                <a:endParaRPr lang="zh-CN" altLang="en-US" dirty="0"/>
+              </a:p>
+            </p:txBody>
+          </p:sp>
+          <p:sp>
+            <p:nvSpPr>
+              <p:cNvPr id="239" name="椭圆 238">
+                <a:extLst>
+                  <a:ext uri="{FF2B5EF4-FFF2-40B4-BE49-F238E27FC236}">
+                    <a16:creationId xmlns:a16="http://schemas.microsoft.com/office/drawing/2014/main" id="{B105D234-911C-41AA-B519-9F00D4B28856}"/>
+                  </a:ext>
+                </a:extLst>
+              </p:cNvPr>
+              <p:cNvSpPr/>
+              <p:nvPr/>
+            </p:nvSpPr>
+            <p:spPr>
+              <a:xfrm>
+                <a:off x="4599746" y="1880586"/>
+                <a:ext cx="297393" cy="310716"/>
+              </a:xfrm>
+              <a:prstGeom prst="ellipse">
+                <a:avLst/>
+              </a:prstGeom>
+            </p:spPr>
+            <p:style>
+              <a:lnRef idx="2">
+                <a:schemeClr val="accent1">
+                  <a:shade val="50000"/>
+                </a:schemeClr>
+              </a:lnRef>
+              <a:fillRef idx="1">
+                <a:schemeClr val="accent1"/>
+              </a:fillRef>
+              <a:effectRef idx="0">
+                <a:schemeClr val="accent1"/>
+              </a:effectRef>
+              <a:fontRef idx="minor">
+                <a:schemeClr val="lt1"/>
+              </a:fontRef>
+            </p:style>
+            <p:txBody>
+              <a:bodyPr rtlCol="0" anchor="ctr"/>
+              <a:lstStyle/>
+              <a:p>
+                <a:pPr algn="ctr"/>
+                <a:endParaRPr lang="zh-CN" altLang="en-US"/>
+              </a:p>
+            </p:txBody>
+          </p:sp>
+        </p:grpSp>
+        <p:cxnSp>
+          <p:nvCxnSpPr>
+            <p:cNvPr id="225" name="直接连接符 224">
+              <a:extLst>
+                <a:ext uri="{FF2B5EF4-FFF2-40B4-BE49-F238E27FC236}">
+                  <a16:creationId xmlns:a16="http://schemas.microsoft.com/office/drawing/2014/main" id="{764F2CE8-8F96-4941-B0C0-C5FC496D5DC6}"/>
+                </a:ext>
+              </a:extLst>
+            </p:cNvPr>
+            <p:cNvCxnSpPr>
+              <a:stCxn id="210" idx="7"/>
+              <a:endCxn id="239" idx="5"/>
+            </p:cNvCxnSpPr>
+            <p:nvPr/>
+          </p:nvCxnSpPr>
+          <p:spPr>
+            <a:xfrm flipH="1">
+              <a:off x="2219039" y="1850878"/>
+              <a:ext cx="808193" cy="1105666"/>
+            </a:xfrm>
+            <a:prstGeom prst="line">
+              <a:avLst/>
+            </a:prstGeom>
+          </p:spPr>
+          <p:style>
+            <a:lnRef idx="1">
+              <a:schemeClr val="dk1"/>
+            </a:lnRef>
+            <a:fillRef idx="0">
+              <a:schemeClr val="dk1"/>
+            </a:fillRef>
+            <a:effectRef idx="0">
+              <a:schemeClr val="dk1"/>
+            </a:effectRef>
+            <a:fontRef idx="minor">
+              <a:schemeClr val="tx1"/>
+            </a:fontRef>
+          </p:style>
+        </p:cxnSp>
+        <p:cxnSp>
+          <p:nvCxnSpPr>
+            <p:cNvPr id="226" name="直接连接符 225">
+              <a:extLst>
+                <a:ext uri="{FF2B5EF4-FFF2-40B4-BE49-F238E27FC236}">
+                  <a16:creationId xmlns:a16="http://schemas.microsoft.com/office/drawing/2014/main" id="{D68F67E1-0C17-45F2-8F17-8885FA4BE727}"/>
+                </a:ext>
+              </a:extLst>
+            </p:cNvPr>
+            <p:cNvCxnSpPr>
+              <a:stCxn id="210" idx="0"/>
+              <a:endCxn id="251" idx="4"/>
+            </p:cNvCxnSpPr>
+            <p:nvPr/>
+          </p:nvCxnSpPr>
+          <p:spPr>
+            <a:xfrm>
+              <a:off x="3132377" y="1896382"/>
+              <a:ext cx="14389" cy="2524700"/>
+            </a:xfrm>
+            <a:prstGeom prst="line">
+              <a:avLst/>
+            </a:prstGeom>
+          </p:spPr>
+          <p:style>
+            <a:lnRef idx="1">
+              <a:schemeClr val="dk1"/>
+            </a:lnRef>
+            <a:fillRef idx="0">
+              <a:schemeClr val="dk1"/>
+            </a:fillRef>
+            <a:effectRef idx="0">
+              <a:schemeClr val="dk1"/>
+            </a:effectRef>
+            <a:fontRef idx="minor">
+              <a:schemeClr val="tx1"/>
+            </a:fontRef>
+          </p:style>
+        </p:cxnSp>
+        <p:cxnSp>
+          <p:nvCxnSpPr>
+            <p:cNvPr id="227" name="直接连接符 226">
+              <a:extLst>
+                <a:ext uri="{FF2B5EF4-FFF2-40B4-BE49-F238E27FC236}">
+                  <a16:creationId xmlns:a16="http://schemas.microsoft.com/office/drawing/2014/main" id="{92BF9203-853A-4CEF-AC56-9536733D75FF}"/>
+                </a:ext>
+              </a:extLst>
+            </p:cNvPr>
+            <p:cNvCxnSpPr>
+              <a:stCxn id="238" idx="5"/>
+              <a:endCxn id="209" idx="7"/>
+            </p:cNvCxnSpPr>
+            <p:nvPr/>
+          </p:nvCxnSpPr>
+          <p:spPr>
+            <a:xfrm flipV="1">
+              <a:off x="2219039" y="1850878"/>
+              <a:ext cx="1267612" cy="1565084"/>
+            </a:xfrm>
+            <a:prstGeom prst="line">
+              <a:avLst/>
+            </a:prstGeom>
+          </p:spPr>
+          <p:style>
+            <a:lnRef idx="1">
+              <a:schemeClr val="dk1"/>
+            </a:lnRef>
+            <a:fillRef idx="0">
+              <a:schemeClr val="dk1"/>
+            </a:fillRef>
+            <a:effectRef idx="0">
+              <a:schemeClr val="dk1"/>
+            </a:effectRef>
+            <a:fontRef idx="minor">
+              <a:schemeClr val="tx1"/>
+            </a:fontRef>
+          </p:style>
+        </p:cxnSp>
+        <p:cxnSp>
+          <p:nvCxnSpPr>
+            <p:cNvPr id="228" name="直接连接符 227">
+              <a:extLst>
+                <a:ext uri="{FF2B5EF4-FFF2-40B4-BE49-F238E27FC236}">
+                  <a16:creationId xmlns:a16="http://schemas.microsoft.com/office/drawing/2014/main" id="{008A828E-D513-4280-B1C6-E1BFE58B6043}"/>
+                </a:ext>
+              </a:extLst>
+            </p:cNvPr>
+            <p:cNvCxnSpPr>
+              <a:stCxn id="238" idx="4"/>
+              <a:endCxn id="245" idx="4"/>
+            </p:cNvCxnSpPr>
+            <p:nvPr/>
+          </p:nvCxnSpPr>
+          <p:spPr>
+            <a:xfrm>
+              <a:off x="2264544" y="3521105"/>
+              <a:ext cx="2259372" cy="17757"/>
+            </a:xfrm>
+            <a:prstGeom prst="line">
+              <a:avLst/>
+            </a:prstGeom>
+          </p:spPr>
+          <p:style>
+            <a:lnRef idx="1">
+              <a:schemeClr val="dk1"/>
+            </a:lnRef>
+            <a:fillRef idx="0">
+              <a:schemeClr val="dk1"/>
+            </a:fillRef>
+            <a:effectRef idx="0">
+              <a:schemeClr val="dk1"/>
+            </a:effectRef>
+            <a:fontRef idx="minor">
+              <a:schemeClr val="tx1"/>
+            </a:fontRef>
+          </p:style>
+        </p:cxnSp>
+        <p:cxnSp>
+          <p:nvCxnSpPr>
+            <p:cNvPr id="229" name="直接连接符 228">
+              <a:extLst>
+                <a:ext uri="{FF2B5EF4-FFF2-40B4-BE49-F238E27FC236}">
+                  <a16:creationId xmlns:a16="http://schemas.microsoft.com/office/drawing/2014/main" id="{95DE90DB-FA25-4A7D-B296-8803BEC0EE27}"/>
+                </a:ext>
+              </a:extLst>
+            </p:cNvPr>
+            <p:cNvCxnSpPr>
+              <a:stCxn id="244" idx="4"/>
+              <a:endCxn id="239" idx="4"/>
+            </p:cNvCxnSpPr>
+            <p:nvPr/>
+          </p:nvCxnSpPr>
+          <p:spPr>
+            <a:xfrm flipH="1" flipV="1">
+              <a:off x="2264544" y="3061687"/>
+              <a:ext cx="2259372" cy="17757"/>
+            </a:xfrm>
+            <a:prstGeom prst="line">
+              <a:avLst/>
+            </a:prstGeom>
+          </p:spPr>
+          <p:style>
+            <a:lnRef idx="1">
+              <a:schemeClr val="dk1"/>
+            </a:lnRef>
+            <a:fillRef idx="0">
+              <a:schemeClr val="dk1"/>
+            </a:fillRef>
+            <a:effectRef idx="0">
+              <a:schemeClr val="dk1"/>
+            </a:effectRef>
+            <a:fontRef idx="minor">
+              <a:schemeClr val="tx1"/>
+            </a:fontRef>
+          </p:style>
+        </p:cxnSp>
+        <p:cxnSp>
+          <p:nvCxnSpPr>
+            <p:cNvPr id="230" name="直接连接符 229">
+              <a:extLst>
+                <a:ext uri="{FF2B5EF4-FFF2-40B4-BE49-F238E27FC236}">
+                  <a16:creationId xmlns:a16="http://schemas.microsoft.com/office/drawing/2014/main" id="{6FA9FC48-35A3-456F-855A-6A1E3FAEBD5B}"/>
+                </a:ext>
+              </a:extLst>
+            </p:cNvPr>
+            <p:cNvCxnSpPr>
+              <a:stCxn id="244" idx="3"/>
+              <a:endCxn id="209" idx="1"/>
+            </p:cNvCxnSpPr>
+            <p:nvPr/>
+          </p:nvCxnSpPr>
+          <p:spPr>
+            <a:xfrm flipH="1" flipV="1">
+              <a:off x="3696939" y="1850878"/>
+              <a:ext cx="872476" cy="1123422"/>
+            </a:xfrm>
+            <a:prstGeom prst="line">
+              <a:avLst/>
+            </a:prstGeom>
+          </p:spPr>
+          <p:style>
+            <a:lnRef idx="1">
+              <a:schemeClr val="dk1"/>
+            </a:lnRef>
+            <a:fillRef idx="0">
+              <a:schemeClr val="dk1"/>
+            </a:fillRef>
+            <a:effectRef idx="0">
+              <a:schemeClr val="dk1"/>
+            </a:effectRef>
+            <a:fontRef idx="minor">
+              <a:schemeClr val="tx1"/>
+            </a:fontRef>
+          </p:style>
+        </p:cxnSp>
+        <p:cxnSp>
+          <p:nvCxnSpPr>
+            <p:cNvPr id="231" name="直接连接符 230">
+              <a:extLst>
+                <a:ext uri="{FF2B5EF4-FFF2-40B4-BE49-F238E27FC236}">
+                  <a16:creationId xmlns:a16="http://schemas.microsoft.com/office/drawing/2014/main" id="{67A920CC-EBB5-435D-897B-6C11C2BB8117}"/>
+                </a:ext>
+              </a:extLst>
+            </p:cNvPr>
+            <p:cNvCxnSpPr>
+              <a:stCxn id="210" idx="1"/>
+              <a:endCxn id="245" idx="3"/>
+            </p:cNvCxnSpPr>
+            <p:nvPr/>
+          </p:nvCxnSpPr>
+          <p:spPr>
+            <a:xfrm>
+              <a:off x="3237521" y="1850878"/>
+              <a:ext cx="1331894" cy="1582840"/>
+            </a:xfrm>
+            <a:prstGeom prst="line">
+              <a:avLst/>
+            </a:prstGeom>
+          </p:spPr>
+          <p:style>
+            <a:lnRef idx="1">
+              <a:schemeClr val="dk1"/>
+            </a:lnRef>
+            <a:fillRef idx="0">
+              <a:schemeClr val="dk1"/>
+            </a:fillRef>
+            <a:effectRef idx="0">
+              <a:schemeClr val="dk1"/>
+            </a:effectRef>
+            <a:fontRef idx="minor">
+              <a:schemeClr val="tx1"/>
+            </a:fontRef>
+          </p:style>
+        </p:cxnSp>
+        <p:cxnSp>
+          <p:nvCxnSpPr>
+            <p:cNvPr id="232" name="直接连接符 231">
+              <a:extLst>
+                <a:ext uri="{FF2B5EF4-FFF2-40B4-BE49-F238E27FC236}">
+                  <a16:creationId xmlns:a16="http://schemas.microsoft.com/office/drawing/2014/main" id="{8D2B72D6-380E-46A1-95E8-E2970B8005FA}"/>
+                </a:ext>
+              </a:extLst>
+            </p:cNvPr>
+            <p:cNvCxnSpPr>
+              <a:stCxn id="250" idx="4"/>
+              <a:endCxn id="209" idx="0"/>
+            </p:cNvCxnSpPr>
+            <p:nvPr/>
+          </p:nvCxnSpPr>
+          <p:spPr>
+            <a:xfrm flipH="1" flipV="1">
+              <a:off x="3591795" y="1896382"/>
+              <a:ext cx="14389" cy="2524700"/>
+            </a:xfrm>
+            <a:prstGeom prst="line">
+              <a:avLst/>
+            </a:prstGeom>
+          </p:spPr>
+          <p:style>
+            <a:lnRef idx="1">
+              <a:schemeClr val="dk1"/>
+            </a:lnRef>
+            <a:fillRef idx="0">
+              <a:schemeClr val="dk1"/>
+            </a:fillRef>
+            <a:effectRef idx="0">
+              <a:schemeClr val="dk1"/>
+            </a:effectRef>
+            <a:fontRef idx="minor">
+              <a:schemeClr val="tx1"/>
+            </a:fontRef>
+          </p:style>
+        </p:cxnSp>
+        <p:cxnSp>
+          <p:nvCxnSpPr>
+            <p:cNvPr id="233" name="直接连接符 232">
+              <a:extLst>
+                <a:ext uri="{FF2B5EF4-FFF2-40B4-BE49-F238E27FC236}">
+                  <a16:creationId xmlns:a16="http://schemas.microsoft.com/office/drawing/2014/main" id="{6EF9FB2F-410C-46BD-80E3-E8D1C883A0AF}"/>
+                </a:ext>
+              </a:extLst>
+            </p:cNvPr>
+            <p:cNvCxnSpPr>
+              <a:stCxn id="250" idx="5"/>
+              <a:endCxn id="239" idx="3"/>
+            </p:cNvCxnSpPr>
+            <p:nvPr/>
+          </p:nvCxnSpPr>
+          <p:spPr>
+            <a:xfrm flipH="1" flipV="1">
+              <a:off x="2219041" y="3166832"/>
+              <a:ext cx="1281998" cy="1299753"/>
+            </a:xfrm>
+            <a:prstGeom prst="line">
+              <a:avLst/>
+            </a:prstGeom>
+          </p:spPr>
+          <p:style>
+            <a:lnRef idx="1">
+              <a:schemeClr val="dk1"/>
+            </a:lnRef>
+            <a:fillRef idx="0">
+              <a:schemeClr val="dk1"/>
+            </a:fillRef>
+            <a:effectRef idx="0">
+              <a:schemeClr val="dk1"/>
+            </a:effectRef>
+            <a:fontRef idx="minor">
+              <a:schemeClr val="tx1"/>
+            </a:fontRef>
+          </p:style>
+        </p:cxnSp>
+        <p:cxnSp>
+          <p:nvCxnSpPr>
+            <p:cNvPr id="234" name="直接连接符 233">
+              <a:extLst>
+                <a:ext uri="{FF2B5EF4-FFF2-40B4-BE49-F238E27FC236}">
+                  <a16:creationId xmlns:a16="http://schemas.microsoft.com/office/drawing/2014/main" id="{25869FB8-25A2-40ED-AB6D-2B72CC30A85A}"/>
+                </a:ext>
+              </a:extLst>
+            </p:cNvPr>
+            <p:cNvCxnSpPr>
+              <a:stCxn id="250" idx="3"/>
+              <a:endCxn id="245" idx="5"/>
+            </p:cNvCxnSpPr>
+            <p:nvPr/>
+          </p:nvCxnSpPr>
+          <p:spPr>
+            <a:xfrm flipV="1">
+              <a:off x="3711328" y="3644006"/>
+              <a:ext cx="858091" cy="822579"/>
+            </a:xfrm>
+            <a:prstGeom prst="line">
+              <a:avLst/>
+            </a:prstGeom>
+          </p:spPr>
+          <p:style>
+            <a:lnRef idx="1">
+              <a:schemeClr val="dk1"/>
+            </a:lnRef>
+            <a:fillRef idx="0">
+              <a:schemeClr val="dk1"/>
+            </a:fillRef>
+            <a:effectRef idx="0">
+              <a:schemeClr val="dk1"/>
+            </a:effectRef>
+            <a:fontRef idx="minor">
+              <a:schemeClr val="tx1"/>
+            </a:fontRef>
+          </p:style>
+        </p:cxnSp>
+        <p:cxnSp>
+          <p:nvCxnSpPr>
+            <p:cNvPr id="235" name="直接连接符 234">
+              <a:extLst>
+                <a:ext uri="{FF2B5EF4-FFF2-40B4-BE49-F238E27FC236}">
+                  <a16:creationId xmlns:a16="http://schemas.microsoft.com/office/drawing/2014/main" id="{5C77BFF4-0A1E-447F-9164-EE7EBBFE62B9}"/>
+                </a:ext>
+              </a:extLst>
+            </p:cNvPr>
+            <p:cNvCxnSpPr>
+              <a:stCxn id="238" idx="3"/>
+              <a:endCxn id="251" idx="5"/>
+            </p:cNvCxnSpPr>
+            <p:nvPr/>
+          </p:nvCxnSpPr>
+          <p:spPr>
+            <a:xfrm>
+              <a:off x="2219041" y="3626250"/>
+              <a:ext cx="822580" cy="840335"/>
+            </a:xfrm>
+            <a:prstGeom prst="line">
+              <a:avLst/>
+            </a:prstGeom>
+          </p:spPr>
+          <p:style>
+            <a:lnRef idx="1">
+              <a:schemeClr val="dk1"/>
+            </a:lnRef>
+            <a:fillRef idx="0">
+              <a:schemeClr val="dk1"/>
+            </a:fillRef>
+            <a:effectRef idx="0">
+              <a:schemeClr val="dk1"/>
+            </a:effectRef>
+            <a:fontRef idx="minor">
+              <a:schemeClr val="tx1"/>
+            </a:fontRef>
+          </p:style>
+        </p:cxnSp>
+        <p:cxnSp>
+          <p:nvCxnSpPr>
+            <p:cNvPr id="236" name="直接连接符 235">
+              <a:extLst>
+                <a:ext uri="{FF2B5EF4-FFF2-40B4-BE49-F238E27FC236}">
+                  <a16:creationId xmlns:a16="http://schemas.microsoft.com/office/drawing/2014/main" id="{D7775859-5C59-4797-8A52-2AA8C863D3ED}"/>
+                </a:ext>
+              </a:extLst>
+            </p:cNvPr>
+            <p:cNvCxnSpPr>
+              <a:stCxn id="244" idx="5"/>
+              <a:endCxn id="251" idx="3"/>
+            </p:cNvCxnSpPr>
+            <p:nvPr/>
+          </p:nvCxnSpPr>
+          <p:spPr>
+            <a:xfrm flipH="1">
+              <a:off x="3251910" y="3184588"/>
               <a:ext cx="1317509" cy="1281997"/>
             </a:xfrm>
             <a:prstGeom prst="line">
@@ -5758,20 +9763,545 @@
       </p:grpSp>
       <p:sp>
         <p:nvSpPr>
-          <p:cNvPr id="121" name="箭头: 右 120">
-            <a:extLst>
-              <a:ext uri="{FF2B5EF4-FFF2-40B4-BE49-F238E27FC236}">
-                <a16:creationId xmlns:a16="http://schemas.microsoft.com/office/drawing/2014/main" id="{2CEC2216-E781-438A-A252-5345B2A1963E}"/>
-              </a:ext>
-            </a:extLst>
-          </p:cNvPr>
+          <p:cNvPr id="267" name="文本框 266"/>
+          <p:cNvSpPr txBox="1"/>
+          <p:nvPr/>
+        </p:nvSpPr>
+        <p:spPr>
+          <a:xfrm>
+            <a:off x="5582268" y="3149692"/>
+            <a:ext cx="323850" cy="369332"/>
+          </a:xfrm>
+          <a:prstGeom prst="rect">
+            <a:avLst/>
+          </a:prstGeom>
+          <a:noFill/>
+        </p:spPr>
+        <p:txBody>
+          <a:bodyPr wrap="square" rtlCol="0">
+            <a:spAutoFit/>
+          </a:bodyPr>
+          <a:lstStyle/>
+          <a:p>
+            <a:r>
+              <a:rPr lang="en-US" altLang="zh-CN" dirty="0" smtClean="0"/>
+              <a:t>A</a:t>
+            </a:r>
+            <a:endParaRPr lang="zh-CN" altLang="en-US" dirty="0"/>
+          </a:p>
+        </p:txBody>
+      </p:sp>
+      <p:sp>
+        <p:nvSpPr>
+          <p:cNvPr id="309" name="文本框 308"/>
+          <p:cNvSpPr txBox="1"/>
+          <p:nvPr/>
+        </p:nvSpPr>
+        <p:spPr>
+          <a:xfrm>
+            <a:off x="7003299" y="3162346"/>
+            <a:ext cx="323850" cy="369332"/>
+          </a:xfrm>
+          <a:prstGeom prst="rect">
+            <a:avLst/>
+          </a:prstGeom>
+          <a:noFill/>
+        </p:spPr>
+        <p:txBody>
+          <a:bodyPr wrap="square" rtlCol="0">
+            <a:spAutoFit/>
+          </a:bodyPr>
+          <a:lstStyle/>
+          <a:p>
+            <a:r>
+              <a:rPr lang="en-US" altLang="zh-CN" dirty="0"/>
+              <a:t>B</a:t>
+            </a:r>
+            <a:endParaRPr lang="zh-CN" altLang="en-US" dirty="0"/>
+          </a:p>
+        </p:txBody>
+      </p:sp>
+      <p:sp>
+        <p:nvSpPr>
+          <p:cNvPr id="310" name="文本框 309"/>
+          <p:cNvSpPr txBox="1"/>
+          <p:nvPr/>
+        </p:nvSpPr>
+        <p:spPr>
+          <a:xfrm>
+            <a:off x="5569449" y="4593087"/>
+            <a:ext cx="323850" cy="369332"/>
+          </a:xfrm>
+          <a:prstGeom prst="rect">
+            <a:avLst/>
+          </a:prstGeom>
+          <a:noFill/>
+        </p:spPr>
+        <p:txBody>
+          <a:bodyPr wrap="square" rtlCol="0">
+            <a:spAutoFit/>
+          </a:bodyPr>
+          <a:lstStyle/>
+          <a:p>
+            <a:r>
+              <a:rPr lang="en-US" altLang="zh-CN" dirty="0"/>
+              <a:t>C</a:t>
+            </a:r>
+            <a:endParaRPr lang="zh-CN" altLang="en-US" dirty="0"/>
+          </a:p>
+        </p:txBody>
+      </p:sp>
+      <p:sp>
+        <p:nvSpPr>
+          <p:cNvPr id="311" name="文本框 310"/>
+          <p:cNvSpPr txBox="1"/>
+          <p:nvPr/>
+        </p:nvSpPr>
+        <p:spPr>
+          <a:xfrm>
+            <a:off x="4171059" y="3142879"/>
+            <a:ext cx="323850" cy="369332"/>
+          </a:xfrm>
+          <a:prstGeom prst="rect">
+            <a:avLst/>
+          </a:prstGeom>
+          <a:noFill/>
+        </p:spPr>
+        <p:txBody>
+          <a:bodyPr wrap="square" rtlCol="0">
+            <a:spAutoFit/>
+          </a:bodyPr>
+          <a:lstStyle/>
+          <a:p>
+            <a:r>
+              <a:rPr lang="en-US" altLang="zh-CN" dirty="0" smtClean="0"/>
+              <a:t>D</a:t>
+            </a:r>
+            <a:endParaRPr lang="zh-CN" altLang="en-US" dirty="0"/>
+          </a:p>
+        </p:txBody>
+      </p:sp>
+      <p:sp>
+        <p:nvSpPr>
+          <p:cNvPr id="312" name="文本框 311"/>
+          <p:cNvSpPr txBox="1"/>
+          <p:nvPr/>
+        </p:nvSpPr>
+        <p:spPr>
+          <a:xfrm>
+            <a:off x="5585595" y="1702220"/>
+            <a:ext cx="323850" cy="369332"/>
+          </a:xfrm>
+          <a:prstGeom prst="rect">
+            <a:avLst/>
+          </a:prstGeom>
+          <a:noFill/>
+        </p:spPr>
+        <p:txBody>
+          <a:bodyPr wrap="square" rtlCol="0">
+            <a:spAutoFit/>
+          </a:bodyPr>
+          <a:lstStyle/>
+          <a:p>
+            <a:endParaRPr lang="zh-CN" altLang="en-US" dirty="0"/>
+          </a:p>
+        </p:txBody>
+      </p:sp>
+      <p:grpSp>
+        <p:nvGrpSpPr>
+          <p:cNvPr id="321" name="组合 320"/>
+          <p:cNvGrpSpPr/>
+          <p:nvPr/>
+        </p:nvGrpSpPr>
+        <p:grpSpPr>
+          <a:xfrm>
+            <a:off x="8674100" y="1457358"/>
+            <a:ext cx="1733550" cy="1311547"/>
+            <a:chOff x="8274050" y="1384300"/>
+            <a:chExt cx="1879600" cy="1497752"/>
+          </a:xfrm>
+        </p:grpSpPr>
+        <p:sp>
+          <p:nvSpPr>
+            <p:cNvPr id="320" name="圆角矩形 319"/>
+            <p:cNvSpPr/>
+            <p:nvPr/>
+          </p:nvSpPr>
+          <p:spPr>
+            <a:xfrm>
+              <a:off x="8274050" y="1384300"/>
+              <a:ext cx="1879600" cy="1497752"/>
+            </a:xfrm>
+            <a:prstGeom prst="roundRect">
+              <a:avLst/>
+            </a:prstGeom>
+            <a:solidFill>
+              <a:schemeClr val="bg1"/>
+            </a:solidFill>
+          </p:spPr>
+          <p:style>
+            <a:lnRef idx="2">
+              <a:schemeClr val="accent1">
+                <a:shade val="50000"/>
+              </a:schemeClr>
+            </a:lnRef>
+            <a:fillRef idx="1">
+              <a:schemeClr val="accent1"/>
+            </a:fillRef>
+            <a:effectRef idx="0">
+              <a:schemeClr val="accent1"/>
+            </a:effectRef>
+            <a:fontRef idx="minor">
+              <a:schemeClr val="lt1"/>
+            </a:fontRef>
+          </p:style>
+          <p:txBody>
+            <a:bodyPr rtlCol="0" anchor="ctr"/>
+            <a:lstStyle/>
+            <a:p>
+              <a:pPr algn="ctr"/>
+              <a:endParaRPr lang="zh-CN" altLang="en-US"/>
+            </a:p>
+          </p:txBody>
+        </p:sp>
+        <p:grpSp>
+          <p:nvGrpSpPr>
+            <p:cNvPr id="67" name="组合 66"/>
+            <p:cNvGrpSpPr/>
+            <p:nvPr/>
+          </p:nvGrpSpPr>
+          <p:grpSpPr>
+            <a:xfrm>
+              <a:off x="8392065" y="1454498"/>
+              <a:ext cx="1583843" cy="1382921"/>
+              <a:chOff x="8392065" y="1454498"/>
+              <a:chExt cx="1583843" cy="1382921"/>
+            </a:xfrm>
+          </p:grpSpPr>
+          <p:sp>
+            <p:nvSpPr>
+              <p:cNvPr id="313" name="椭圆 312">
+                <a:extLst>
+                  <a:ext uri="{FF2B5EF4-FFF2-40B4-BE49-F238E27FC236}">
+                    <a16:creationId xmlns:a16="http://schemas.microsoft.com/office/drawing/2014/main" id="{CC2DA67E-802C-4F19-A58D-F7D63F8FCB3E}"/>
+                  </a:ext>
+                </a:extLst>
+              </p:cNvPr>
+              <p:cNvSpPr/>
+              <p:nvPr/>
+            </p:nvSpPr>
+            <p:spPr>
+              <a:xfrm>
+                <a:off x="9098338" y="1454498"/>
+                <a:ext cx="146512" cy="158173"/>
+              </a:xfrm>
+              <a:prstGeom prst="ellipse">
+                <a:avLst/>
+              </a:prstGeom>
+              <a:solidFill>
+                <a:schemeClr val="accent6"/>
+              </a:solidFill>
+            </p:spPr>
+            <p:style>
+              <a:lnRef idx="2">
+                <a:schemeClr val="accent1">
+                  <a:shade val="50000"/>
+                </a:schemeClr>
+              </a:lnRef>
+              <a:fillRef idx="1">
+                <a:schemeClr val="accent1"/>
+              </a:fillRef>
+              <a:effectRef idx="0">
+                <a:schemeClr val="accent1"/>
+              </a:effectRef>
+              <a:fontRef idx="minor">
+                <a:schemeClr val="lt1"/>
+              </a:fontRef>
+            </p:style>
+            <p:txBody>
+              <a:bodyPr rtlCol="0" anchor="ctr"/>
+              <a:lstStyle/>
+              <a:p>
+                <a:pPr algn="ctr"/>
+                <a:endParaRPr lang="zh-CN" altLang="en-US" dirty="0">
+                  <a:solidFill>
+                    <a:srgbClr val="00B050"/>
+                  </a:solidFill>
+                </a:endParaRPr>
+              </a:p>
+            </p:txBody>
+          </p:sp>
+          <p:sp>
+            <p:nvSpPr>
+              <p:cNvPr id="314" name="椭圆 313">
+                <a:extLst>
+                  <a:ext uri="{FF2B5EF4-FFF2-40B4-BE49-F238E27FC236}">
+                    <a16:creationId xmlns:a16="http://schemas.microsoft.com/office/drawing/2014/main" id="{13142649-0EF5-4A90-8705-540DA6E3FA6F}"/>
+                  </a:ext>
+                </a:extLst>
+              </p:cNvPr>
+              <p:cNvSpPr/>
+              <p:nvPr/>
+            </p:nvSpPr>
+            <p:spPr>
+              <a:xfrm rot="10800000">
+                <a:off x="9331123" y="2679246"/>
+                <a:ext cx="146512" cy="158173"/>
+              </a:xfrm>
+              <a:prstGeom prst="ellipse">
+                <a:avLst/>
+              </a:prstGeom>
+              <a:solidFill>
+                <a:schemeClr val="accent6"/>
+              </a:solidFill>
+            </p:spPr>
+            <p:style>
+              <a:lnRef idx="2">
+                <a:schemeClr val="accent1">
+                  <a:shade val="50000"/>
+                </a:schemeClr>
+              </a:lnRef>
+              <a:fillRef idx="1">
+                <a:schemeClr val="accent1"/>
+              </a:fillRef>
+              <a:effectRef idx="0">
+                <a:schemeClr val="accent1"/>
+              </a:effectRef>
+              <a:fontRef idx="minor">
+                <a:schemeClr val="lt1"/>
+              </a:fontRef>
+            </p:style>
+            <p:txBody>
+              <a:bodyPr rtlCol="0" anchor="ctr"/>
+              <a:lstStyle/>
+              <a:p>
+                <a:pPr algn="ctr"/>
+                <a:endParaRPr lang="zh-CN" altLang="en-US" dirty="0"/>
+              </a:p>
+            </p:txBody>
+          </p:sp>
+          <p:sp>
+            <p:nvSpPr>
+              <p:cNvPr id="315" name="椭圆 314">
+                <a:extLst>
+                  <a:ext uri="{FF2B5EF4-FFF2-40B4-BE49-F238E27FC236}">
+                    <a16:creationId xmlns:a16="http://schemas.microsoft.com/office/drawing/2014/main" id="{96168055-E5A6-46D0-94EC-0577602DDE71}"/>
+                  </a:ext>
+                </a:extLst>
+              </p:cNvPr>
+              <p:cNvSpPr/>
+              <p:nvPr/>
+            </p:nvSpPr>
+            <p:spPr>
+              <a:xfrm rot="5400000">
+                <a:off x="9823675" y="1948428"/>
+                <a:ext cx="151390" cy="153076"/>
+              </a:xfrm>
+              <a:prstGeom prst="ellipse">
+                <a:avLst/>
+              </a:prstGeom>
+              <a:solidFill>
+                <a:schemeClr val="accent6"/>
+              </a:solidFill>
+            </p:spPr>
+            <p:style>
+              <a:lnRef idx="2">
+                <a:schemeClr val="accent1">
+                  <a:shade val="50000"/>
+                </a:schemeClr>
+              </a:lnRef>
+              <a:fillRef idx="1">
+                <a:schemeClr val="accent1"/>
+              </a:fillRef>
+              <a:effectRef idx="0">
+                <a:schemeClr val="accent1"/>
+              </a:effectRef>
+              <a:fontRef idx="minor">
+                <a:schemeClr val="lt1"/>
+              </a:fontRef>
+            </p:style>
+            <p:txBody>
+              <a:bodyPr rtlCol="0" anchor="ctr"/>
+              <a:lstStyle/>
+              <a:p>
+                <a:pPr algn="ctr"/>
+                <a:endParaRPr lang="zh-CN" altLang="en-US" dirty="0"/>
+              </a:p>
+            </p:txBody>
+          </p:sp>
+          <p:sp>
+            <p:nvSpPr>
+              <p:cNvPr id="316" name="椭圆 315">
+                <a:extLst>
+                  <a:ext uri="{FF2B5EF4-FFF2-40B4-BE49-F238E27FC236}">
+                    <a16:creationId xmlns:a16="http://schemas.microsoft.com/office/drawing/2014/main" id="{96168055-E5A6-46D0-94EC-0577602DDE71}"/>
+                  </a:ext>
+                </a:extLst>
+              </p:cNvPr>
+              <p:cNvSpPr/>
+              <p:nvPr/>
+            </p:nvSpPr>
+            <p:spPr>
+              <a:xfrm rot="5400000">
+                <a:off x="8392908" y="1948428"/>
+                <a:ext cx="151390" cy="153076"/>
+              </a:xfrm>
+              <a:prstGeom prst="ellipse">
+                <a:avLst/>
+              </a:prstGeom>
+              <a:solidFill>
+                <a:srgbClr val="FF0000"/>
+              </a:solidFill>
+            </p:spPr>
+            <p:style>
+              <a:lnRef idx="2">
+                <a:schemeClr val="accent1">
+                  <a:shade val="50000"/>
+                </a:schemeClr>
+              </a:lnRef>
+              <a:fillRef idx="1">
+                <a:schemeClr val="accent1"/>
+              </a:fillRef>
+              <a:effectRef idx="0">
+                <a:schemeClr val="accent1"/>
+              </a:effectRef>
+              <a:fontRef idx="minor">
+                <a:schemeClr val="lt1"/>
+              </a:fontRef>
+            </p:style>
+            <p:txBody>
+              <a:bodyPr rtlCol="0" anchor="ctr"/>
+              <a:lstStyle/>
+              <a:p>
+                <a:pPr algn="ctr"/>
+                <a:endParaRPr lang="zh-CN" altLang="en-US" dirty="0">
+                  <a:solidFill>
+                    <a:srgbClr val="FF0000"/>
+                  </a:solidFill>
+                </a:endParaRPr>
+              </a:p>
+            </p:txBody>
+          </p:sp>
+          <p:cxnSp>
+            <p:nvCxnSpPr>
+              <p:cNvPr id="317" name="直接连接符 316">
+                <a:extLst>
+                  <a:ext uri="{FF2B5EF4-FFF2-40B4-BE49-F238E27FC236}">
+                    <a16:creationId xmlns:a16="http://schemas.microsoft.com/office/drawing/2014/main" id="{764F2CE8-8F96-4941-B0C0-C5FC496D5DC6}"/>
+                  </a:ext>
+                </a:extLst>
+              </p:cNvPr>
+              <p:cNvCxnSpPr/>
+              <p:nvPr/>
+            </p:nvCxnSpPr>
+            <p:spPr>
+              <a:xfrm flipH="1">
+                <a:off x="8527012" y="1552931"/>
+                <a:ext cx="568444" cy="430795"/>
+              </a:xfrm>
+              <a:prstGeom prst="line">
+                <a:avLst/>
+              </a:prstGeom>
+            </p:spPr>
+            <p:style>
+              <a:lnRef idx="1">
+                <a:schemeClr val="dk1"/>
+              </a:lnRef>
+              <a:fillRef idx="0">
+                <a:schemeClr val="dk1"/>
+              </a:fillRef>
+              <a:effectRef idx="0">
+                <a:schemeClr val="dk1"/>
+              </a:effectRef>
+              <a:fontRef idx="minor">
+                <a:schemeClr val="tx1"/>
+              </a:fontRef>
+            </p:style>
+          </p:cxnSp>
+          <p:cxnSp>
+            <p:nvCxnSpPr>
+              <p:cNvPr id="318" name="直接连接符 317">
+                <a:extLst>
+                  <a:ext uri="{FF2B5EF4-FFF2-40B4-BE49-F238E27FC236}">
+                    <a16:creationId xmlns:a16="http://schemas.microsoft.com/office/drawing/2014/main" id="{95DE90DB-FA25-4A7D-B296-8803BEC0EE27}"/>
+                  </a:ext>
+                </a:extLst>
+              </p:cNvPr>
+              <p:cNvCxnSpPr/>
+              <p:nvPr/>
+            </p:nvCxnSpPr>
+            <p:spPr>
+              <a:xfrm flipH="1">
+                <a:off x="8545141" y="2022830"/>
+                <a:ext cx="1264625" cy="1"/>
+              </a:xfrm>
+              <a:prstGeom prst="line">
+                <a:avLst/>
+              </a:prstGeom>
+            </p:spPr>
+            <p:style>
+              <a:lnRef idx="1">
+                <a:schemeClr val="dk1"/>
+              </a:lnRef>
+              <a:fillRef idx="0">
+                <a:schemeClr val="dk1"/>
+              </a:fillRef>
+              <a:effectRef idx="0">
+                <a:schemeClr val="dk1"/>
+              </a:effectRef>
+              <a:fontRef idx="minor">
+                <a:schemeClr val="tx1"/>
+              </a:fontRef>
+            </p:style>
+          </p:cxnSp>
+          <p:cxnSp>
+            <p:nvCxnSpPr>
+              <p:cNvPr id="319" name="直接连接符 318">
+                <a:extLst>
+                  <a:ext uri="{FF2B5EF4-FFF2-40B4-BE49-F238E27FC236}">
+                    <a16:creationId xmlns:a16="http://schemas.microsoft.com/office/drawing/2014/main" id="{6EF9FB2F-410C-46BD-80E3-E8D1C883A0AF}"/>
+                  </a:ext>
+                </a:extLst>
+              </p:cNvPr>
+              <p:cNvCxnSpPr/>
+              <p:nvPr/>
+            </p:nvCxnSpPr>
+            <p:spPr>
+              <a:xfrm flipH="1" flipV="1">
+                <a:off x="8543292" y="2067579"/>
+                <a:ext cx="783116" cy="652612"/>
+              </a:xfrm>
+              <a:prstGeom prst="line">
+                <a:avLst/>
+              </a:prstGeom>
+            </p:spPr>
+            <p:style>
+              <a:lnRef idx="1">
+                <a:schemeClr val="dk1"/>
+              </a:lnRef>
+              <a:fillRef idx="0">
+                <a:schemeClr val="dk1"/>
+              </a:fillRef>
+              <a:effectRef idx="0">
+                <a:schemeClr val="dk1"/>
+              </a:effectRef>
+              <a:fontRef idx="minor">
+                <a:schemeClr val="tx1"/>
+              </a:fontRef>
+            </p:style>
+          </p:cxnSp>
+        </p:grpSp>
+      </p:grpSp>
+      <p:sp>
+        <p:nvSpPr>
+          <p:cNvPr id="325" name="右箭头 324"/>
           <p:cNvSpPr/>
           <p:nvPr/>
         </p:nvSpPr>
         <p:spPr>
-          <a:xfrm>
-            <a:off x="6264459" y="3118567"/>
-            <a:ext cx="917621" cy="297393"/>
+          <a:xfrm rot="19695252">
+            <a:off x="7954203" y="2527477"/>
+            <a:ext cx="546117" cy="92266"/>
           </a:xfrm>
           <a:prstGeom prst="rightArrow">
             <a:avLst/>
